--- a/documentação/Apresentação.pptx
+++ b/documentação/Apresentação.pptx
@@ -2,7 +2,7 @@
 <file path=ppt/presentation.xml><?xml version="1.0" encoding="utf-8"?>
 <p:presentation xmlns:a="http://schemas.openxmlformats.org/drawingml/2006/main" xmlns:r="http://schemas.openxmlformats.org/officeDocument/2006/relationships" xmlns:p="http://schemas.openxmlformats.org/presentationml/2006/main" autoCompressPictures="0">
   <p:sldMasterIdLst>
-    <p:sldMasterId id="2147483648" r:id="rId1"/>
+    <p:sldMasterId id="2147483680" r:id="rId1"/>
   </p:sldMasterIdLst>
   <p:sldIdLst>
     <p:sldId id="256" r:id="rId2"/>
@@ -111,6 +111,11 @@
       </a:defRPr>
     </a:lvl9pPr>
   </p:defaultTextStyle>
+  <p:extLst>
+    <p:ext uri="{EFAFB233-063F-42B5-8137-9DF3F51BA10A}">
+      <p15:sldGuideLst xmlns:p15="http://schemas.microsoft.com/office/powerpoint/2012/main"/>
+    </p:ext>
+  </p:extLst>
 </p:presentation>
 </file>
 
@@ -133,192 +138,125 @@
       </p:grpSpPr>
       <p:grpSp>
         <p:nvGrpSpPr>
-          <p:cNvPr id="19" name="Group 18"/>
+          <p:cNvPr id="7" name="Group 6"/>
           <p:cNvGrpSpPr/>
           <p:nvPr/>
         </p:nvGrpSpPr>
         <p:grpSpPr>
           <a:xfrm>
-            <a:off x="546100" y="-4763"/>
-            <a:ext cx="5014912" cy="6862763"/>
-            <a:chOff x="2928938" y="-4763"/>
-            <a:chExt cx="5014912" cy="6862763"/>
+            <a:off x="0" y="-8467"/>
+            <a:ext cx="12192000" cy="6866467"/>
+            <a:chOff x="0" y="-8467"/>
+            <a:chExt cx="12192000" cy="6866467"/>
           </a:xfrm>
         </p:grpSpPr>
+        <p:cxnSp>
+          <p:nvCxnSpPr>
+            <p:cNvPr id="32" name="Straight Connector 31"/>
+            <p:cNvCxnSpPr/>
+            <p:nvPr/>
+          </p:nvCxnSpPr>
+          <p:spPr>
+            <a:xfrm>
+              <a:off x="9371012" y="0"/>
+              <a:ext cx="1219200" cy="6858000"/>
+            </a:xfrm>
+            <a:prstGeom prst="line">
+              <a:avLst/>
+            </a:prstGeom>
+            <a:ln w="9525">
+              <a:solidFill>
+                <a:schemeClr val="bg1">
+                  <a:lumMod val="75000"/>
+                </a:schemeClr>
+              </a:solidFill>
+            </a:ln>
+          </p:spPr>
+          <p:style>
+            <a:lnRef idx="2">
+              <a:schemeClr val="accent1"/>
+            </a:lnRef>
+            <a:fillRef idx="0">
+              <a:schemeClr val="accent1"/>
+            </a:fillRef>
+            <a:effectRef idx="1">
+              <a:schemeClr val="accent1"/>
+            </a:effectRef>
+            <a:fontRef idx="minor">
+              <a:schemeClr val="tx1"/>
+            </a:fontRef>
+          </p:style>
+        </p:cxnSp>
+        <p:cxnSp>
+          <p:nvCxnSpPr>
+            <p:cNvPr id="21" name="Straight Connector 20"/>
+            <p:cNvCxnSpPr/>
+            <p:nvPr/>
+          </p:nvCxnSpPr>
+          <p:spPr>
+            <a:xfrm flipH="1">
+              <a:off x="7425267" y="3681413"/>
+              <a:ext cx="4763558" cy="3176587"/>
+            </a:xfrm>
+            <a:prstGeom prst="line">
+              <a:avLst/>
+            </a:prstGeom>
+            <a:ln w="9525">
+              <a:solidFill>
+                <a:schemeClr val="bg1">
+                  <a:lumMod val="85000"/>
+                </a:schemeClr>
+              </a:solidFill>
+            </a:ln>
+          </p:spPr>
+          <p:style>
+            <a:lnRef idx="2">
+              <a:schemeClr val="accent1"/>
+            </a:lnRef>
+            <a:fillRef idx="0">
+              <a:schemeClr val="accent1"/>
+            </a:fillRef>
+            <a:effectRef idx="1">
+              <a:schemeClr val="accent1"/>
+            </a:effectRef>
+            <a:fontRef idx="minor">
+              <a:schemeClr val="tx1"/>
+            </a:fontRef>
+          </p:style>
+        </p:cxnSp>
         <p:sp>
           <p:nvSpPr>
-            <p:cNvPr id="22" name="Freeform 6"/>
+            <p:cNvPr id="24" name="Rectangle 23"/>
             <p:cNvSpPr/>
             <p:nvPr/>
           </p:nvSpPr>
-          <p:spPr bwMode="auto">
+          <p:spPr>
             <a:xfrm>
-              <a:off x="3367088" y="-4763"/>
-              <a:ext cx="1063625" cy="2782888"/>
+              <a:off x="9181476" y="-8467"/>
+              <a:ext cx="3007349" cy="6866467"/>
             </a:xfrm>
             <a:custGeom>
               <a:avLst/>
               <a:gdLst/>
               <a:ahLst/>
               <a:cxnLst/>
-              <a:rect l="0" t="0" r="r" b="b"/>
+              <a:rect l="l" t="t" r="r" b="b"/>
               <a:pathLst>
-                <a:path w="670" h="1753">
+                <a:path w="3007349" h="6866467">
                   <a:moveTo>
-                    <a:pt x="0" y="1696"/>
+                    <a:pt x="2045532" y="0"/>
                   </a:moveTo>
                   <a:lnTo>
-                    <a:pt x="225" y="1753"/>
+                    <a:pt x="3007349" y="0"/>
                   </a:lnTo>
                   <a:lnTo>
-                    <a:pt x="670" y="0"/>
+                    <a:pt x="3007349" y="6866467"/>
                   </a:lnTo>
                   <a:lnTo>
-                    <a:pt x="430" y="0"/>
+                    <a:pt x="0" y="6866467"/>
                   </a:lnTo>
                   <a:lnTo>
-                    <a:pt x="0" y="1696"/>
-                  </a:lnTo>
-                  <a:close/>
-                </a:path>
-              </a:pathLst>
-            </a:custGeom>
-            <a:solidFill>
-              <a:schemeClr val="accent1"/>
-            </a:solidFill>
-            <a:ln>
-              <a:noFill/>
-            </a:ln>
-          </p:spPr>
-        </p:sp>
-        <p:sp>
-          <p:nvSpPr>
-            <p:cNvPr id="23" name="Freeform 7"/>
-            <p:cNvSpPr/>
-            <p:nvPr/>
-          </p:nvSpPr>
-          <p:spPr bwMode="auto">
-            <a:xfrm>
-              <a:off x="2928938" y="-4763"/>
-              <a:ext cx="1035050" cy="2673350"/>
-            </a:xfrm>
-            <a:custGeom>
-              <a:avLst/>
-              <a:gdLst/>
-              <a:ahLst/>
-              <a:cxnLst/>
-              <a:rect l="0" t="0" r="r" b="b"/>
-              <a:pathLst>
-                <a:path w="652" h="1684">
-                  <a:moveTo>
-                    <a:pt x="225" y="1684"/>
-                  </a:moveTo>
-                  <a:lnTo>
-                    <a:pt x="652" y="0"/>
-                  </a:lnTo>
-                  <a:lnTo>
-                    <a:pt x="411" y="0"/>
-                  </a:lnTo>
-                  <a:lnTo>
-                    <a:pt x="0" y="1627"/>
-                  </a:lnTo>
-                  <a:lnTo>
-                    <a:pt x="219" y="1681"/>
-                  </a:lnTo>
-                  <a:lnTo>
-                    <a:pt x="225" y="1684"/>
-                  </a:lnTo>
-                  <a:close/>
-                </a:path>
-              </a:pathLst>
-            </a:custGeom>
-            <a:solidFill>
-              <a:schemeClr val="tx1">
-                <a:lumMod val="65000"/>
-                <a:lumOff val="35000"/>
-              </a:schemeClr>
-            </a:solidFill>
-            <a:ln>
-              <a:noFill/>
-            </a:ln>
-          </p:spPr>
-        </p:sp>
-        <p:sp>
-          <p:nvSpPr>
-            <p:cNvPr id="24" name="Freeform 9"/>
-            <p:cNvSpPr/>
-            <p:nvPr/>
-          </p:nvSpPr>
-          <p:spPr bwMode="auto">
-            <a:xfrm>
-              <a:off x="2928938" y="2582862"/>
-              <a:ext cx="2693987" cy="4275138"/>
-            </a:xfrm>
-            <a:custGeom>
-              <a:avLst/>
-              <a:gdLst/>
-              <a:ahLst/>
-              <a:cxnLst/>
-              <a:rect l="0" t="0" r="r" b="b"/>
-              <a:pathLst>
-                <a:path w="1697" h="2693">
-                  <a:moveTo>
-                    <a:pt x="0" y="0"/>
-                  </a:moveTo>
-                  <a:lnTo>
-                    <a:pt x="1622" y="2693"/>
-                  </a:lnTo>
-                  <a:lnTo>
-                    <a:pt x="1697" y="2693"/>
-                  </a:lnTo>
-                  <a:lnTo>
-                    <a:pt x="0" y="0"/>
-                  </a:lnTo>
-                  <a:close/>
-                </a:path>
-              </a:pathLst>
-            </a:custGeom>
-            <a:solidFill>
-              <a:schemeClr val="tx1">
-                <a:lumMod val="85000"/>
-                <a:lumOff val="15000"/>
-              </a:schemeClr>
-            </a:solidFill>
-            <a:ln>
-              <a:noFill/>
-            </a:ln>
-          </p:spPr>
-        </p:sp>
-        <p:sp>
-          <p:nvSpPr>
-            <p:cNvPr id="25" name="Freeform 10"/>
-            <p:cNvSpPr/>
-            <p:nvPr/>
-          </p:nvSpPr>
-          <p:spPr bwMode="auto">
-            <a:xfrm>
-              <a:off x="3371850" y="2692400"/>
-              <a:ext cx="3332162" cy="4165600"/>
-            </a:xfrm>
-            <a:custGeom>
-              <a:avLst/>
-              <a:gdLst/>
-              <a:ahLst/>
-              <a:cxnLst/>
-              <a:rect l="0" t="0" r="r" b="b"/>
-              <a:pathLst>
-                <a:path w="2099" h="2624">
-                  <a:moveTo>
-                    <a:pt x="2099" y="2624"/>
-                  </a:moveTo>
-                  <a:lnTo>
-                    <a:pt x="0" y="0"/>
-                  </a:lnTo>
-                  <a:lnTo>
-                    <a:pt x="2021" y="2624"/>
-                  </a:lnTo>
-                  <a:lnTo>
-                    <a:pt x="2099" y="2624"/>
+                    <a:pt x="2045532" y="0"/>
                   </a:lnTo>
                   <a:close/>
                 </a:path>
@@ -326,47 +264,59 @@
             </a:custGeom>
             <a:solidFill>
               <a:schemeClr val="accent1">
-                <a:lumMod val="50000"/>
+                <a:alpha val="30000"/>
               </a:schemeClr>
             </a:solidFill>
             <a:ln>
               <a:noFill/>
             </a:ln>
+            <a:effectLst/>
           </p:spPr>
+          <p:style>
+            <a:lnRef idx="1">
+              <a:schemeClr val="accent1"/>
+            </a:lnRef>
+            <a:fillRef idx="3">
+              <a:schemeClr val="accent1"/>
+            </a:fillRef>
+            <a:effectRef idx="2">
+              <a:schemeClr val="accent1"/>
+            </a:effectRef>
+            <a:fontRef idx="minor">
+              <a:schemeClr val="lt1"/>
+            </a:fontRef>
+          </p:style>
         </p:sp>
         <p:sp>
           <p:nvSpPr>
-            <p:cNvPr id="26" name="Freeform 11"/>
+            <p:cNvPr id="26" name="Rectangle 25"/>
             <p:cNvSpPr/>
             <p:nvPr/>
           </p:nvSpPr>
-          <p:spPr bwMode="auto">
+          <p:spPr>
             <a:xfrm>
-              <a:off x="3367088" y="2687637"/>
-              <a:ext cx="4576762" cy="4170363"/>
+              <a:off x="9603442" y="-8467"/>
+              <a:ext cx="2588558" cy="6866467"/>
             </a:xfrm>
             <a:custGeom>
               <a:avLst/>
               <a:gdLst/>
               <a:ahLst/>
               <a:cxnLst/>
-              <a:rect l="0" t="0" r="r" b="b"/>
+              <a:rect l="l" t="t" r="r" b="b"/>
               <a:pathLst>
-                <a:path w="2883" h="2627">
+                <a:path w="2573311" h="6866467">
                   <a:moveTo>
                     <a:pt x="0" y="0"/>
                   </a:moveTo>
                   <a:lnTo>
-                    <a:pt x="3" y="3"/>
+                    <a:pt x="2573311" y="0"/>
                   </a:lnTo>
                   <a:lnTo>
-                    <a:pt x="2102" y="2627"/>
+                    <a:pt x="2573311" y="6866467"/>
                   </a:lnTo>
                   <a:lnTo>
-                    <a:pt x="2883" y="2627"/>
-                  </a:lnTo>
-                  <a:lnTo>
-                    <a:pt x="225" y="57"/>
+                    <a:pt x="1202336" y="6866467"/>
                   </a:lnTo>
                   <a:lnTo>
                     <a:pt x="0" y="0"/>
@@ -377,71 +327,343 @@
             </a:custGeom>
             <a:solidFill>
               <a:schemeClr val="accent1">
-                <a:lumMod val="75000"/>
+                <a:alpha val="20000"/>
               </a:schemeClr>
             </a:solidFill>
             <a:ln>
               <a:noFill/>
             </a:ln>
+            <a:effectLst/>
           </p:spPr>
+          <p:style>
+            <a:lnRef idx="1">
+              <a:schemeClr val="accent1"/>
+            </a:lnRef>
+            <a:fillRef idx="3">
+              <a:schemeClr val="accent1"/>
+            </a:fillRef>
+            <a:effectRef idx="2">
+              <a:schemeClr val="accent1"/>
+            </a:effectRef>
+            <a:fontRef idx="minor">
+              <a:schemeClr val="lt1"/>
+            </a:fontRef>
+          </p:style>
         </p:sp>
         <p:sp>
           <p:nvSpPr>
-            <p:cNvPr id="27" name="Freeform 12"/>
+            <p:cNvPr id="27" name="Isosceles Triangle 26"/>
             <p:cNvSpPr/>
             <p:nvPr/>
           </p:nvSpPr>
-          <p:spPr bwMode="auto">
+          <p:spPr>
             <a:xfrm>
-              <a:off x="2928938" y="2578100"/>
-              <a:ext cx="3584575" cy="4279900"/>
+              <a:off x="8932333" y="3048000"/>
+              <a:ext cx="3259667" cy="3810000"/>
+            </a:xfrm>
+            <a:prstGeom prst="triangle">
+              <a:avLst>
+                <a:gd name="adj" fmla="val 100000"/>
+              </a:avLst>
+            </a:prstGeom>
+            <a:solidFill>
+              <a:schemeClr val="accent2">
+                <a:alpha val="72000"/>
+              </a:schemeClr>
+            </a:solidFill>
+            <a:ln>
+              <a:noFill/>
+            </a:ln>
+            <a:effectLst/>
+          </p:spPr>
+          <p:style>
+            <a:lnRef idx="1">
+              <a:schemeClr val="accent1"/>
+            </a:lnRef>
+            <a:fillRef idx="3">
+              <a:schemeClr val="accent1"/>
+            </a:fillRef>
+            <a:effectRef idx="2">
+              <a:schemeClr val="accent1"/>
+            </a:effectRef>
+            <a:fontRef idx="minor">
+              <a:schemeClr val="lt1"/>
+            </a:fontRef>
+          </p:style>
+        </p:sp>
+        <p:sp>
+          <p:nvSpPr>
+            <p:cNvPr id="28" name="Rectangle 27"/>
+            <p:cNvSpPr/>
+            <p:nvPr/>
+          </p:nvSpPr>
+          <p:spPr>
+            <a:xfrm>
+              <a:off x="9334500" y="-8467"/>
+              <a:ext cx="2854326" cy="6866467"/>
             </a:xfrm>
             <a:custGeom>
               <a:avLst/>
               <a:gdLst/>
               <a:ahLst/>
               <a:cxnLst/>
-              <a:rect l="0" t="0" r="r" b="b"/>
+              <a:rect l="l" t="t" r="r" b="b"/>
               <a:pathLst>
-                <a:path w="2258" h="2696">
+                <a:path w="2858013" h="6866467">
                   <a:moveTo>
-                    <a:pt x="2258" y="2696"/>
+                    <a:pt x="0" y="0"/>
                   </a:moveTo>
                   <a:lnTo>
-                    <a:pt x="264" y="111"/>
+                    <a:pt x="2858013" y="0"/>
                   </a:lnTo>
                   <a:lnTo>
-                    <a:pt x="228" y="60"/>
+                    <a:pt x="2858013" y="6866467"/>
                   </a:lnTo>
                   <a:lnTo>
-                    <a:pt x="225" y="57"/>
+                    <a:pt x="2473942" y="6866467"/>
                   </a:lnTo>
                   <a:lnTo>
                     <a:pt x="0" y="0"/>
-                  </a:lnTo>
-                  <a:lnTo>
-                    <a:pt x="0" y="3"/>
-                  </a:lnTo>
-                  <a:lnTo>
-                    <a:pt x="1697" y="2696"/>
-                  </a:lnTo>
-                  <a:lnTo>
-                    <a:pt x="2258" y="2696"/>
                   </a:lnTo>
                   <a:close/>
                 </a:path>
               </a:pathLst>
             </a:custGeom>
             <a:solidFill>
-              <a:schemeClr val="tx1">
+              <a:schemeClr val="accent2">
                 <a:lumMod val="75000"/>
-                <a:lumOff val="25000"/>
+                <a:alpha val="70000"/>
               </a:schemeClr>
             </a:solidFill>
             <a:ln>
               <a:noFill/>
             </a:ln>
+            <a:effectLst/>
           </p:spPr>
+          <p:style>
+            <a:lnRef idx="1">
+              <a:schemeClr val="accent1"/>
+            </a:lnRef>
+            <a:fillRef idx="3">
+              <a:schemeClr val="accent1"/>
+            </a:fillRef>
+            <a:effectRef idx="2">
+              <a:schemeClr val="accent1"/>
+            </a:effectRef>
+            <a:fontRef idx="minor">
+              <a:schemeClr val="lt1"/>
+            </a:fontRef>
+          </p:style>
+        </p:sp>
+        <p:sp>
+          <p:nvSpPr>
+            <p:cNvPr id="29" name="Rectangle 28"/>
+            <p:cNvSpPr/>
+            <p:nvPr/>
+          </p:nvSpPr>
+          <p:spPr>
+            <a:xfrm>
+              <a:off x="10898730" y="-8467"/>
+              <a:ext cx="1290094" cy="6866467"/>
+            </a:xfrm>
+            <a:custGeom>
+              <a:avLst/>
+              <a:gdLst/>
+              <a:ahLst/>
+              <a:cxnLst/>
+              <a:rect l="l" t="t" r="r" b="b"/>
+              <a:pathLst>
+                <a:path w="1290094" h="6858000">
+                  <a:moveTo>
+                    <a:pt x="1019735" y="0"/>
+                  </a:moveTo>
+                  <a:lnTo>
+                    <a:pt x="1290094" y="0"/>
+                  </a:lnTo>
+                  <a:lnTo>
+                    <a:pt x="1290094" y="6858000"/>
+                  </a:lnTo>
+                  <a:lnTo>
+                    <a:pt x="0" y="6858000"/>
+                  </a:lnTo>
+                  <a:lnTo>
+                    <a:pt x="1019735" y="0"/>
+                  </a:lnTo>
+                  <a:close/>
+                </a:path>
+              </a:pathLst>
+            </a:custGeom>
+            <a:solidFill>
+              <a:schemeClr val="accent1">
+                <a:lumMod val="60000"/>
+                <a:lumOff val="40000"/>
+                <a:alpha val="70000"/>
+              </a:schemeClr>
+            </a:solidFill>
+            <a:ln>
+              <a:noFill/>
+            </a:ln>
+            <a:effectLst/>
+          </p:spPr>
+          <p:style>
+            <a:lnRef idx="1">
+              <a:schemeClr val="accent1"/>
+            </a:lnRef>
+            <a:fillRef idx="3">
+              <a:schemeClr val="accent1"/>
+            </a:fillRef>
+            <a:effectRef idx="2">
+              <a:schemeClr val="accent1"/>
+            </a:effectRef>
+            <a:fontRef idx="minor">
+              <a:schemeClr val="lt1"/>
+            </a:fontRef>
+          </p:style>
+        </p:sp>
+        <p:sp>
+          <p:nvSpPr>
+            <p:cNvPr id="30" name="Rectangle 29"/>
+            <p:cNvSpPr/>
+            <p:nvPr/>
+          </p:nvSpPr>
+          <p:spPr>
+            <a:xfrm>
+              <a:off x="10938999" y="-8467"/>
+              <a:ext cx="1249825" cy="6866467"/>
+            </a:xfrm>
+            <a:custGeom>
+              <a:avLst/>
+              <a:gdLst/>
+              <a:ahLst/>
+              <a:cxnLst/>
+              <a:rect l="l" t="t" r="r" b="b"/>
+              <a:pathLst>
+                <a:path w="1249825" h="6858000">
+                  <a:moveTo>
+                    <a:pt x="0" y="0"/>
+                  </a:moveTo>
+                  <a:lnTo>
+                    <a:pt x="1249825" y="0"/>
+                  </a:lnTo>
+                  <a:lnTo>
+                    <a:pt x="1249825" y="6858000"/>
+                  </a:lnTo>
+                  <a:lnTo>
+                    <a:pt x="1109382" y="6858000"/>
+                  </a:lnTo>
+                  <a:lnTo>
+                    <a:pt x="0" y="0"/>
+                  </a:lnTo>
+                  <a:close/>
+                </a:path>
+              </a:pathLst>
+            </a:custGeom>
+            <a:solidFill>
+              <a:schemeClr val="accent1">
+                <a:alpha val="65000"/>
+              </a:schemeClr>
+            </a:solidFill>
+            <a:ln>
+              <a:noFill/>
+            </a:ln>
+            <a:effectLst/>
+          </p:spPr>
+          <p:style>
+            <a:lnRef idx="1">
+              <a:schemeClr val="accent1"/>
+            </a:lnRef>
+            <a:fillRef idx="3">
+              <a:schemeClr val="accent1"/>
+            </a:fillRef>
+            <a:effectRef idx="2">
+              <a:schemeClr val="accent1"/>
+            </a:effectRef>
+            <a:fontRef idx="minor">
+              <a:schemeClr val="lt1"/>
+            </a:fontRef>
+          </p:style>
+        </p:sp>
+        <p:sp>
+          <p:nvSpPr>
+            <p:cNvPr id="31" name="Isosceles Triangle 30"/>
+            <p:cNvSpPr/>
+            <p:nvPr/>
+          </p:nvSpPr>
+          <p:spPr>
+            <a:xfrm>
+              <a:off x="10371666" y="3589867"/>
+              <a:ext cx="1817159" cy="3268133"/>
+            </a:xfrm>
+            <a:prstGeom prst="triangle">
+              <a:avLst>
+                <a:gd name="adj" fmla="val 100000"/>
+              </a:avLst>
+            </a:prstGeom>
+            <a:solidFill>
+              <a:schemeClr val="accent1">
+                <a:alpha val="80000"/>
+              </a:schemeClr>
+            </a:solidFill>
+            <a:ln>
+              <a:noFill/>
+            </a:ln>
+            <a:effectLst/>
+          </p:spPr>
+          <p:style>
+            <a:lnRef idx="1">
+              <a:schemeClr val="accent1"/>
+            </a:lnRef>
+            <a:fillRef idx="3">
+              <a:schemeClr val="accent1"/>
+            </a:fillRef>
+            <a:effectRef idx="2">
+              <a:schemeClr val="accent1"/>
+            </a:effectRef>
+            <a:fontRef idx="minor">
+              <a:schemeClr val="lt1"/>
+            </a:fontRef>
+          </p:style>
+        </p:sp>
+        <p:sp>
+          <p:nvSpPr>
+            <p:cNvPr id="19" name="Isosceles Triangle 18"/>
+            <p:cNvSpPr/>
+            <p:nvPr/>
+          </p:nvSpPr>
+          <p:spPr>
+            <a:xfrm rot="10800000">
+              <a:off x="0" y="0"/>
+              <a:ext cx="842596" cy="5666154"/>
+            </a:xfrm>
+            <a:prstGeom prst="triangle">
+              <a:avLst>
+                <a:gd name="adj" fmla="val 100000"/>
+              </a:avLst>
+            </a:prstGeom>
+            <a:solidFill>
+              <a:schemeClr val="accent1">
+                <a:alpha val="85000"/>
+              </a:schemeClr>
+            </a:solidFill>
+            <a:ln>
+              <a:noFill/>
+            </a:ln>
+            <a:effectLst/>
+          </p:spPr>
+          <p:style>
+            <a:lnRef idx="1">
+              <a:schemeClr val="accent1"/>
+            </a:lnRef>
+            <a:fillRef idx="3">
+              <a:schemeClr val="accent1"/>
+            </a:fillRef>
+            <a:effectRef idx="2">
+              <a:schemeClr val="accent1"/>
+            </a:effectRef>
+            <a:fontRef idx="minor">
+              <a:schemeClr val="lt1"/>
+            </a:fontRef>
+          </p:style>
         </p:sp>
       </p:grpSp>
       <p:sp>
@@ -456,18 +678,20 @@
         </p:nvSpPr>
         <p:spPr>
           <a:xfrm>
-            <a:off x="2928401" y="1380068"/>
-            <a:ext cx="8574622" cy="2616199"/>
+            <a:off x="1507067" y="2404534"/>
+            <a:ext cx="7766936" cy="1646302"/>
           </a:xfrm>
         </p:spPr>
         <p:txBody>
           <a:bodyPr anchor="b">
-            <a:normAutofit/>
+            <a:noAutofit/>
           </a:bodyPr>
           <a:lstStyle>
             <a:lvl1pPr algn="r">
-              <a:defRPr sz="6000">
-                <a:effectLst/>
+              <a:defRPr sz="5400">
+                <a:solidFill>
+                  <a:schemeClr val="accent1"/>
+                </a:solidFill>
               </a:defRPr>
             </a:lvl1pPr>
           </a:lstStyle>
@@ -492,20 +716,21 @@
         </p:nvSpPr>
         <p:spPr>
           <a:xfrm>
-            <a:off x="4515377" y="3996267"/>
-            <a:ext cx="6987645" cy="1388534"/>
+            <a:off x="1507067" y="4050833"/>
+            <a:ext cx="7766936" cy="1096899"/>
           </a:xfrm>
         </p:spPr>
         <p:txBody>
-          <a:bodyPr anchor="t">
-            <a:normAutofit/>
-          </a:bodyPr>
+          <a:bodyPr anchor="t"/>
           <a:lstStyle>
             <a:lvl1pPr marL="0" indent="0" algn="r">
               <a:buNone/>
-              <a:defRPr sz="2100">
+              <a:defRPr>
                 <a:solidFill>
-                  <a:schemeClr val="tx1"/>
+                  <a:schemeClr val="tx1">
+                    <a:lumMod val="50000"/>
+                    <a:lumOff val="50000"/>
+                  </a:schemeClr>
                 </a:solidFill>
               </a:defRPr>
             </a:lvl1pPr>
@@ -615,9 +840,9 @@
           <a:lstStyle/>
           <a:p>
             <a:fld id="{B61BEF0D-F0BB-DE4B-95CE-6DB70DBA9567}" type="datetimeFigureOut">
-              <a:rPr lang="en-US" dirty="0"/>
+              <a:rPr lang="en-US" smtClean="0"/>
               <a:pPr/>
-              <a:t>3/18/2015</a:t>
+              <a:t>3/21/2015</a:t>
             </a:fld>
             <a:endParaRPr lang="en-US" dirty="0"/>
           </a:p>
@@ -633,12 +858,7 @@
             <p:ph type="ftr" sz="quarter" idx="11"/>
           </p:nvPr>
         </p:nvSpPr>
-        <p:spPr>
-          <a:xfrm>
-            <a:off x="5332412" y="5883275"/>
-            <a:ext cx="4324044" cy="365125"/>
-          </a:xfrm>
-        </p:spPr>
+        <p:spPr/>
         <p:txBody>
           <a:bodyPr/>
           <a:lstStyle/>
@@ -663,7 +883,7 @@
           <a:lstStyle/>
           <a:p>
             <a:fld id="{D57F1E4F-1CFF-5643-939E-217C01CDF565}" type="slidenum">
-              <a:rPr lang="en-US" dirty="0"/>
+              <a:rPr lang="en-US" smtClean="0"/>
               <a:pPr/>
               <a:t>‹nº›</a:t>
             </a:fld>
@@ -672,6 +892,11 @@
         </p:txBody>
       </p:sp>
     </p:spTree>
+    <p:extLst>
+      <p:ext uri="{BB962C8B-B14F-4D97-AF65-F5344CB8AC3E}">
+        <p14:creationId xmlns:p14="http://schemas.microsoft.com/office/powerpoint/2010/main" val="2856604241"/>
+      </p:ext>
+    </p:extLst>
   </p:cSld>
   <p:clrMapOvr>
     <a:masterClrMapping/>
@@ -680,294 +905,6 @@
 </file>
 
 <file path=ppt/slideLayouts/slideLayout10.xml><?xml version="1.0" encoding="utf-8"?>
-<p:sldLayout xmlns:a="http://schemas.openxmlformats.org/drawingml/2006/main" xmlns:r="http://schemas.openxmlformats.org/officeDocument/2006/relationships" xmlns:p="http://schemas.openxmlformats.org/presentationml/2006/main" preserve="1">
-  <p:cSld name="Foto Panorâmica com Legenda">
-    <p:spTree>
-      <p:nvGrpSpPr>
-        <p:cNvPr id="1" name=""/>
-        <p:cNvGrpSpPr/>
-        <p:nvPr/>
-      </p:nvGrpSpPr>
-      <p:grpSpPr>
-        <a:xfrm>
-          <a:off x="0" y="0"/>
-          <a:ext cx="0" cy="0"/>
-          <a:chOff x="0" y="0"/>
-          <a:chExt cx="0" cy="0"/>
-        </a:xfrm>
-      </p:grpSpPr>
-      <p:sp>
-        <p:nvSpPr>
-          <p:cNvPr id="2" name="Title 1"/>
-          <p:cNvSpPr>
-            <a:spLocks noGrp="1"/>
-          </p:cNvSpPr>
-          <p:nvPr>
-            <p:ph type="title"/>
-          </p:nvPr>
-        </p:nvSpPr>
-        <p:spPr>
-          <a:xfrm>
-            <a:off x="1484311" y="4732865"/>
-            <a:ext cx="10018711" cy="566738"/>
-          </a:xfrm>
-        </p:spPr>
-        <p:txBody>
-          <a:bodyPr anchor="b">
-            <a:normAutofit/>
-          </a:bodyPr>
-          <a:lstStyle>
-            <a:lvl1pPr algn="ctr">
-              <a:defRPr sz="2400" b="0"/>
-            </a:lvl1pPr>
-          </a:lstStyle>
-          <a:p>
-            <a:r>
-              <a:rPr lang="pt-BR" smtClean="0"/>
-              <a:t>Clique para editar o título mestre</a:t>
-            </a:r>
-            <a:endParaRPr lang="en-US" dirty="0"/>
-          </a:p>
-        </p:txBody>
-      </p:sp>
-      <p:sp>
-        <p:nvSpPr>
-          <p:cNvPr id="3" name="Picture Placeholder 2"/>
-          <p:cNvSpPr>
-            <a:spLocks noGrp="1" noChangeAspect="1"/>
-          </p:cNvSpPr>
-          <p:nvPr>
-            <p:ph type="pic" idx="1"/>
-          </p:nvPr>
-        </p:nvSpPr>
-        <p:spPr>
-          <a:xfrm>
-            <a:off x="2386012" y="932112"/>
-            <a:ext cx="8225944" cy="3164976"/>
-          </a:xfrm>
-          <a:prstGeom prst="roundRect">
-            <a:avLst>
-              <a:gd name="adj" fmla="val 4380"/>
-            </a:avLst>
-          </a:prstGeom>
-          <a:ln w="38100">
-            <a:gradFill flip="none" rotWithShape="1">
-              <a:gsLst>
-                <a:gs pos="0">
-                  <a:schemeClr val="bg2"/>
-                </a:gs>
-                <a:gs pos="100000">
-                  <a:schemeClr val="bg2">
-                    <a:lumMod val="75000"/>
-                  </a:schemeClr>
-                </a:gs>
-              </a:gsLst>
-              <a:lin ang="5400000" scaled="0"/>
-              <a:tileRect/>
-            </a:gradFill>
-          </a:ln>
-          <a:effectLst>
-            <a:innerShdw blurRad="57150" dist="38100" dir="14460000">
-              <a:srgbClr val="000000">
-                <a:alpha val="70000"/>
-              </a:srgbClr>
-            </a:innerShdw>
-          </a:effectLst>
-        </p:spPr>
-        <p:txBody>
-          <a:bodyPr anchor="t">
-            <a:normAutofit/>
-          </a:bodyPr>
-          <a:lstStyle>
-            <a:lvl1pPr marL="0" indent="0" algn="ctr">
-              <a:buNone/>
-              <a:defRPr sz="1600"/>
-            </a:lvl1pPr>
-            <a:lvl2pPr marL="457200" indent="0">
-              <a:buNone/>
-              <a:defRPr sz="1600"/>
-            </a:lvl2pPr>
-            <a:lvl3pPr marL="914400" indent="0">
-              <a:buNone/>
-              <a:defRPr sz="1600"/>
-            </a:lvl3pPr>
-            <a:lvl4pPr marL="1371600" indent="0">
-              <a:buNone/>
-              <a:defRPr sz="1600"/>
-            </a:lvl4pPr>
-            <a:lvl5pPr marL="1828800" indent="0">
-              <a:buNone/>
-              <a:defRPr sz="1600"/>
-            </a:lvl5pPr>
-            <a:lvl6pPr marL="2286000" indent="0">
-              <a:buNone/>
-              <a:defRPr sz="1600"/>
-            </a:lvl6pPr>
-            <a:lvl7pPr marL="2743200" indent="0">
-              <a:buNone/>
-              <a:defRPr sz="1600"/>
-            </a:lvl7pPr>
-            <a:lvl8pPr marL="3200400" indent="0">
-              <a:buNone/>
-              <a:defRPr sz="1600"/>
-            </a:lvl8pPr>
-            <a:lvl9pPr marL="3657600" indent="0">
-              <a:buNone/>
-              <a:defRPr sz="1600"/>
-            </a:lvl9pPr>
-          </a:lstStyle>
-          <a:p>
-            <a:r>
-              <a:rPr lang="pt-BR" smtClean="0"/>
-              <a:t>Clique no ícone para adicionar uma imagem</a:t>
-            </a:r>
-            <a:endParaRPr lang="en-US" dirty="0"/>
-          </a:p>
-        </p:txBody>
-      </p:sp>
-      <p:sp>
-        <p:nvSpPr>
-          <p:cNvPr id="4" name="Text Placeholder 3"/>
-          <p:cNvSpPr>
-            <a:spLocks noGrp="1"/>
-          </p:cNvSpPr>
-          <p:nvPr>
-            <p:ph type="body" sz="half" idx="2"/>
-          </p:nvPr>
-        </p:nvSpPr>
-        <p:spPr>
-          <a:xfrm>
-            <a:off x="1484311" y="5299603"/>
-            <a:ext cx="10018711" cy="493712"/>
-          </a:xfrm>
-        </p:spPr>
-        <p:txBody>
-          <a:bodyPr>
-            <a:normAutofit/>
-          </a:bodyPr>
-          <a:lstStyle>
-            <a:lvl1pPr marL="0" indent="0" algn="ctr">
-              <a:buNone/>
-              <a:defRPr sz="1400"/>
-            </a:lvl1pPr>
-            <a:lvl2pPr marL="457200" indent="0">
-              <a:buNone/>
-              <a:defRPr sz="1200"/>
-            </a:lvl2pPr>
-            <a:lvl3pPr marL="914400" indent="0">
-              <a:buNone/>
-              <a:defRPr sz="1000"/>
-            </a:lvl3pPr>
-            <a:lvl4pPr marL="1371600" indent="0">
-              <a:buNone/>
-              <a:defRPr sz="900"/>
-            </a:lvl4pPr>
-            <a:lvl5pPr marL="1828800" indent="0">
-              <a:buNone/>
-              <a:defRPr sz="900"/>
-            </a:lvl5pPr>
-            <a:lvl6pPr marL="2286000" indent="0">
-              <a:buNone/>
-              <a:defRPr sz="900"/>
-            </a:lvl6pPr>
-            <a:lvl7pPr marL="2743200" indent="0">
-              <a:buNone/>
-              <a:defRPr sz="900"/>
-            </a:lvl7pPr>
-            <a:lvl8pPr marL="3200400" indent="0">
-              <a:buNone/>
-              <a:defRPr sz="900"/>
-            </a:lvl8pPr>
-            <a:lvl9pPr marL="3657600" indent="0">
-              <a:buNone/>
-              <a:defRPr sz="900"/>
-            </a:lvl9pPr>
-          </a:lstStyle>
-          <a:p>
-            <a:pPr lvl="0"/>
-            <a:r>
-              <a:rPr lang="pt-BR" smtClean="0"/>
-              <a:t>Clique para editar o texto mestre</a:t>
-            </a:r>
-          </a:p>
-        </p:txBody>
-      </p:sp>
-      <p:sp>
-        <p:nvSpPr>
-          <p:cNvPr id="5" name="Date Placeholder 4"/>
-          <p:cNvSpPr>
-            <a:spLocks noGrp="1"/>
-          </p:cNvSpPr>
-          <p:nvPr>
-            <p:ph type="dt" sz="half" idx="10"/>
-          </p:nvPr>
-        </p:nvSpPr>
-        <p:spPr/>
-        <p:txBody>
-          <a:bodyPr/>
-          <a:lstStyle/>
-          <a:p>
-            <a:fld id="{B61BEF0D-F0BB-DE4B-95CE-6DB70DBA9567}" type="datetimeFigureOut">
-              <a:rPr lang="en-US" dirty="0"/>
-              <a:pPr/>
-              <a:t>3/18/2015</a:t>
-            </a:fld>
-            <a:endParaRPr lang="en-US" dirty="0"/>
-          </a:p>
-        </p:txBody>
-      </p:sp>
-      <p:sp>
-        <p:nvSpPr>
-          <p:cNvPr id="6" name="Footer Placeholder 5"/>
-          <p:cNvSpPr>
-            <a:spLocks noGrp="1"/>
-          </p:cNvSpPr>
-          <p:nvPr>
-            <p:ph type="ftr" sz="quarter" idx="11"/>
-          </p:nvPr>
-        </p:nvSpPr>
-        <p:spPr/>
-        <p:txBody>
-          <a:bodyPr/>
-          <a:lstStyle/>
-          <a:p>
-            <a:endParaRPr lang="en-US" dirty="0"/>
-          </a:p>
-        </p:txBody>
-      </p:sp>
-      <p:sp>
-        <p:nvSpPr>
-          <p:cNvPr id="7" name="Slide Number Placeholder 6"/>
-          <p:cNvSpPr>
-            <a:spLocks noGrp="1"/>
-          </p:cNvSpPr>
-          <p:nvPr>
-            <p:ph type="sldNum" sz="quarter" idx="12"/>
-          </p:nvPr>
-        </p:nvSpPr>
-        <p:spPr/>
-        <p:txBody>
-          <a:bodyPr/>
-          <a:lstStyle/>
-          <a:p>
-            <a:fld id="{D57F1E4F-1CFF-5643-939E-217C01CDF565}" type="slidenum">
-              <a:rPr lang="en-US" dirty="0"/>
-              <a:pPr/>
-              <a:t>‹nº›</a:t>
-            </a:fld>
-            <a:endParaRPr lang="en-US" dirty="0"/>
-          </a:p>
-        </p:txBody>
-      </p:sp>
-    </p:spTree>
-  </p:cSld>
-  <p:clrMapOvr>
-    <a:masterClrMapping/>
-  </p:clrMapOvr>
-</p:sldLayout>
-</file>
-
-<file path=ppt/slideLayouts/slideLayout11.xml><?xml version="1.0" encoding="utf-8"?>
 <p:sldLayout xmlns:a="http://schemas.openxmlformats.org/drawingml/2006/main" xmlns:r="http://schemas.openxmlformats.org/officeDocument/2006/relationships" xmlns:p="http://schemas.openxmlformats.org/presentationml/2006/main" preserve="1">
   <p:cSld name="Título e Legenda">
     <p:spTree>
@@ -996,8 +933,8 @@
         </p:nvSpPr>
         <p:spPr>
           <a:xfrm>
-            <a:off x="1484312" y="685800"/>
-            <a:ext cx="10018711" cy="3048000"/>
+            <a:off x="677335" y="609600"/>
+            <a:ext cx="8596668" cy="3403600"/>
           </a:xfrm>
         </p:spPr>
         <p:txBody>
@@ -1005,8 +942,8 @@
             <a:normAutofit/>
           </a:bodyPr>
           <a:lstStyle>
-            <a:lvl1pPr algn="ctr">
-              <a:defRPr sz="3200" b="0" cap="none"/>
+            <a:lvl1pPr algn="l">
+              <a:defRPr sz="4400" b="0" cap="none"/>
             </a:lvl1pPr>
           </a:lstStyle>
           <a:p>
@@ -1030,8 +967,8 @@
         </p:nvSpPr>
         <p:spPr>
           <a:xfrm>
-            <a:off x="1484312" y="4343400"/>
-            <a:ext cx="10018713" cy="1447800"/>
+            <a:off x="677335" y="4470400"/>
+            <a:ext cx="8596668" cy="1570962"/>
           </a:xfrm>
         </p:spPr>
         <p:txBody>
@@ -1039,11 +976,14 @@
             <a:normAutofit/>
           </a:bodyPr>
           <a:lstStyle>
-            <a:lvl1pPr marL="0" indent="0" algn="ctr">
-              <a:buNone/>
-              <a:defRPr sz="2000">
+            <a:lvl1pPr marL="0" indent="0" algn="l">
+              <a:buNone/>
+              <a:defRPr sz="1800">
                 <a:solidFill>
-                  <a:schemeClr val="tx1"/>
+                  <a:schemeClr val="tx1">
+                    <a:lumMod val="75000"/>
+                    <a:lumOff val="25000"/>
+                  </a:schemeClr>
                 </a:solidFill>
               </a:defRPr>
             </a:lvl1pPr>
@@ -1153,9 +1093,9 @@
           <a:lstStyle/>
           <a:p>
             <a:fld id="{B61BEF0D-F0BB-DE4B-95CE-6DB70DBA9567}" type="datetimeFigureOut">
-              <a:rPr lang="en-US" dirty="0"/>
+              <a:rPr lang="en-US" smtClean="0"/>
               <a:pPr/>
-              <a:t>3/18/2015</a:t>
+              <a:t>3/21/2015</a:t>
             </a:fld>
             <a:endParaRPr lang="en-US" dirty="0"/>
           </a:p>
@@ -1196,7 +1136,7 @@
           <a:lstStyle/>
           <a:p>
             <a:fld id="{D57F1E4F-1CFF-5643-939E-217C01CDF565}" type="slidenum">
-              <a:rPr lang="en-US" dirty="0"/>
+              <a:rPr lang="en-US" smtClean="0"/>
               <a:pPr/>
               <a:t>‹nº›</a:t>
             </a:fld>
@@ -1205,6 +1145,11 @@
         </p:txBody>
       </p:sp>
     </p:spTree>
+    <p:extLst>
+      <p:ext uri="{BB962C8B-B14F-4D97-AF65-F5344CB8AC3E}">
+        <p14:creationId xmlns:p14="http://schemas.microsoft.com/office/powerpoint/2010/main" val="404093303"/>
+      </p:ext>
+    </p:extLst>
   </p:cSld>
   <p:clrMapOvr>
     <a:masterClrMapping/>
@@ -1212,7 +1157,7 @@
 </p:sldLayout>
 </file>
 
-<file path=ppt/slideLayouts/slideLayout12.xml><?xml version="1.0" encoding="utf-8"?>
+<file path=ppt/slideLayouts/slideLayout11.xml><?xml version="1.0" encoding="utf-8"?>
 <p:sldLayout xmlns:a="http://schemas.openxmlformats.org/drawingml/2006/main" xmlns:r="http://schemas.openxmlformats.org/officeDocument/2006/relationships" xmlns:p="http://schemas.openxmlformats.org/presentationml/2006/main" preserve="1">
   <p:cSld name="Citação com Legenda">
     <p:spTree>
@@ -1231,250 +1176,18 @@
       </p:grpSpPr>
       <p:sp>
         <p:nvSpPr>
-          <p:cNvPr id="14" name="TextBox 13"/>
-          <p:cNvSpPr txBox="1"/>
-          <p:nvPr/>
+          <p:cNvPr id="2" name="Title 1"/>
+          <p:cNvSpPr>
+            <a:spLocks noGrp="1"/>
+          </p:cNvSpPr>
+          <p:nvPr>
+            <p:ph type="title"/>
+          </p:nvPr>
         </p:nvSpPr>
         <p:spPr>
           <a:xfrm>
-            <a:off x="1598612" y="863023"/>
-            <a:ext cx="609600" cy="584776"/>
-          </a:xfrm>
-          <a:prstGeom prst="rect">
-            <a:avLst/>
-          </a:prstGeom>
-        </p:spPr>
-        <p:txBody>
-          <a:bodyPr vert="horz" lIns="91440" tIns="45720" rIns="91440" bIns="45720" rtlCol="0" anchor="ctr">
-            <a:noAutofit/>
-          </a:bodyPr>
-          <a:lstStyle>
-            <a:lvl1pPr>
-              <a:spcBef>
-                <a:spcPct val="0"/>
-              </a:spcBef>
-              <a:buNone/>
-              <a:defRPr sz="3200" b="0" cap="all">
-                <a:ln w="3175" cmpd="sng">
-                  <a:noFill/>
-                </a:ln>
-                <a:effectLst>
-                  <a:glow rad="38100">
-                    <a:schemeClr val="bg1">
-                      <a:lumMod val="65000"/>
-                      <a:lumOff val="35000"/>
-                      <a:alpha val="40000"/>
-                    </a:schemeClr>
-                  </a:glow>
-                  <a:outerShdw blurRad="28575" dist="38100" dir="14040000" algn="tl" rotWithShape="0">
-                    <a:srgbClr val="000000">
-                      <a:alpha val="25000"/>
-                    </a:srgbClr>
-                  </a:outerShdw>
-                </a:effectLst>
-              </a:defRPr>
-            </a:lvl1pPr>
-            <a:lvl2pPr>
-              <a:defRPr>
-                <a:solidFill>
-                  <a:schemeClr val="tx2"/>
-                </a:solidFill>
-              </a:defRPr>
-            </a:lvl2pPr>
-            <a:lvl3pPr>
-              <a:defRPr>
-                <a:solidFill>
-                  <a:schemeClr val="tx2"/>
-                </a:solidFill>
-              </a:defRPr>
-            </a:lvl3pPr>
-            <a:lvl4pPr>
-              <a:defRPr>
-                <a:solidFill>
-                  <a:schemeClr val="tx2"/>
-                </a:solidFill>
-              </a:defRPr>
-            </a:lvl4pPr>
-            <a:lvl5pPr>
-              <a:defRPr>
-                <a:solidFill>
-                  <a:schemeClr val="tx2"/>
-                </a:solidFill>
-              </a:defRPr>
-            </a:lvl5pPr>
-            <a:lvl6pPr>
-              <a:defRPr>
-                <a:solidFill>
-                  <a:schemeClr val="tx2"/>
-                </a:solidFill>
-              </a:defRPr>
-            </a:lvl6pPr>
-            <a:lvl7pPr>
-              <a:defRPr>
-                <a:solidFill>
-                  <a:schemeClr val="tx2"/>
-                </a:solidFill>
-              </a:defRPr>
-            </a:lvl7pPr>
-            <a:lvl8pPr>
-              <a:defRPr>
-                <a:solidFill>
-                  <a:schemeClr val="tx2"/>
-                </a:solidFill>
-              </a:defRPr>
-            </a:lvl8pPr>
-            <a:lvl9pPr>
-              <a:defRPr>
-                <a:solidFill>
-                  <a:schemeClr val="tx2"/>
-                </a:solidFill>
-              </a:defRPr>
-            </a:lvl9pPr>
-          </a:lstStyle>
-          <a:p>
-            <a:pPr lvl="0"/>
-            <a:r>
-              <a:rPr lang="en-US" sz="8000" dirty="0">
-                <a:solidFill>
-                  <a:schemeClr val="tx1"/>
-                </a:solidFill>
-                <a:effectLst/>
-              </a:rPr>
-              <a:t>“</a:t>
-            </a:r>
-          </a:p>
-        </p:txBody>
-      </p:sp>
-      <p:sp>
-        <p:nvSpPr>
-          <p:cNvPr id="15" name="TextBox 14"/>
-          <p:cNvSpPr txBox="1"/>
-          <p:nvPr/>
-        </p:nvSpPr>
-        <p:spPr>
-          <a:xfrm>
-            <a:off x="10893425" y="2819399"/>
-            <a:ext cx="609600" cy="584776"/>
-          </a:xfrm>
-          <a:prstGeom prst="rect">
-            <a:avLst/>
-          </a:prstGeom>
-        </p:spPr>
-        <p:txBody>
-          <a:bodyPr vert="horz" lIns="91440" tIns="45720" rIns="91440" bIns="45720" rtlCol="0" anchor="ctr">
-            <a:noAutofit/>
-          </a:bodyPr>
-          <a:lstStyle>
-            <a:lvl1pPr>
-              <a:spcBef>
-                <a:spcPct val="0"/>
-              </a:spcBef>
-              <a:buNone/>
-              <a:defRPr sz="3200" b="0" cap="all">
-                <a:ln w="3175" cmpd="sng">
-                  <a:noFill/>
-                </a:ln>
-                <a:effectLst>
-                  <a:glow rad="38100">
-                    <a:schemeClr val="bg1">
-                      <a:lumMod val="65000"/>
-                      <a:lumOff val="35000"/>
-                      <a:alpha val="40000"/>
-                    </a:schemeClr>
-                  </a:glow>
-                  <a:outerShdw blurRad="28575" dist="38100" dir="14040000" algn="tl" rotWithShape="0">
-                    <a:srgbClr val="000000">
-                      <a:alpha val="25000"/>
-                    </a:srgbClr>
-                  </a:outerShdw>
-                </a:effectLst>
-              </a:defRPr>
-            </a:lvl1pPr>
-            <a:lvl2pPr>
-              <a:defRPr>
-                <a:solidFill>
-                  <a:schemeClr val="tx2"/>
-                </a:solidFill>
-              </a:defRPr>
-            </a:lvl2pPr>
-            <a:lvl3pPr>
-              <a:defRPr>
-                <a:solidFill>
-                  <a:schemeClr val="tx2"/>
-                </a:solidFill>
-              </a:defRPr>
-            </a:lvl3pPr>
-            <a:lvl4pPr>
-              <a:defRPr>
-                <a:solidFill>
-                  <a:schemeClr val="tx2"/>
-                </a:solidFill>
-              </a:defRPr>
-            </a:lvl4pPr>
-            <a:lvl5pPr>
-              <a:defRPr>
-                <a:solidFill>
-                  <a:schemeClr val="tx2"/>
-                </a:solidFill>
-              </a:defRPr>
-            </a:lvl5pPr>
-            <a:lvl6pPr>
-              <a:defRPr>
-                <a:solidFill>
-                  <a:schemeClr val="tx2"/>
-                </a:solidFill>
-              </a:defRPr>
-            </a:lvl6pPr>
-            <a:lvl7pPr>
-              <a:defRPr>
-                <a:solidFill>
-                  <a:schemeClr val="tx2"/>
-                </a:solidFill>
-              </a:defRPr>
-            </a:lvl7pPr>
-            <a:lvl8pPr>
-              <a:defRPr>
-                <a:solidFill>
-                  <a:schemeClr val="tx2"/>
-                </a:solidFill>
-              </a:defRPr>
-            </a:lvl8pPr>
-            <a:lvl9pPr>
-              <a:defRPr>
-                <a:solidFill>
-                  <a:schemeClr val="tx2"/>
-                </a:solidFill>
-              </a:defRPr>
-            </a:lvl9pPr>
-          </a:lstStyle>
-          <a:p>
-            <a:pPr lvl="0" algn="r"/>
-            <a:r>
-              <a:rPr lang="en-US" sz="8000" dirty="0">
-                <a:solidFill>
-                  <a:schemeClr val="tx1"/>
-                </a:solidFill>
-                <a:effectLst/>
-              </a:rPr>
-              <a:t>”</a:t>
-            </a:r>
-          </a:p>
-        </p:txBody>
-      </p:sp>
-      <p:sp>
-        <p:nvSpPr>
-          <p:cNvPr id="2" name="Title 1"/>
-          <p:cNvSpPr>
-            <a:spLocks noGrp="1"/>
-          </p:cNvSpPr>
-          <p:nvPr>
-            <p:ph type="title"/>
-          </p:nvPr>
-        </p:nvSpPr>
-        <p:spPr>
-          <a:xfrm>
-            <a:off x="2208212" y="685800"/>
-            <a:ext cx="8990012" cy="2743199"/>
+            <a:off x="931334" y="609600"/>
+            <a:ext cx="8094134" cy="3022600"/>
           </a:xfrm>
         </p:spPr>
         <p:txBody>
@@ -1482,37 +1195,96 @@
             <a:normAutofit/>
           </a:bodyPr>
           <a:lstStyle>
-            <a:lvl1pPr algn="ctr">
-              <a:defRPr sz="3200" b="0" cap="none">
+            <a:lvl1pPr algn="l">
+              <a:defRPr sz="4400" b="0" cap="none"/>
+            </a:lvl1pPr>
+          </a:lstStyle>
+          <a:p>
+            <a:r>
+              <a:rPr lang="pt-BR" smtClean="0"/>
+              <a:t>Clique para editar o título mestre</a:t>
+            </a:r>
+            <a:endParaRPr lang="en-US" dirty="0"/>
+          </a:p>
+        </p:txBody>
+      </p:sp>
+      <p:sp>
+        <p:nvSpPr>
+          <p:cNvPr id="23" name="Text Placeholder 9"/>
+          <p:cNvSpPr>
+            <a:spLocks noGrp="1"/>
+          </p:cNvSpPr>
+          <p:nvPr>
+            <p:ph type="body" sz="quarter" idx="13"/>
+          </p:nvPr>
+        </p:nvSpPr>
+        <p:spPr>
+          <a:xfrm>
+            <a:off x="1366139" y="3632200"/>
+            <a:ext cx="7224524" cy="381000"/>
+          </a:xfrm>
+        </p:spPr>
+        <p:txBody>
+          <a:bodyPr anchor="ctr">
+            <a:noAutofit/>
+          </a:bodyPr>
+          <a:lstStyle>
+            <a:lvl1pPr marL="0" indent="0">
+              <a:buFontTx/>
+              <a:buNone/>
+              <a:defRPr sz="1600">
                 <a:solidFill>
-                  <a:schemeClr val="tx1"/>
+                  <a:schemeClr val="tx1">
+                    <a:lumMod val="50000"/>
+                    <a:lumOff val="50000"/>
+                  </a:schemeClr>
                 </a:solidFill>
               </a:defRPr>
             </a:lvl1pPr>
+            <a:lvl2pPr marL="457200" indent="0">
+              <a:buFontTx/>
+              <a:buNone/>
+              <a:defRPr/>
+            </a:lvl2pPr>
+            <a:lvl3pPr marL="914400" indent="0">
+              <a:buFontTx/>
+              <a:buNone/>
+              <a:defRPr/>
+            </a:lvl3pPr>
+            <a:lvl4pPr marL="1371600" indent="0">
+              <a:buFontTx/>
+              <a:buNone/>
+              <a:defRPr/>
+            </a:lvl4pPr>
+            <a:lvl5pPr marL="1828800" indent="0">
+              <a:buFontTx/>
+              <a:buNone/>
+              <a:defRPr/>
+            </a:lvl5pPr>
           </a:lstStyle>
           <a:p>
+            <a:pPr lvl="0"/>
             <a:r>
               <a:rPr lang="pt-BR" smtClean="0"/>
-              <a:t>Clique para editar o título mestre</a:t>
-            </a:r>
-            <a:endParaRPr lang="en-US" dirty="0"/>
-          </a:p>
-        </p:txBody>
-      </p:sp>
-      <p:sp>
-        <p:nvSpPr>
-          <p:cNvPr id="10" name="Text Placeholder 9"/>
-          <p:cNvSpPr>
-            <a:spLocks noGrp="1"/>
-          </p:cNvSpPr>
-          <p:nvPr>
-            <p:ph type="body" sz="quarter" idx="13"/>
+              <a:t>Clique para editar o texto mestre</a:t>
+            </a:r>
+          </a:p>
+        </p:txBody>
+      </p:sp>
+      <p:sp>
+        <p:nvSpPr>
+          <p:cNvPr id="3" name="Text Placeholder 2"/>
+          <p:cNvSpPr>
+            <a:spLocks noGrp="1"/>
+          </p:cNvSpPr>
+          <p:nvPr>
+            <p:ph type="body" idx="1"/>
           </p:nvPr>
         </p:nvSpPr>
         <p:spPr>
           <a:xfrm>
-            <a:off x="2436811" y="3428999"/>
-            <a:ext cx="8532815" cy="381000"/>
+            <a:off x="677335" y="4470400"/>
+            <a:ext cx="8596668" cy="1570962"/>
           </a:xfrm>
         </p:spPr>
         <p:txBody>
@@ -1520,67 +1292,14 @@
             <a:normAutofit/>
           </a:bodyPr>
           <a:lstStyle>
-            <a:lvl1pPr marL="0" indent="0">
-              <a:buFontTx/>
-              <a:buNone/>
-              <a:defRPr sz="1800"/>
-            </a:lvl1pPr>
-            <a:lvl2pPr marL="457200" indent="0">
-              <a:buFontTx/>
-              <a:buNone/>
-              <a:defRPr/>
-            </a:lvl2pPr>
-            <a:lvl3pPr marL="914400" indent="0">
-              <a:buFontTx/>
-              <a:buNone/>
-              <a:defRPr/>
-            </a:lvl3pPr>
-            <a:lvl4pPr marL="1371600" indent="0">
-              <a:buFontTx/>
-              <a:buNone/>
-              <a:defRPr/>
-            </a:lvl4pPr>
-            <a:lvl5pPr marL="1828800" indent="0">
-              <a:buFontTx/>
-              <a:buNone/>
-              <a:defRPr/>
-            </a:lvl5pPr>
-          </a:lstStyle>
-          <a:p>
-            <a:pPr lvl="0"/>
-            <a:r>
-              <a:rPr lang="pt-BR" smtClean="0"/>
-              <a:t>Clique para editar o texto mestre</a:t>
-            </a:r>
-          </a:p>
-        </p:txBody>
-      </p:sp>
-      <p:sp>
-        <p:nvSpPr>
-          <p:cNvPr id="3" name="Text Placeholder 2"/>
-          <p:cNvSpPr>
-            <a:spLocks noGrp="1"/>
-          </p:cNvSpPr>
-          <p:nvPr>
-            <p:ph type="body" idx="1"/>
-          </p:nvPr>
-        </p:nvSpPr>
-        <p:spPr>
-          <a:xfrm>
-            <a:off x="1484311" y="4343400"/>
-            <a:ext cx="10018711" cy="1447800"/>
-          </a:xfrm>
-        </p:spPr>
-        <p:txBody>
-          <a:bodyPr anchor="ctr">
-            <a:normAutofit/>
-          </a:bodyPr>
-          <a:lstStyle>
-            <a:lvl1pPr marL="0" indent="0" algn="ctr">
-              <a:buNone/>
-              <a:defRPr sz="2000">
+            <a:lvl1pPr marL="0" indent="0" algn="l">
+              <a:buNone/>
+              <a:defRPr sz="1800">
                 <a:solidFill>
-                  <a:schemeClr val="tx1"/>
+                  <a:schemeClr val="tx1">
+                    <a:lumMod val="75000"/>
+                    <a:lumOff val="25000"/>
+                  </a:schemeClr>
                 </a:solidFill>
               </a:defRPr>
             </a:lvl1pPr>
@@ -1690,9 +1409,9 @@
           <a:lstStyle/>
           <a:p>
             <a:fld id="{B61BEF0D-F0BB-DE4B-95CE-6DB70DBA9567}" type="datetimeFigureOut">
-              <a:rPr lang="en-US" dirty="0"/>
+              <a:rPr lang="en-US" smtClean="0"/>
               <a:pPr/>
-              <a:t>3/18/2015</a:t>
+              <a:t>3/21/2015</a:t>
             </a:fld>
             <a:endParaRPr lang="en-US" dirty="0"/>
           </a:p>
@@ -1733,7 +1452,7 @@
           <a:lstStyle/>
           <a:p>
             <a:fld id="{D57F1E4F-1CFF-5643-939E-217C01CDF565}" type="slidenum">
-              <a:rPr lang="en-US" dirty="0"/>
+              <a:rPr lang="en-US" smtClean="0"/>
               <a:pPr/>
               <a:t>‹nº›</a:t>
             </a:fld>
@@ -1741,7 +1460,102 @@
           </a:p>
         </p:txBody>
       </p:sp>
+      <p:sp>
+        <p:nvSpPr>
+          <p:cNvPr id="20" name="TextBox 19"/>
+          <p:cNvSpPr txBox="1"/>
+          <p:nvPr/>
+        </p:nvSpPr>
+        <p:spPr>
+          <a:xfrm>
+            <a:off x="541870" y="790378"/>
+            <a:ext cx="609600" cy="584776"/>
+          </a:xfrm>
+          <a:prstGeom prst="rect">
+            <a:avLst/>
+          </a:prstGeom>
+        </p:spPr>
+        <p:txBody>
+          <a:bodyPr vert="horz" lIns="91440" tIns="45720" rIns="91440" bIns="45720" rtlCol="0" anchor="ctr">
+            <a:noAutofit/>
+          </a:bodyPr>
+          <a:lstStyle/>
+          <a:p>
+            <a:pPr lvl="0"/>
+            <a:r>
+              <a:rPr lang="en-US" sz="8000" baseline="0" dirty="0">
+                <a:ln w="3175" cmpd="sng">
+                  <a:noFill/>
+                </a:ln>
+                <a:solidFill>
+                  <a:schemeClr val="accent1">
+                    <a:lumMod val="60000"/>
+                    <a:lumOff val="40000"/>
+                  </a:schemeClr>
+                </a:solidFill>
+                <a:effectLst/>
+                <a:latin typeface="Arial"/>
+              </a:rPr>
+              <a:t>“</a:t>
+            </a:r>
+          </a:p>
+        </p:txBody>
+      </p:sp>
+      <p:sp>
+        <p:nvSpPr>
+          <p:cNvPr id="22" name="TextBox 21"/>
+          <p:cNvSpPr txBox="1"/>
+          <p:nvPr/>
+        </p:nvSpPr>
+        <p:spPr>
+          <a:xfrm>
+            <a:off x="8893011" y="2886556"/>
+            <a:ext cx="609600" cy="584776"/>
+          </a:xfrm>
+          <a:prstGeom prst="rect">
+            <a:avLst/>
+          </a:prstGeom>
+        </p:spPr>
+        <p:txBody>
+          <a:bodyPr vert="horz" lIns="91440" tIns="45720" rIns="91440" bIns="45720" rtlCol="0" anchor="ctr">
+            <a:noAutofit/>
+          </a:bodyPr>
+          <a:lstStyle/>
+          <a:p>
+            <a:pPr lvl="0"/>
+            <a:r>
+              <a:rPr lang="en-US" sz="8000" baseline="0" dirty="0">
+                <a:ln w="3175" cmpd="sng">
+                  <a:noFill/>
+                </a:ln>
+                <a:solidFill>
+                  <a:schemeClr val="accent1">
+                    <a:lumMod val="60000"/>
+                    <a:lumOff val="40000"/>
+                  </a:schemeClr>
+                </a:solidFill>
+                <a:latin typeface="Arial"/>
+              </a:rPr>
+              <a:t>”</a:t>
+            </a:r>
+            <a:endParaRPr lang="en-US" dirty="0">
+              <a:solidFill>
+                <a:schemeClr val="accent1">
+                  <a:lumMod val="60000"/>
+                  <a:lumOff val="40000"/>
+                </a:schemeClr>
+              </a:solidFill>
+              <a:latin typeface="Arial"/>
+            </a:endParaRPr>
+          </a:p>
+        </p:txBody>
+      </p:sp>
     </p:spTree>
+    <p:extLst>
+      <p:ext uri="{BB962C8B-B14F-4D97-AF65-F5344CB8AC3E}">
+        <p14:creationId xmlns:p14="http://schemas.microsoft.com/office/powerpoint/2010/main" val="3464319322"/>
+      </p:ext>
+    </p:extLst>
   </p:cSld>
   <p:clrMapOvr>
     <a:masterClrMapping/>
@@ -1749,7 +1563,7 @@
 </p:sldLayout>
 </file>
 
-<file path=ppt/slideLayouts/slideLayout13.xml><?xml version="1.0" encoding="utf-8"?>
+<file path=ppt/slideLayouts/slideLayout12.xml><?xml version="1.0" encoding="utf-8"?>
 <p:sldLayout xmlns:a="http://schemas.openxmlformats.org/drawingml/2006/main" xmlns:r="http://schemas.openxmlformats.org/officeDocument/2006/relationships" xmlns:p="http://schemas.openxmlformats.org/presentationml/2006/main" preserve="1">
   <p:cSld name="Cartão de Nome">
     <p:spTree>
@@ -1778,8 +1592,8 @@
         </p:nvSpPr>
         <p:spPr>
           <a:xfrm>
-            <a:off x="1484313" y="3308581"/>
-            <a:ext cx="10018709" cy="1468800"/>
+            <a:off x="677335" y="1931988"/>
+            <a:ext cx="8596668" cy="2595460"/>
           </a:xfrm>
         </p:spPr>
         <p:txBody>
@@ -1787,8 +1601,8 @@
             <a:normAutofit/>
           </a:bodyPr>
           <a:lstStyle>
-            <a:lvl1pPr algn="r">
-              <a:defRPr sz="3200" b="0" cap="none"/>
+            <a:lvl1pPr algn="l">
+              <a:defRPr sz="4400" b="0" cap="none"/>
             </a:lvl1pPr>
           </a:lstStyle>
           <a:p>
@@ -1812,8 +1626,8 @@
         </p:nvSpPr>
         <p:spPr>
           <a:xfrm>
-            <a:off x="1484312" y="4777381"/>
-            <a:ext cx="10018710" cy="860400"/>
+            <a:off x="677335" y="4527448"/>
+            <a:ext cx="8596668" cy="1513914"/>
           </a:xfrm>
         </p:spPr>
         <p:txBody>
@@ -1821,11 +1635,14 @@
             <a:normAutofit/>
           </a:bodyPr>
           <a:lstStyle>
-            <a:lvl1pPr marL="0" indent="0" algn="r">
-              <a:buNone/>
-              <a:defRPr sz="2000">
+            <a:lvl1pPr marL="0" indent="0" algn="l">
+              <a:buNone/>
+              <a:defRPr sz="1800">
                 <a:solidFill>
-                  <a:schemeClr val="tx1"/>
+                  <a:schemeClr val="tx1">
+                    <a:lumMod val="75000"/>
+                    <a:lumOff val="25000"/>
+                  </a:schemeClr>
                 </a:solidFill>
               </a:defRPr>
             </a:lvl1pPr>
@@ -1935,9 +1752,9 @@
           <a:lstStyle/>
           <a:p>
             <a:fld id="{B61BEF0D-F0BB-DE4B-95CE-6DB70DBA9567}" type="datetimeFigureOut">
-              <a:rPr lang="en-US" dirty="0"/>
+              <a:rPr lang="en-US" smtClean="0"/>
               <a:pPr/>
-              <a:t>3/18/2015</a:t>
+              <a:t>3/21/2015</a:t>
             </a:fld>
             <a:endParaRPr lang="en-US" dirty="0"/>
           </a:p>
@@ -1978,7 +1795,7 @@
           <a:lstStyle/>
           <a:p>
             <a:fld id="{D57F1E4F-1CFF-5643-939E-217C01CDF565}" type="slidenum">
-              <a:rPr lang="en-US" dirty="0"/>
+              <a:rPr lang="en-US" smtClean="0"/>
               <a:pPr/>
               <a:t>‹nº›</a:t>
             </a:fld>
@@ -1987,6 +1804,11 @@
         </p:txBody>
       </p:sp>
     </p:spTree>
+    <p:extLst>
+      <p:ext uri="{BB962C8B-B14F-4D97-AF65-F5344CB8AC3E}">
+        <p14:creationId xmlns:p14="http://schemas.microsoft.com/office/powerpoint/2010/main" val="2817343640"/>
+      </p:ext>
+    </p:extLst>
   </p:cSld>
   <p:clrMapOvr>
     <a:masterClrMapping/>
@@ -1994,7 +1816,7 @@
 </p:sldLayout>
 </file>
 
-<file path=ppt/slideLayouts/slideLayout14.xml><?xml version="1.0" encoding="utf-8"?>
+<file path=ppt/slideLayouts/slideLayout13.xml><?xml version="1.0" encoding="utf-8"?>
 <p:sldLayout xmlns:a="http://schemas.openxmlformats.org/drawingml/2006/main" xmlns:r="http://schemas.openxmlformats.org/officeDocument/2006/relationships" xmlns:p="http://schemas.openxmlformats.org/presentationml/2006/main" preserve="1">
   <p:cSld name="Citar o Cartão de Nome">
     <p:spTree>
@@ -2013,250 +1835,18 @@
       </p:grpSpPr>
       <p:sp>
         <p:nvSpPr>
-          <p:cNvPr id="14" name="TextBox 13"/>
-          <p:cNvSpPr txBox="1"/>
-          <p:nvPr/>
+          <p:cNvPr id="2" name="Title 1"/>
+          <p:cNvSpPr>
+            <a:spLocks noGrp="1"/>
+          </p:cNvSpPr>
+          <p:nvPr>
+            <p:ph type="title"/>
+          </p:nvPr>
         </p:nvSpPr>
         <p:spPr>
           <a:xfrm>
-            <a:off x="1598612" y="863023"/>
-            <a:ext cx="609600" cy="584776"/>
-          </a:xfrm>
-          <a:prstGeom prst="rect">
-            <a:avLst/>
-          </a:prstGeom>
-        </p:spPr>
-        <p:txBody>
-          <a:bodyPr vert="horz" lIns="91440" tIns="45720" rIns="91440" bIns="45720" rtlCol="0" anchor="ctr">
-            <a:noAutofit/>
-          </a:bodyPr>
-          <a:lstStyle>
-            <a:lvl1pPr>
-              <a:spcBef>
-                <a:spcPct val="0"/>
-              </a:spcBef>
-              <a:buNone/>
-              <a:defRPr sz="3200" b="0" cap="all">
-                <a:ln w="3175" cmpd="sng">
-                  <a:noFill/>
-                </a:ln>
-                <a:effectLst>
-                  <a:glow rad="38100">
-                    <a:schemeClr val="bg1">
-                      <a:lumMod val="65000"/>
-                      <a:lumOff val="35000"/>
-                      <a:alpha val="40000"/>
-                    </a:schemeClr>
-                  </a:glow>
-                  <a:outerShdw blurRad="28575" dist="38100" dir="14040000" algn="tl" rotWithShape="0">
-                    <a:srgbClr val="000000">
-                      <a:alpha val="25000"/>
-                    </a:srgbClr>
-                  </a:outerShdw>
-                </a:effectLst>
-              </a:defRPr>
-            </a:lvl1pPr>
-            <a:lvl2pPr>
-              <a:defRPr>
-                <a:solidFill>
-                  <a:schemeClr val="tx2"/>
-                </a:solidFill>
-              </a:defRPr>
-            </a:lvl2pPr>
-            <a:lvl3pPr>
-              <a:defRPr>
-                <a:solidFill>
-                  <a:schemeClr val="tx2"/>
-                </a:solidFill>
-              </a:defRPr>
-            </a:lvl3pPr>
-            <a:lvl4pPr>
-              <a:defRPr>
-                <a:solidFill>
-                  <a:schemeClr val="tx2"/>
-                </a:solidFill>
-              </a:defRPr>
-            </a:lvl4pPr>
-            <a:lvl5pPr>
-              <a:defRPr>
-                <a:solidFill>
-                  <a:schemeClr val="tx2"/>
-                </a:solidFill>
-              </a:defRPr>
-            </a:lvl5pPr>
-            <a:lvl6pPr>
-              <a:defRPr>
-                <a:solidFill>
-                  <a:schemeClr val="tx2"/>
-                </a:solidFill>
-              </a:defRPr>
-            </a:lvl6pPr>
-            <a:lvl7pPr>
-              <a:defRPr>
-                <a:solidFill>
-                  <a:schemeClr val="tx2"/>
-                </a:solidFill>
-              </a:defRPr>
-            </a:lvl7pPr>
-            <a:lvl8pPr>
-              <a:defRPr>
-                <a:solidFill>
-                  <a:schemeClr val="tx2"/>
-                </a:solidFill>
-              </a:defRPr>
-            </a:lvl8pPr>
-            <a:lvl9pPr>
-              <a:defRPr>
-                <a:solidFill>
-                  <a:schemeClr val="tx2"/>
-                </a:solidFill>
-              </a:defRPr>
-            </a:lvl9pPr>
-          </a:lstStyle>
-          <a:p>
-            <a:pPr lvl="0"/>
-            <a:r>
-              <a:rPr lang="en-US" sz="8000" dirty="0">
-                <a:solidFill>
-                  <a:schemeClr val="tx1"/>
-                </a:solidFill>
-                <a:effectLst/>
-              </a:rPr>
-              <a:t>“</a:t>
-            </a:r>
-          </a:p>
-        </p:txBody>
-      </p:sp>
-      <p:sp>
-        <p:nvSpPr>
-          <p:cNvPr id="15" name="TextBox 14"/>
-          <p:cNvSpPr txBox="1"/>
-          <p:nvPr/>
-        </p:nvSpPr>
-        <p:spPr>
-          <a:xfrm>
-            <a:off x="10893425" y="2819399"/>
-            <a:ext cx="609600" cy="584776"/>
-          </a:xfrm>
-          <a:prstGeom prst="rect">
-            <a:avLst/>
-          </a:prstGeom>
-        </p:spPr>
-        <p:txBody>
-          <a:bodyPr vert="horz" lIns="91440" tIns="45720" rIns="91440" bIns="45720" rtlCol="0" anchor="ctr">
-            <a:noAutofit/>
-          </a:bodyPr>
-          <a:lstStyle>
-            <a:lvl1pPr>
-              <a:spcBef>
-                <a:spcPct val="0"/>
-              </a:spcBef>
-              <a:buNone/>
-              <a:defRPr sz="3200" b="0" cap="all">
-                <a:ln w="3175" cmpd="sng">
-                  <a:noFill/>
-                </a:ln>
-                <a:effectLst>
-                  <a:glow rad="38100">
-                    <a:schemeClr val="bg1">
-                      <a:lumMod val="65000"/>
-                      <a:lumOff val="35000"/>
-                      <a:alpha val="40000"/>
-                    </a:schemeClr>
-                  </a:glow>
-                  <a:outerShdw blurRad="28575" dist="38100" dir="14040000" algn="tl" rotWithShape="0">
-                    <a:srgbClr val="000000">
-                      <a:alpha val="25000"/>
-                    </a:srgbClr>
-                  </a:outerShdw>
-                </a:effectLst>
-              </a:defRPr>
-            </a:lvl1pPr>
-            <a:lvl2pPr>
-              <a:defRPr>
-                <a:solidFill>
-                  <a:schemeClr val="tx2"/>
-                </a:solidFill>
-              </a:defRPr>
-            </a:lvl2pPr>
-            <a:lvl3pPr>
-              <a:defRPr>
-                <a:solidFill>
-                  <a:schemeClr val="tx2"/>
-                </a:solidFill>
-              </a:defRPr>
-            </a:lvl3pPr>
-            <a:lvl4pPr>
-              <a:defRPr>
-                <a:solidFill>
-                  <a:schemeClr val="tx2"/>
-                </a:solidFill>
-              </a:defRPr>
-            </a:lvl4pPr>
-            <a:lvl5pPr>
-              <a:defRPr>
-                <a:solidFill>
-                  <a:schemeClr val="tx2"/>
-                </a:solidFill>
-              </a:defRPr>
-            </a:lvl5pPr>
-            <a:lvl6pPr>
-              <a:defRPr>
-                <a:solidFill>
-                  <a:schemeClr val="tx2"/>
-                </a:solidFill>
-              </a:defRPr>
-            </a:lvl6pPr>
-            <a:lvl7pPr>
-              <a:defRPr>
-                <a:solidFill>
-                  <a:schemeClr val="tx2"/>
-                </a:solidFill>
-              </a:defRPr>
-            </a:lvl7pPr>
-            <a:lvl8pPr>
-              <a:defRPr>
-                <a:solidFill>
-                  <a:schemeClr val="tx2"/>
-                </a:solidFill>
-              </a:defRPr>
-            </a:lvl8pPr>
-            <a:lvl9pPr>
-              <a:defRPr>
-                <a:solidFill>
-                  <a:schemeClr val="tx2"/>
-                </a:solidFill>
-              </a:defRPr>
-            </a:lvl9pPr>
-          </a:lstStyle>
-          <a:p>
-            <a:pPr lvl="0" algn="r"/>
-            <a:r>
-              <a:rPr lang="en-US" sz="8000" dirty="0">
-                <a:solidFill>
-                  <a:schemeClr val="tx1"/>
-                </a:solidFill>
-                <a:effectLst/>
-              </a:rPr>
-              <a:t>”</a:t>
-            </a:r>
-          </a:p>
-        </p:txBody>
-      </p:sp>
-      <p:sp>
-        <p:nvSpPr>
-          <p:cNvPr id="2" name="Title 1"/>
-          <p:cNvSpPr>
-            <a:spLocks noGrp="1"/>
-          </p:cNvSpPr>
-          <p:nvPr>
-            <p:ph type="title"/>
-          </p:nvPr>
-        </p:nvSpPr>
-        <p:spPr>
-          <a:xfrm>
-            <a:off x="2208212" y="685800"/>
-            <a:ext cx="8990012" cy="2743199"/>
+            <a:off x="931334" y="609600"/>
+            <a:ext cx="8094134" cy="3022600"/>
           </a:xfrm>
         </p:spPr>
         <p:txBody>
@@ -2264,85 +1854,96 @@
             <a:normAutofit/>
           </a:bodyPr>
           <a:lstStyle>
-            <a:lvl1pPr algn="ctr">
-              <a:defRPr sz="3200" b="0" cap="none">
+            <a:lvl1pPr algn="l">
+              <a:defRPr sz="4400" b="0" cap="none"/>
+            </a:lvl1pPr>
+          </a:lstStyle>
+          <a:p>
+            <a:r>
+              <a:rPr lang="pt-BR" smtClean="0"/>
+              <a:t>Clique para editar o título mestre</a:t>
+            </a:r>
+            <a:endParaRPr lang="en-US" dirty="0"/>
+          </a:p>
+        </p:txBody>
+      </p:sp>
+      <p:sp>
+        <p:nvSpPr>
+          <p:cNvPr id="23" name="Text Placeholder 9"/>
+          <p:cNvSpPr>
+            <a:spLocks noGrp="1"/>
+          </p:cNvSpPr>
+          <p:nvPr>
+            <p:ph type="body" sz="quarter" idx="13"/>
+          </p:nvPr>
+        </p:nvSpPr>
+        <p:spPr>
+          <a:xfrm>
+            <a:off x="677332" y="4013200"/>
+            <a:ext cx="8596669" cy="514248"/>
+          </a:xfrm>
+        </p:spPr>
+        <p:txBody>
+          <a:bodyPr anchor="b">
+            <a:noAutofit/>
+          </a:bodyPr>
+          <a:lstStyle>
+            <a:lvl1pPr marL="0" indent="0">
+              <a:buFontTx/>
+              <a:buNone/>
+              <a:defRPr sz="2400">
                 <a:solidFill>
-                  <a:schemeClr val="tx1"/>
+                  <a:schemeClr val="tx1">
+                    <a:lumMod val="75000"/>
+                    <a:lumOff val="25000"/>
+                  </a:schemeClr>
                 </a:solidFill>
               </a:defRPr>
             </a:lvl1pPr>
+            <a:lvl2pPr marL="457200" indent="0">
+              <a:buFontTx/>
+              <a:buNone/>
+              <a:defRPr/>
+            </a:lvl2pPr>
+            <a:lvl3pPr marL="914400" indent="0">
+              <a:buFontTx/>
+              <a:buNone/>
+              <a:defRPr/>
+            </a:lvl3pPr>
+            <a:lvl4pPr marL="1371600" indent="0">
+              <a:buFontTx/>
+              <a:buNone/>
+              <a:defRPr/>
+            </a:lvl4pPr>
+            <a:lvl5pPr marL="1828800" indent="0">
+              <a:buFontTx/>
+              <a:buNone/>
+              <a:defRPr/>
+            </a:lvl5pPr>
           </a:lstStyle>
           <a:p>
+            <a:pPr lvl="0"/>
             <a:r>
               <a:rPr lang="pt-BR" smtClean="0"/>
-              <a:t>Clique para editar o título mestre</a:t>
-            </a:r>
-            <a:endParaRPr lang="en-US" dirty="0"/>
-          </a:p>
-        </p:txBody>
-      </p:sp>
-      <p:sp>
-        <p:nvSpPr>
-          <p:cNvPr id="10" name="Text Placeholder 9"/>
-          <p:cNvSpPr>
-            <a:spLocks noGrp="1"/>
-          </p:cNvSpPr>
-          <p:nvPr>
-            <p:ph type="body" sz="quarter" idx="13"/>
+              <a:t>Clique para editar o texto mestre</a:t>
+            </a:r>
+          </a:p>
+        </p:txBody>
+      </p:sp>
+      <p:sp>
+        <p:nvSpPr>
+          <p:cNvPr id="3" name="Text Placeholder 2"/>
+          <p:cNvSpPr>
+            <a:spLocks noGrp="1"/>
+          </p:cNvSpPr>
+          <p:nvPr>
+            <p:ph type="body" idx="1"/>
           </p:nvPr>
         </p:nvSpPr>
         <p:spPr>
           <a:xfrm>
-            <a:off x="1484313" y="3886200"/>
-            <a:ext cx="10018710" cy="889000"/>
-          </a:xfrm>
-        </p:spPr>
-        <p:txBody>
-          <a:bodyPr vert="horz" lIns="91440" tIns="45720" rIns="91440" bIns="45720" rtlCol="0" anchor="b">
-            <a:normAutofit/>
-          </a:bodyPr>
-          <a:lstStyle>
-            <a:lvl1pPr algn="r">
-              <a:buNone/>
-              <a:defRPr lang="en-US" sz="2400" b="0" cap="none" dirty="0">
-                <a:ln w="3175" cmpd="sng">
-                  <a:noFill/>
-                </a:ln>
-                <a:solidFill>
-                  <a:schemeClr val="tx1"/>
-                </a:solidFill>
-                <a:effectLst/>
-              </a:defRPr>
-            </a:lvl1pPr>
-          </a:lstStyle>
-          <a:p>
-            <a:pPr marL="0" lvl="0">
-              <a:spcBef>
-                <a:spcPct val="0"/>
-              </a:spcBef>
-              <a:buNone/>
-            </a:pPr>
-            <a:r>
-              <a:rPr lang="pt-BR" smtClean="0"/>
-              <a:t>Clique para editar o texto mestre</a:t>
-            </a:r>
-          </a:p>
-        </p:txBody>
-      </p:sp>
-      <p:sp>
-        <p:nvSpPr>
-          <p:cNvPr id="3" name="Text Placeholder 2"/>
-          <p:cNvSpPr>
-            <a:spLocks noGrp="1"/>
-          </p:cNvSpPr>
-          <p:nvPr>
-            <p:ph type="body" idx="1"/>
-          </p:nvPr>
-        </p:nvSpPr>
-        <p:spPr>
-          <a:xfrm>
-            <a:off x="1484312" y="4775200"/>
-            <a:ext cx="10018710" cy="1016000"/>
+            <a:off x="677335" y="4527448"/>
+            <a:ext cx="8596668" cy="1513914"/>
           </a:xfrm>
         </p:spPr>
         <p:txBody>
@@ -2350,11 +1951,14 @@
             <a:normAutofit/>
           </a:bodyPr>
           <a:lstStyle>
-            <a:lvl1pPr marL="0" indent="0" algn="r">
+            <a:lvl1pPr marL="0" indent="0" algn="l">
               <a:buNone/>
               <a:defRPr sz="1800">
                 <a:solidFill>
-                  <a:schemeClr val="tx1"/>
+                  <a:schemeClr val="tx1">
+                    <a:lumMod val="50000"/>
+                    <a:lumOff val="50000"/>
+                  </a:schemeClr>
                 </a:solidFill>
               </a:defRPr>
             </a:lvl1pPr>
@@ -2464,9 +2068,9 @@
           <a:lstStyle/>
           <a:p>
             <a:fld id="{B61BEF0D-F0BB-DE4B-95CE-6DB70DBA9567}" type="datetimeFigureOut">
-              <a:rPr lang="en-US" dirty="0"/>
+              <a:rPr lang="en-US" smtClean="0"/>
               <a:pPr/>
-              <a:t>3/18/2015</a:t>
+              <a:t>3/21/2015</a:t>
             </a:fld>
             <a:endParaRPr lang="en-US" dirty="0"/>
           </a:p>
@@ -2507,7 +2111,7 @@
           <a:lstStyle/>
           <a:p>
             <a:fld id="{D57F1E4F-1CFF-5643-939E-217C01CDF565}" type="slidenum">
-              <a:rPr lang="en-US" dirty="0"/>
+              <a:rPr lang="en-US" smtClean="0"/>
               <a:pPr/>
               <a:t>‹nº›</a:t>
             </a:fld>
@@ -2515,7 +2119,94 @@
           </a:p>
         </p:txBody>
       </p:sp>
+      <p:sp>
+        <p:nvSpPr>
+          <p:cNvPr id="24" name="TextBox 23"/>
+          <p:cNvSpPr txBox="1"/>
+          <p:nvPr/>
+        </p:nvSpPr>
+        <p:spPr>
+          <a:xfrm>
+            <a:off x="541870" y="790378"/>
+            <a:ext cx="609600" cy="584776"/>
+          </a:xfrm>
+          <a:prstGeom prst="rect">
+            <a:avLst/>
+          </a:prstGeom>
+        </p:spPr>
+        <p:txBody>
+          <a:bodyPr vert="horz" lIns="91440" tIns="45720" rIns="91440" bIns="45720" rtlCol="0" anchor="ctr">
+            <a:noAutofit/>
+          </a:bodyPr>
+          <a:lstStyle/>
+          <a:p>
+            <a:pPr lvl="0"/>
+            <a:r>
+              <a:rPr lang="en-US" sz="8000" baseline="0" dirty="0">
+                <a:ln w="3175" cmpd="sng">
+                  <a:noFill/>
+                </a:ln>
+                <a:solidFill>
+                  <a:schemeClr val="accent1">
+                    <a:lumMod val="60000"/>
+                    <a:lumOff val="40000"/>
+                  </a:schemeClr>
+                </a:solidFill>
+                <a:effectLst/>
+                <a:latin typeface="Arial"/>
+              </a:rPr>
+              <a:t>“</a:t>
+            </a:r>
+          </a:p>
+        </p:txBody>
+      </p:sp>
+      <p:sp>
+        <p:nvSpPr>
+          <p:cNvPr id="25" name="TextBox 24"/>
+          <p:cNvSpPr txBox="1"/>
+          <p:nvPr/>
+        </p:nvSpPr>
+        <p:spPr>
+          <a:xfrm>
+            <a:off x="8893011" y="2886556"/>
+            <a:ext cx="609600" cy="584776"/>
+          </a:xfrm>
+          <a:prstGeom prst="rect">
+            <a:avLst/>
+          </a:prstGeom>
+        </p:spPr>
+        <p:txBody>
+          <a:bodyPr vert="horz" lIns="91440" tIns="45720" rIns="91440" bIns="45720" rtlCol="0" anchor="ctr">
+            <a:noAutofit/>
+          </a:bodyPr>
+          <a:lstStyle/>
+          <a:p>
+            <a:pPr lvl="0"/>
+            <a:r>
+              <a:rPr lang="en-US" sz="8000" baseline="0" dirty="0">
+                <a:ln w="3175" cmpd="sng">
+                  <a:noFill/>
+                </a:ln>
+                <a:solidFill>
+                  <a:schemeClr val="accent1">
+                    <a:lumMod val="60000"/>
+                    <a:lumOff val="40000"/>
+                  </a:schemeClr>
+                </a:solidFill>
+                <a:effectLst/>
+                <a:latin typeface="Arial"/>
+              </a:rPr>
+              <a:t>”</a:t>
+            </a:r>
+          </a:p>
+        </p:txBody>
+      </p:sp>
     </p:spTree>
+    <p:extLst>
+      <p:ext uri="{BB962C8B-B14F-4D97-AF65-F5344CB8AC3E}">
+        <p14:creationId xmlns:p14="http://schemas.microsoft.com/office/powerpoint/2010/main" val="3077662385"/>
+      </p:ext>
+    </p:extLst>
   </p:cSld>
   <p:clrMapOvr>
     <a:masterClrMapping/>
@@ -2523,7 +2214,7 @@
 </p:sldLayout>
 </file>
 
-<file path=ppt/slideLayouts/slideLayout15.xml><?xml version="1.0" encoding="utf-8"?>
+<file path=ppt/slideLayouts/slideLayout14.xml><?xml version="1.0" encoding="utf-8"?>
 <p:sldLayout xmlns:a="http://schemas.openxmlformats.org/drawingml/2006/main" xmlns:r="http://schemas.openxmlformats.org/officeDocument/2006/relationships" xmlns:p="http://schemas.openxmlformats.org/presentationml/2006/main" preserve="1">
   <p:cSld name="Verdadeiro ou Falso">
     <p:spTree>
@@ -2552,21 +2243,20 @@
         </p:nvSpPr>
         <p:spPr>
           <a:xfrm>
-            <a:off x="1484313" y="685800"/>
-            <a:ext cx="10018712" cy="2727325"/>
+            <a:off x="685799" y="609600"/>
+            <a:ext cx="8588203" cy="3022600"/>
           </a:xfrm>
         </p:spPr>
         <p:txBody>
-          <a:bodyPr vert="horz" lIns="91440" tIns="45720" rIns="91440" bIns="45720" rtlCol="0" anchor="ctr">
+          <a:bodyPr anchor="ctr">
             <a:normAutofit/>
           </a:bodyPr>
           <a:lstStyle>
-            <a:lvl1pPr>
-              <a:defRPr lang="en-US" b="0" dirty="0"/>
+            <a:lvl1pPr algn="l">
+              <a:defRPr sz="4400" b="0" cap="none"/>
             </a:lvl1pPr>
           </a:lstStyle>
           <a:p>
-            <a:pPr marL="0" lvl="0"/>
             <a:r>
               <a:rPr lang="pt-BR" smtClean="0"/>
               <a:t>Clique para editar o título mestre</a:t>
@@ -2577,7 +2267,7 @@
       </p:sp>
       <p:sp>
         <p:nvSpPr>
-          <p:cNvPr id="10" name="Text Placeholder 9"/>
+          <p:cNvPr id="23" name="Text Placeholder 9"/>
           <p:cNvSpPr>
             <a:spLocks noGrp="1"/>
           </p:cNvSpPr>
@@ -2587,35 +2277,47 @@
         </p:nvSpPr>
         <p:spPr>
           <a:xfrm>
-            <a:off x="1484312" y="3505200"/>
-            <a:ext cx="10018713" cy="838200"/>
+            <a:off x="677332" y="4013200"/>
+            <a:ext cx="8596669" cy="514248"/>
           </a:xfrm>
         </p:spPr>
         <p:txBody>
-          <a:bodyPr vert="horz" lIns="91440" tIns="45720" rIns="91440" bIns="45720" rtlCol="0" anchor="b">
-            <a:normAutofit/>
+          <a:bodyPr anchor="b">
+            <a:noAutofit/>
           </a:bodyPr>
           <a:lstStyle>
-            <a:lvl1pPr>
-              <a:buNone/>
-              <a:defRPr lang="en-US" sz="2800" b="0" cap="none" dirty="0">
-                <a:ln w="3175" cmpd="sng">
-                  <a:noFill/>
-                </a:ln>
+            <a:lvl1pPr marL="0" indent="0">
+              <a:buFontTx/>
+              <a:buNone/>
+              <a:defRPr sz="2400">
                 <a:solidFill>
-                  <a:schemeClr val="tx1"/>
+                  <a:schemeClr val="accent1"/>
                 </a:solidFill>
-                <a:effectLst/>
               </a:defRPr>
             </a:lvl1pPr>
+            <a:lvl2pPr marL="457200" indent="0">
+              <a:buFontTx/>
+              <a:buNone/>
+              <a:defRPr/>
+            </a:lvl2pPr>
+            <a:lvl3pPr marL="914400" indent="0">
+              <a:buFontTx/>
+              <a:buNone/>
+              <a:defRPr/>
+            </a:lvl3pPr>
+            <a:lvl4pPr marL="1371600" indent="0">
+              <a:buFontTx/>
+              <a:buNone/>
+              <a:defRPr/>
+            </a:lvl4pPr>
+            <a:lvl5pPr marL="1828800" indent="0">
+              <a:buFontTx/>
+              <a:buNone/>
+              <a:defRPr/>
+            </a:lvl5pPr>
           </a:lstStyle>
           <a:p>
-            <a:pPr marL="0" lvl="0">
-              <a:spcBef>
-                <a:spcPct val="0"/>
-              </a:spcBef>
-              <a:buNone/>
-            </a:pPr>
+            <a:pPr lvl="0"/>
             <a:r>
               <a:rPr lang="pt-BR" smtClean="0"/>
               <a:t>Clique para editar o texto mestre</a:t>
@@ -2635,8 +2337,8 @@
         </p:nvSpPr>
         <p:spPr>
           <a:xfrm>
-            <a:off x="1484311" y="4343400"/>
-            <a:ext cx="10018713" cy="1447800"/>
+            <a:off x="677335" y="4527448"/>
+            <a:ext cx="8596668" cy="1513914"/>
           </a:xfrm>
         </p:spPr>
         <p:txBody>
@@ -2648,7 +2350,10 @@
               <a:buNone/>
               <a:defRPr sz="1800">
                 <a:solidFill>
-                  <a:schemeClr val="tx1"/>
+                  <a:schemeClr val="tx1">
+                    <a:lumMod val="50000"/>
+                    <a:lumOff val="50000"/>
+                  </a:schemeClr>
                 </a:solidFill>
               </a:defRPr>
             </a:lvl1pPr>
@@ -2758,9 +2463,9 @@
           <a:lstStyle/>
           <a:p>
             <a:fld id="{B61BEF0D-F0BB-DE4B-95CE-6DB70DBA9567}" type="datetimeFigureOut">
-              <a:rPr lang="en-US" dirty="0"/>
+              <a:rPr lang="en-US" smtClean="0"/>
               <a:pPr/>
-              <a:t>3/18/2015</a:t>
+              <a:t>3/21/2015</a:t>
             </a:fld>
             <a:endParaRPr lang="en-US" dirty="0"/>
           </a:p>
@@ -2801,7 +2506,7 @@
           <a:lstStyle/>
           <a:p>
             <a:fld id="{D57F1E4F-1CFF-5643-939E-217C01CDF565}" type="slidenum">
-              <a:rPr lang="en-US" dirty="0"/>
+              <a:rPr lang="en-US" smtClean="0"/>
               <a:pPr/>
               <a:t>‹nº›</a:t>
             </a:fld>
@@ -2810,6 +2515,11 @@
         </p:txBody>
       </p:sp>
     </p:spTree>
+    <p:extLst>
+      <p:ext uri="{BB962C8B-B14F-4D97-AF65-F5344CB8AC3E}">
+        <p14:creationId xmlns:p14="http://schemas.microsoft.com/office/powerpoint/2010/main" val="3437089176"/>
+      </p:ext>
+    </p:extLst>
   </p:cSld>
   <p:clrMapOvr>
     <a:masterClrMapping/>
@@ -2817,7 +2527,7 @@
 </p:sldLayout>
 </file>
 
-<file path=ppt/slideLayouts/slideLayout16.xml><?xml version="1.0" encoding="utf-8"?>
+<file path=ppt/slideLayouts/slideLayout15.xml><?xml version="1.0" encoding="utf-8"?>
 <p:sldLayout xmlns:a="http://schemas.openxmlformats.org/drawingml/2006/main" xmlns:r="http://schemas.openxmlformats.org/officeDocument/2006/relationships" xmlns:p="http://schemas.openxmlformats.org/presentationml/2006/main" type="vertTx" preserve="1">
   <p:cSld name="Título e texto vertical">
     <p:spTree>
@@ -2847,11 +2557,7 @@
         <p:spPr/>
         <p:txBody>
           <a:bodyPr/>
-          <a:lstStyle>
-            <a:lvl1pPr algn="ctr">
-              <a:defRPr/>
-            </a:lvl1pPr>
-          </a:lstStyle>
+          <a:lstStyle/>
           <a:p>
             <a:r>
               <a:rPr lang="pt-BR" smtClean="0"/>
@@ -2873,7 +2579,7 @@
         </p:nvSpPr>
         <p:spPr/>
         <p:txBody>
-          <a:bodyPr vert="eaVert" anchor="t"/>
+          <a:bodyPr vert="eaVert"/>
           <a:lstStyle/>
           <a:p>
             <a:pPr lvl="0"/>
@@ -2929,9 +2635,9 @@
           <a:lstStyle/>
           <a:p>
             <a:fld id="{B61BEF0D-F0BB-DE4B-95CE-6DB70DBA9567}" type="datetimeFigureOut">
-              <a:rPr lang="en-US" dirty="0"/>
+              <a:rPr lang="en-US" smtClean="0"/>
               <a:pPr/>
-              <a:t>3/18/2015</a:t>
+              <a:t>3/21/2015</a:t>
             </a:fld>
             <a:endParaRPr lang="en-US" dirty="0"/>
           </a:p>
@@ -2972,7 +2678,7 @@
           <a:lstStyle/>
           <a:p>
             <a:fld id="{D57F1E4F-1CFF-5643-939E-217C01CDF565}" type="slidenum">
-              <a:rPr lang="en-US" dirty="0"/>
+              <a:rPr lang="en-US" smtClean="0"/>
               <a:pPr/>
               <a:t>‹nº›</a:t>
             </a:fld>
@@ -2981,6 +2687,11 @@
         </p:txBody>
       </p:sp>
     </p:spTree>
+    <p:extLst>
+      <p:ext uri="{BB962C8B-B14F-4D97-AF65-F5344CB8AC3E}">
+        <p14:creationId xmlns:p14="http://schemas.microsoft.com/office/powerpoint/2010/main" val="739151234"/>
+      </p:ext>
+    </p:extLst>
   </p:cSld>
   <p:clrMapOvr>
     <a:masterClrMapping/>
@@ -2988,7 +2699,7 @@
 </p:sldLayout>
 </file>
 
-<file path=ppt/slideLayouts/slideLayout17.xml><?xml version="1.0" encoding="utf-8"?>
+<file path=ppt/slideLayouts/slideLayout16.xml><?xml version="1.0" encoding="utf-8"?>
 <p:sldLayout xmlns:a="http://schemas.openxmlformats.org/drawingml/2006/main" xmlns:r="http://schemas.openxmlformats.org/officeDocument/2006/relationships" xmlns:p="http://schemas.openxmlformats.org/presentationml/2006/main" type="vertTitleAndTx" preserve="1">
   <p:cSld name="Título e texto verticais">
     <p:spTree>
@@ -3017,42 +2728,42 @@
         </p:nvSpPr>
         <p:spPr>
           <a:xfrm>
-            <a:off x="9732655" y="685800"/>
-            <a:ext cx="1770369" cy="5105400"/>
+            <a:off x="7967673" y="609599"/>
+            <a:ext cx="1304743" cy="5251451"/>
           </a:xfrm>
         </p:spPr>
         <p:txBody>
+          <a:bodyPr vert="eaVert" anchor="ctr"/>
+          <a:lstStyle/>
+          <a:p>
+            <a:r>
+              <a:rPr lang="pt-BR" smtClean="0"/>
+              <a:t>Clique para editar o título mestre</a:t>
+            </a:r>
+            <a:endParaRPr lang="en-US" dirty="0"/>
+          </a:p>
+        </p:txBody>
+      </p:sp>
+      <p:sp>
+        <p:nvSpPr>
+          <p:cNvPr id="3" name="Vertical Text Placeholder 2"/>
+          <p:cNvSpPr>
+            <a:spLocks noGrp="1"/>
+          </p:cNvSpPr>
+          <p:nvPr>
+            <p:ph type="body" orient="vert" idx="1"/>
+          </p:nvPr>
+        </p:nvSpPr>
+        <p:spPr>
+          <a:xfrm>
+            <a:off x="677335" y="609600"/>
+            <a:ext cx="7060150" cy="5251450"/>
+          </a:xfrm>
+        </p:spPr>
+        <p:txBody>
           <a:bodyPr vert="eaVert"/>
           <a:lstStyle/>
           <a:p>
-            <a:r>
-              <a:rPr lang="pt-BR" smtClean="0"/>
-              <a:t>Clique para editar o título mestre</a:t>
-            </a:r>
-            <a:endParaRPr lang="en-US" dirty="0"/>
-          </a:p>
-        </p:txBody>
-      </p:sp>
-      <p:sp>
-        <p:nvSpPr>
-          <p:cNvPr id="3" name="Vertical Text Placeholder 2"/>
-          <p:cNvSpPr>
-            <a:spLocks noGrp="1"/>
-          </p:cNvSpPr>
-          <p:nvPr>
-            <p:ph type="body" orient="vert" idx="1"/>
-          </p:nvPr>
-        </p:nvSpPr>
-        <p:spPr>
-          <a:xfrm>
-            <a:off x="1484312" y="685800"/>
-            <a:ext cx="8019742" cy="5105400"/>
-          </a:xfrm>
-        </p:spPr>
-        <p:txBody>
-          <a:bodyPr vert="eaVert" anchor="t"/>
-          <a:lstStyle/>
-          <a:p>
             <a:pPr lvl="0"/>
             <a:r>
               <a:rPr lang="pt-BR" smtClean="0"/>
@@ -3106,9 +2817,9 @@
           <a:lstStyle/>
           <a:p>
             <a:fld id="{B61BEF0D-F0BB-DE4B-95CE-6DB70DBA9567}" type="datetimeFigureOut">
-              <a:rPr lang="en-US" dirty="0"/>
+              <a:rPr lang="en-US" smtClean="0"/>
               <a:pPr/>
-              <a:t>3/18/2015</a:t>
+              <a:t>3/21/2015</a:t>
             </a:fld>
             <a:endParaRPr lang="en-US" dirty="0"/>
           </a:p>
@@ -3149,7 +2860,7 @@
           <a:lstStyle/>
           <a:p>
             <a:fld id="{D57F1E4F-1CFF-5643-939E-217C01CDF565}" type="slidenum">
-              <a:rPr lang="en-US" dirty="0"/>
+              <a:rPr lang="en-US" smtClean="0"/>
               <a:pPr/>
               <a:t>‹nº›</a:t>
             </a:fld>
@@ -3158,6 +2869,11 @@
         </p:txBody>
       </p:sp>
     </p:spTree>
+    <p:extLst>
+      <p:ext uri="{BB962C8B-B14F-4D97-AF65-F5344CB8AC3E}">
+        <p14:creationId xmlns:p14="http://schemas.microsoft.com/office/powerpoint/2010/main" val="1894066073"/>
+      </p:ext>
+    </p:extLst>
   </p:cSld>
   <p:clrMapOvr>
     <a:masterClrMapping/>
@@ -3194,32 +2910,38 @@
         </p:nvSpPr>
         <p:spPr/>
         <p:txBody>
+          <a:bodyPr>
+            <a:normAutofit/>
+          </a:bodyPr>
+          <a:lstStyle>
+            <a:lvl1pPr>
+              <a:defRPr sz="3600"/>
+            </a:lvl1pPr>
+          </a:lstStyle>
+          <a:p>
+            <a:r>
+              <a:rPr lang="pt-BR" smtClean="0"/>
+              <a:t>Clique para editar o título mestre</a:t>
+            </a:r>
+            <a:endParaRPr lang="en-US" dirty="0"/>
+          </a:p>
+        </p:txBody>
+      </p:sp>
+      <p:sp>
+        <p:nvSpPr>
+          <p:cNvPr id="3" name="Content Placeholder 2"/>
+          <p:cNvSpPr>
+            <a:spLocks noGrp="1"/>
+          </p:cNvSpPr>
+          <p:nvPr>
+            <p:ph idx="1"/>
+          </p:nvPr>
+        </p:nvSpPr>
+        <p:spPr/>
+        <p:txBody>
           <a:bodyPr/>
           <a:lstStyle/>
           <a:p>
-            <a:r>
-              <a:rPr lang="pt-BR" smtClean="0"/>
-              <a:t>Clique para editar o título mestre</a:t>
-            </a:r>
-            <a:endParaRPr lang="en-US" dirty="0"/>
-          </a:p>
-        </p:txBody>
-      </p:sp>
-      <p:sp>
-        <p:nvSpPr>
-          <p:cNvPr id="3" name="Content Placeholder 2"/>
-          <p:cNvSpPr>
-            <a:spLocks noGrp="1"/>
-          </p:cNvSpPr>
-          <p:nvPr>
-            <p:ph idx="1"/>
-          </p:nvPr>
-        </p:nvSpPr>
-        <p:spPr/>
-        <p:txBody>
-          <a:bodyPr anchor="ctr"/>
-          <a:lstStyle/>
-          <a:p>
             <a:pPr lvl="0"/>
             <a:r>
               <a:rPr lang="pt-BR" smtClean="0"/>
@@ -3273,9 +2995,9 @@
           <a:lstStyle/>
           <a:p>
             <a:fld id="{B61BEF0D-F0BB-DE4B-95CE-6DB70DBA9567}" type="datetimeFigureOut">
-              <a:rPr lang="en-US" dirty="0"/>
+              <a:rPr lang="en-US" smtClean="0"/>
               <a:pPr/>
-              <a:t>3/18/2015</a:t>
+              <a:t>3/21/2015</a:t>
             </a:fld>
             <a:endParaRPr lang="en-US" dirty="0"/>
           </a:p>
@@ -3310,18 +3032,13 @@
             <p:ph type="sldNum" sz="quarter" idx="12"/>
           </p:nvPr>
         </p:nvSpPr>
-        <p:spPr>
-          <a:xfrm>
-            <a:off x="10951856" y="5867131"/>
-            <a:ext cx="551167" cy="365125"/>
-          </a:xfrm>
-        </p:spPr>
+        <p:spPr/>
         <p:txBody>
           <a:bodyPr/>
           <a:lstStyle/>
           <a:p>
             <a:fld id="{D57F1E4F-1CFF-5643-939E-217C01CDF565}" type="slidenum">
-              <a:rPr lang="en-US" dirty="0"/>
+              <a:rPr lang="en-US" smtClean="0"/>
               <a:pPr/>
               <a:t>‹nº›</a:t>
             </a:fld>
@@ -3330,6 +3047,11 @@
         </p:txBody>
       </p:sp>
     </p:spTree>
+    <p:extLst>
+      <p:ext uri="{BB962C8B-B14F-4D97-AF65-F5344CB8AC3E}">
+        <p14:creationId xmlns:p14="http://schemas.microsoft.com/office/powerpoint/2010/main" val="3897798010"/>
+      </p:ext>
+    </p:extLst>
   </p:cSld>
   <p:clrMapOvr>
     <a:masterClrMapping/>
@@ -3366,14 +3088,14 @@
         </p:nvSpPr>
         <p:spPr>
           <a:xfrm>
-            <a:off x="2572279" y="2666999"/>
-            <a:ext cx="8930747" cy="2110382"/>
+            <a:off x="677335" y="2700867"/>
+            <a:ext cx="8596668" cy="1826581"/>
           </a:xfrm>
         </p:spPr>
         <p:txBody>
           <a:bodyPr anchor="b"/>
           <a:lstStyle>
-            <a:lvl1pPr algn="r">
+            <a:lvl1pPr algn="l">
               <a:defRPr sz="4000" b="0" cap="none"/>
             </a:lvl1pPr>
           </a:lstStyle>
@@ -3398,20 +3120,21 @@
         </p:nvSpPr>
         <p:spPr>
           <a:xfrm>
-            <a:off x="2572278" y="4777381"/>
-            <a:ext cx="8930748" cy="860400"/>
+            <a:off x="677335" y="4527448"/>
+            <a:ext cx="8596668" cy="860400"/>
           </a:xfrm>
         </p:spPr>
         <p:txBody>
-          <a:bodyPr anchor="t">
-            <a:normAutofit/>
-          </a:bodyPr>
+          <a:bodyPr anchor="t"/>
           <a:lstStyle>
-            <a:lvl1pPr marL="0" indent="0" algn="r">
+            <a:lvl1pPr marL="0" indent="0" algn="l">
               <a:buNone/>
               <a:defRPr sz="2000">
                 <a:solidFill>
-                  <a:schemeClr val="tx1"/>
+                  <a:schemeClr val="tx1">
+                    <a:lumMod val="50000"/>
+                    <a:lumOff val="50000"/>
+                  </a:schemeClr>
                 </a:solidFill>
               </a:defRPr>
             </a:lvl1pPr>
@@ -3521,9 +3244,9 @@
           <a:lstStyle/>
           <a:p>
             <a:fld id="{B61BEF0D-F0BB-DE4B-95CE-6DB70DBA9567}" type="datetimeFigureOut">
-              <a:rPr lang="en-US" dirty="0"/>
+              <a:rPr lang="en-US" smtClean="0"/>
               <a:pPr/>
-              <a:t>3/18/2015</a:t>
+              <a:t>3/21/2015</a:t>
             </a:fld>
             <a:endParaRPr lang="en-US" dirty="0"/>
           </a:p>
@@ -3564,7 +3287,7 @@
           <a:lstStyle/>
           <a:p>
             <a:fld id="{D57F1E4F-1CFF-5643-939E-217C01CDF565}" type="slidenum">
-              <a:rPr lang="en-US" dirty="0"/>
+              <a:rPr lang="en-US" smtClean="0"/>
               <a:pPr/>
               <a:t>‹nº›</a:t>
             </a:fld>
@@ -3573,6 +3296,11 @@
         </p:txBody>
       </p:sp>
     </p:spTree>
+    <p:extLst>
+      <p:ext uri="{BB962C8B-B14F-4D97-AF65-F5344CB8AC3E}">
+        <p14:creationId xmlns:p14="http://schemas.microsoft.com/office/powerpoint/2010/main" val="3417596114"/>
+      </p:ext>
+    </p:extLst>
   </p:cSld>
   <p:clrMapOvr>
     <a:masterClrMapping/>
@@ -3607,19 +3335,71 @@
             <p:ph type="title"/>
           </p:nvPr>
         </p:nvSpPr>
+        <p:spPr/>
+        <p:txBody>
+          <a:bodyPr/>
+          <a:lstStyle/>
+          <a:p>
+            <a:r>
+              <a:rPr lang="pt-BR" smtClean="0"/>
+              <a:t>Clique para editar o título mestre</a:t>
+            </a:r>
+            <a:endParaRPr lang="en-US" dirty="0"/>
+          </a:p>
+        </p:txBody>
+      </p:sp>
+      <p:sp>
+        <p:nvSpPr>
+          <p:cNvPr id="3" name="Content Placeholder 2"/>
+          <p:cNvSpPr>
+            <a:spLocks noGrp="1"/>
+          </p:cNvSpPr>
+          <p:nvPr>
+            <p:ph sz="half" idx="1"/>
+          </p:nvPr>
+        </p:nvSpPr>
         <p:spPr>
           <a:xfrm>
-            <a:off x="1484311" y="685800"/>
-            <a:ext cx="10018713" cy="1752599"/>
+            <a:off x="677334" y="2160589"/>
+            <a:ext cx="4184035" cy="3880772"/>
           </a:xfrm>
         </p:spPr>
         <p:txBody>
           <a:bodyPr/>
           <a:lstStyle/>
           <a:p>
+            <a:pPr lvl="0"/>
             <a:r>
               <a:rPr lang="pt-BR" smtClean="0"/>
-              <a:t>Clique para editar o título mestre</a:t>
+              <a:t>Clique para editar o texto mestre</a:t>
+            </a:r>
+          </a:p>
+          <a:p>
+            <a:pPr lvl="1"/>
+            <a:r>
+              <a:rPr lang="pt-BR" smtClean="0"/>
+              <a:t>Segundo nível</a:t>
+            </a:r>
+          </a:p>
+          <a:p>
+            <a:pPr lvl="2"/>
+            <a:r>
+              <a:rPr lang="pt-BR" smtClean="0"/>
+              <a:t>Terceiro nível</a:t>
+            </a:r>
+          </a:p>
+          <a:p>
+            <a:pPr lvl="3"/>
+            <a:r>
+              <a:rPr lang="pt-BR" smtClean="0"/>
+              <a:t>Quarto nível</a:t>
+            </a:r>
+          </a:p>
+          <a:p>
+            <a:pPr lvl="4"/>
+            <a:r>
+              <a:rPr lang="pt-BR" smtClean="0"/>
+              <a:t>Quinto nível</a:t>
             </a:r>
             <a:endParaRPr lang="en-US" dirty="0"/>
           </a:p>
@@ -3627,53 +3407,23 @@
       </p:sp>
       <p:sp>
         <p:nvSpPr>
-          <p:cNvPr id="3" name="Content Placeholder 2"/>
-          <p:cNvSpPr>
-            <a:spLocks noGrp="1"/>
-          </p:cNvSpPr>
-          <p:nvPr>
-            <p:ph sz="half" idx="1"/>
+          <p:cNvPr id="4" name="Content Placeholder 3"/>
+          <p:cNvSpPr>
+            <a:spLocks noGrp="1"/>
+          </p:cNvSpPr>
+          <p:nvPr>
+            <p:ph sz="half" idx="2"/>
           </p:nvPr>
         </p:nvSpPr>
         <p:spPr>
           <a:xfrm>
-            <a:off x="1484312" y="2666999"/>
-            <a:ext cx="4895055" cy="3124201"/>
+            <a:off x="5089970" y="2160589"/>
+            <a:ext cx="4184034" cy="3880773"/>
           </a:xfrm>
         </p:spPr>
         <p:txBody>
-          <a:bodyPr>
-            <a:normAutofit/>
-          </a:bodyPr>
-          <a:lstStyle>
-            <a:lvl1pPr>
-              <a:defRPr sz="1800"/>
-            </a:lvl1pPr>
-            <a:lvl2pPr>
-              <a:defRPr sz="1600"/>
-            </a:lvl2pPr>
-            <a:lvl3pPr>
-              <a:defRPr sz="1400"/>
-            </a:lvl3pPr>
-            <a:lvl4pPr>
-              <a:defRPr sz="1200"/>
-            </a:lvl4pPr>
-            <a:lvl5pPr>
-              <a:defRPr sz="1200"/>
-            </a:lvl5pPr>
-            <a:lvl6pPr>
-              <a:defRPr sz="1200"/>
-            </a:lvl6pPr>
-            <a:lvl7pPr>
-              <a:defRPr sz="1200"/>
-            </a:lvl7pPr>
-            <a:lvl8pPr>
-              <a:defRPr sz="1200"/>
-            </a:lvl8pPr>
-            <a:lvl9pPr>
-              <a:defRPr sz="1200"/>
-            </a:lvl9pPr>
-          </a:lstStyle>
+          <a:bodyPr/>
+          <a:lstStyle/>
           <a:p>
             <a:pPr lvl="0"/>
             <a:r>
@@ -3714,93 +3464,6 @@
       </p:sp>
       <p:sp>
         <p:nvSpPr>
-          <p:cNvPr id="4" name="Content Placeholder 3"/>
-          <p:cNvSpPr>
-            <a:spLocks noGrp="1"/>
-          </p:cNvSpPr>
-          <p:nvPr>
-            <p:ph sz="half" idx="2"/>
-          </p:nvPr>
-        </p:nvSpPr>
-        <p:spPr>
-          <a:xfrm>
-            <a:off x="6607967" y="2667000"/>
-            <a:ext cx="4895056" cy="3124200"/>
-          </a:xfrm>
-        </p:spPr>
-        <p:txBody>
-          <a:bodyPr>
-            <a:normAutofit/>
-          </a:bodyPr>
-          <a:lstStyle>
-            <a:lvl1pPr>
-              <a:defRPr sz="1800"/>
-            </a:lvl1pPr>
-            <a:lvl2pPr>
-              <a:defRPr sz="1600"/>
-            </a:lvl2pPr>
-            <a:lvl3pPr>
-              <a:defRPr sz="1400"/>
-            </a:lvl3pPr>
-            <a:lvl4pPr>
-              <a:defRPr sz="1200"/>
-            </a:lvl4pPr>
-            <a:lvl5pPr>
-              <a:defRPr sz="1200"/>
-            </a:lvl5pPr>
-            <a:lvl6pPr>
-              <a:defRPr sz="1200"/>
-            </a:lvl6pPr>
-            <a:lvl7pPr>
-              <a:defRPr sz="1200"/>
-            </a:lvl7pPr>
-            <a:lvl8pPr>
-              <a:defRPr sz="1200"/>
-            </a:lvl8pPr>
-            <a:lvl9pPr>
-              <a:defRPr sz="1200"/>
-            </a:lvl9pPr>
-          </a:lstStyle>
-          <a:p>
-            <a:pPr lvl="0"/>
-            <a:r>
-              <a:rPr lang="pt-BR" smtClean="0"/>
-              <a:t>Clique para editar o texto mestre</a:t>
-            </a:r>
-          </a:p>
-          <a:p>
-            <a:pPr lvl="1"/>
-            <a:r>
-              <a:rPr lang="pt-BR" smtClean="0"/>
-              <a:t>Segundo nível</a:t>
-            </a:r>
-          </a:p>
-          <a:p>
-            <a:pPr lvl="2"/>
-            <a:r>
-              <a:rPr lang="pt-BR" smtClean="0"/>
-              <a:t>Terceiro nível</a:t>
-            </a:r>
-          </a:p>
-          <a:p>
-            <a:pPr lvl="3"/>
-            <a:r>
-              <a:rPr lang="pt-BR" smtClean="0"/>
-              <a:t>Quarto nível</a:t>
-            </a:r>
-          </a:p>
-          <a:p>
-            <a:pPr lvl="4"/>
-            <a:r>
-              <a:rPr lang="pt-BR" smtClean="0"/>
-              <a:t>Quinto nível</a:t>
-            </a:r>
-            <a:endParaRPr lang="en-US" dirty="0"/>
-          </a:p>
-        </p:txBody>
-      </p:sp>
-      <p:sp>
-        <p:nvSpPr>
           <p:cNvPr id="5" name="Date Placeholder 4"/>
           <p:cNvSpPr>
             <a:spLocks noGrp="1"/>
@@ -3815,9 +3478,9 @@
           <a:lstStyle/>
           <a:p>
             <a:fld id="{B61BEF0D-F0BB-DE4B-95CE-6DB70DBA9567}" type="datetimeFigureOut">
-              <a:rPr lang="en-US" dirty="0"/>
+              <a:rPr lang="en-US" smtClean="0"/>
               <a:pPr/>
-              <a:t>3/18/2015</a:t>
+              <a:t>3/21/2015</a:t>
             </a:fld>
             <a:endParaRPr lang="en-US" dirty="0"/>
           </a:p>
@@ -3858,7 +3521,7 @@
           <a:lstStyle/>
           <a:p>
             <a:fld id="{D57F1E4F-1CFF-5643-939E-217C01CDF565}" type="slidenum">
-              <a:rPr lang="en-US" dirty="0"/>
+              <a:rPr lang="en-US" smtClean="0"/>
               <a:pPr/>
               <a:t>‹nº›</a:t>
             </a:fld>
@@ -3867,6 +3530,11 @@
         </p:txBody>
       </p:sp>
     </p:spTree>
+    <p:extLst>
+      <p:ext uri="{BB962C8B-B14F-4D97-AF65-F5344CB8AC3E}">
+        <p14:creationId xmlns:p14="http://schemas.microsoft.com/office/powerpoint/2010/main" val="3802463671"/>
+      </p:ext>
+    </p:extLst>
   </p:cSld>
   <p:clrMapOvr>
     <a:masterClrMapping/>
@@ -3930,8 +3598,8 @@
         </p:nvSpPr>
         <p:spPr>
           <a:xfrm>
-            <a:off x="1772179" y="2658533"/>
-            <a:ext cx="4607188" cy="576262"/>
+            <a:off x="675745" y="2160983"/>
+            <a:ext cx="4185623" cy="576262"/>
           </a:xfrm>
         </p:spPr>
         <p:txBody>
@@ -3941,13 +3609,7 @@
           <a:lstStyle>
             <a:lvl1pPr marL="0" indent="0">
               <a:buNone/>
-              <a:defRPr sz="2800" b="0">
-                <a:solidFill>
-                  <a:schemeClr val="accent1">
-                    <a:lumMod val="75000"/>
-                  </a:schemeClr>
-                </a:solidFill>
-              </a:defRPr>
+              <a:defRPr sz="2400" b="0"/>
             </a:lvl1pPr>
             <a:lvl2pPr marL="457200" indent="0">
               <a:buNone/>
@@ -4003,43 +3665,15 @@
         </p:nvSpPr>
         <p:spPr>
           <a:xfrm>
-            <a:off x="1484311" y="3335337"/>
-            <a:ext cx="4895056" cy="2455862"/>
+            <a:off x="675745" y="2737245"/>
+            <a:ext cx="4185623" cy="3304117"/>
           </a:xfrm>
         </p:spPr>
         <p:txBody>
-          <a:bodyPr anchor="t">
+          <a:bodyPr>
             <a:normAutofit/>
           </a:bodyPr>
-          <a:lstStyle>
-            <a:lvl1pPr>
-              <a:defRPr sz="1800"/>
-            </a:lvl1pPr>
-            <a:lvl2pPr>
-              <a:defRPr sz="1600"/>
-            </a:lvl2pPr>
-            <a:lvl3pPr>
-              <a:defRPr sz="1400"/>
-            </a:lvl3pPr>
-            <a:lvl4pPr>
-              <a:defRPr sz="1200"/>
-            </a:lvl4pPr>
-            <a:lvl5pPr>
-              <a:defRPr sz="1200"/>
-            </a:lvl5pPr>
-            <a:lvl6pPr>
-              <a:defRPr sz="1200"/>
-            </a:lvl6pPr>
-            <a:lvl7pPr>
-              <a:defRPr sz="1200"/>
-            </a:lvl7pPr>
-            <a:lvl8pPr>
-              <a:defRPr sz="1200"/>
-            </a:lvl8pPr>
-            <a:lvl9pPr>
-              <a:defRPr sz="1200"/>
-            </a:lvl9pPr>
-          </a:lstStyle>
+          <a:lstStyle/>
           <a:p>
             <a:pPr lvl="0"/>
             <a:r>
@@ -4090,8 +3724,8 @@
         </p:nvSpPr>
         <p:spPr>
           <a:xfrm>
-            <a:off x="6880487" y="2667000"/>
-            <a:ext cx="4622537" cy="576262"/>
+            <a:off x="5088383" y="2160983"/>
+            <a:ext cx="4185618" cy="576262"/>
           </a:xfrm>
         </p:spPr>
         <p:txBody>
@@ -4101,13 +3735,7 @@
           <a:lstStyle>
             <a:lvl1pPr marL="0" indent="0">
               <a:buNone/>
-              <a:defRPr sz="2800" b="0">
-                <a:solidFill>
-                  <a:schemeClr val="accent1">
-                    <a:lumMod val="75000"/>
-                  </a:schemeClr>
-                </a:solidFill>
-              </a:defRPr>
+              <a:defRPr sz="2400" b="0"/>
             </a:lvl1pPr>
             <a:lvl2pPr marL="457200" indent="0">
               <a:buNone/>
@@ -4163,43 +3791,15 @@
         </p:nvSpPr>
         <p:spPr>
           <a:xfrm>
-            <a:off x="6607967" y="3335337"/>
-            <a:ext cx="4895056" cy="2455862"/>
+            <a:off x="5088384" y="2737245"/>
+            <a:ext cx="4185617" cy="3304117"/>
           </a:xfrm>
         </p:spPr>
         <p:txBody>
-          <a:bodyPr anchor="t">
+          <a:bodyPr>
             <a:normAutofit/>
           </a:bodyPr>
-          <a:lstStyle>
-            <a:lvl1pPr>
-              <a:defRPr sz="1800"/>
-            </a:lvl1pPr>
-            <a:lvl2pPr>
-              <a:defRPr sz="1600"/>
-            </a:lvl2pPr>
-            <a:lvl3pPr>
-              <a:defRPr sz="1400"/>
-            </a:lvl3pPr>
-            <a:lvl4pPr>
-              <a:defRPr sz="1200"/>
-            </a:lvl4pPr>
-            <a:lvl5pPr>
-              <a:defRPr sz="1200"/>
-            </a:lvl5pPr>
-            <a:lvl6pPr>
-              <a:defRPr sz="1200"/>
-            </a:lvl6pPr>
-            <a:lvl7pPr>
-              <a:defRPr sz="1200"/>
-            </a:lvl7pPr>
-            <a:lvl8pPr>
-              <a:defRPr sz="1200"/>
-            </a:lvl8pPr>
-            <a:lvl9pPr>
-              <a:defRPr sz="1200"/>
-            </a:lvl9pPr>
-          </a:lstStyle>
+          <a:lstStyle/>
           <a:p>
             <a:pPr lvl="0"/>
             <a:r>
@@ -4254,9 +3854,9 @@
           <a:lstStyle/>
           <a:p>
             <a:fld id="{B61BEF0D-F0BB-DE4B-95CE-6DB70DBA9567}" type="datetimeFigureOut">
-              <a:rPr lang="en-US" dirty="0"/>
+              <a:rPr lang="en-US" smtClean="0"/>
               <a:pPr/>
-              <a:t>3/18/2015</a:t>
+              <a:t>3/21/2015</a:t>
             </a:fld>
             <a:endParaRPr lang="en-US" dirty="0"/>
           </a:p>
@@ -4297,7 +3897,7 @@
           <a:lstStyle/>
           <a:p>
             <a:fld id="{D57F1E4F-1CFF-5643-939E-217C01CDF565}" type="slidenum">
-              <a:rPr lang="en-US" dirty="0"/>
+              <a:rPr lang="en-US" smtClean="0"/>
               <a:pPr/>
               <a:t>‹nº›</a:t>
             </a:fld>
@@ -4306,6 +3906,11 @@
         </p:txBody>
       </p:sp>
     </p:spTree>
+    <p:extLst>
+      <p:ext uri="{BB962C8B-B14F-4D97-AF65-F5344CB8AC3E}">
+        <p14:creationId xmlns:p14="http://schemas.microsoft.com/office/powerpoint/2010/main" val="3932232568"/>
+      </p:ext>
+    </p:extLst>
   </p:cSld>
   <p:clrMapOvr>
     <a:masterClrMapping/>
@@ -4340,7 +3945,12 @@
             <p:ph type="title"/>
           </p:nvPr>
         </p:nvSpPr>
-        <p:spPr/>
+        <p:spPr>
+          <a:xfrm>
+            <a:off x="677334" y="609600"/>
+            <a:ext cx="8596668" cy="1320800"/>
+          </a:xfrm>
+        </p:spPr>
         <p:txBody>
           <a:bodyPr/>
           <a:lstStyle/>
@@ -4369,9 +3979,9 @@
           <a:lstStyle/>
           <a:p>
             <a:fld id="{B61BEF0D-F0BB-DE4B-95CE-6DB70DBA9567}" type="datetimeFigureOut">
-              <a:rPr lang="en-US" dirty="0"/>
+              <a:rPr lang="en-US" smtClean="0"/>
               <a:pPr/>
-              <a:t>3/18/2015</a:t>
+              <a:t>3/21/2015</a:t>
             </a:fld>
             <a:endParaRPr lang="en-US" dirty="0"/>
           </a:p>
@@ -4412,7 +4022,7 @@
           <a:lstStyle/>
           <a:p>
             <a:fld id="{D57F1E4F-1CFF-5643-939E-217C01CDF565}" type="slidenum">
-              <a:rPr lang="en-US" dirty="0"/>
+              <a:rPr lang="en-US" smtClean="0"/>
               <a:pPr/>
               <a:t>‹nº›</a:t>
             </a:fld>
@@ -4421,6 +4031,11 @@
         </p:txBody>
       </p:sp>
     </p:spTree>
+    <p:extLst>
+      <p:ext uri="{BB962C8B-B14F-4D97-AF65-F5344CB8AC3E}">
+        <p14:creationId xmlns:p14="http://schemas.microsoft.com/office/powerpoint/2010/main" val="3860031097"/>
+      </p:ext>
+    </p:extLst>
   </p:cSld>
   <p:clrMapOvr>
     <a:masterClrMapping/>
@@ -4461,9 +4076,9 @@
           <a:lstStyle/>
           <a:p>
             <a:fld id="{B61BEF0D-F0BB-DE4B-95CE-6DB70DBA9567}" type="datetimeFigureOut">
-              <a:rPr lang="en-US" dirty="0"/>
+              <a:rPr lang="en-US" smtClean="0"/>
               <a:pPr/>
-              <a:t>3/18/2015</a:t>
+              <a:t>3/21/2015</a:t>
             </a:fld>
             <a:endParaRPr lang="en-US" dirty="0"/>
           </a:p>
@@ -4504,7 +4119,7 @@
           <a:lstStyle/>
           <a:p>
             <a:fld id="{D57F1E4F-1CFF-5643-939E-217C01CDF565}" type="slidenum">
-              <a:rPr lang="en-US" dirty="0"/>
+              <a:rPr lang="en-US" smtClean="0"/>
               <a:pPr/>
               <a:t>‹nº›</a:t>
             </a:fld>
@@ -4513,6 +4128,11 @@
         </p:txBody>
       </p:sp>
     </p:spTree>
+    <p:extLst>
+      <p:ext uri="{BB962C8B-B14F-4D97-AF65-F5344CB8AC3E}">
+        <p14:creationId xmlns:p14="http://schemas.microsoft.com/office/powerpoint/2010/main" val="3798088689"/>
+      </p:ext>
+    </p:extLst>
   </p:cSld>
   <p:clrMapOvr>
     <a:masterClrMapping/>
@@ -4549,77 +4169,49 @@
         </p:nvSpPr>
         <p:spPr>
           <a:xfrm>
-            <a:off x="1484312" y="1600200"/>
-            <a:ext cx="3549121" cy="1371600"/>
+            <a:off x="677334" y="1498604"/>
+            <a:ext cx="3854528" cy="1278466"/>
           </a:xfrm>
         </p:spPr>
         <p:txBody>
           <a:bodyPr anchor="b">
-            <a:normAutofit/>
-          </a:bodyPr>
-          <a:lstStyle>
-            <a:lvl1pPr algn="ctr">
-              <a:defRPr sz="2400" b="0"/>
-            </a:lvl1pPr>
-          </a:lstStyle>
-          <a:p>
-            <a:r>
-              <a:rPr lang="pt-BR" smtClean="0"/>
-              <a:t>Clique para editar o título mestre</a:t>
-            </a:r>
-            <a:endParaRPr lang="en-US" dirty="0"/>
-          </a:p>
-        </p:txBody>
-      </p:sp>
-      <p:sp>
-        <p:nvSpPr>
-          <p:cNvPr id="3" name="Content Placeholder 2"/>
-          <p:cNvSpPr>
-            <a:spLocks noGrp="1"/>
-          </p:cNvSpPr>
-          <p:nvPr>
-            <p:ph idx="1"/>
-          </p:nvPr>
-        </p:nvSpPr>
-        <p:spPr>
-          <a:xfrm>
-            <a:off x="5262033" y="685799"/>
-            <a:ext cx="6240990" cy="5105401"/>
-          </a:xfrm>
-        </p:spPr>
-        <p:txBody>
-          <a:bodyPr anchor="ctr">
             <a:normAutofit/>
           </a:bodyPr>
           <a:lstStyle>
             <a:lvl1pPr>
               <a:defRPr sz="2000"/>
             </a:lvl1pPr>
-            <a:lvl2pPr>
-              <a:defRPr sz="1800"/>
-            </a:lvl2pPr>
-            <a:lvl3pPr>
-              <a:defRPr sz="1600"/>
-            </a:lvl3pPr>
-            <a:lvl4pPr>
-              <a:defRPr sz="1400"/>
-            </a:lvl4pPr>
-            <a:lvl5pPr>
-              <a:defRPr sz="1400"/>
-            </a:lvl5pPr>
-            <a:lvl6pPr>
-              <a:defRPr sz="1400"/>
-            </a:lvl6pPr>
-            <a:lvl7pPr>
-              <a:defRPr sz="1400"/>
-            </a:lvl7pPr>
-            <a:lvl8pPr>
-              <a:defRPr sz="1400"/>
-            </a:lvl8pPr>
-            <a:lvl9pPr>
-              <a:defRPr sz="1400"/>
-            </a:lvl9pPr>
           </a:lstStyle>
+          <a:p>
+            <a:r>
+              <a:rPr lang="pt-BR" smtClean="0"/>
+              <a:t>Clique para editar o título mestre</a:t>
+            </a:r>
+            <a:endParaRPr lang="en-US" dirty="0"/>
+          </a:p>
+        </p:txBody>
+      </p:sp>
+      <p:sp>
+        <p:nvSpPr>
+          <p:cNvPr id="3" name="Content Placeholder 2"/>
+          <p:cNvSpPr>
+            <a:spLocks noGrp="1"/>
+          </p:cNvSpPr>
+          <p:nvPr>
+            <p:ph idx="1"/>
+          </p:nvPr>
+        </p:nvSpPr>
+        <p:spPr>
+          <a:xfrm>
+            <a:off x="4760461" y="514924"/>
+            <a:ext cx="4513541" cy="5526437"/>
+          </a:xfrm>
+        </p:spPr>
+        <p:txBody>
+          <a:bodyPr>
+            <a:normAutofit/>
+          </a:bodyPr>
+          <a:lstStyle/>
           <a:p>
             <a:pPr lvl="0"/>
             <a:r>
@@ -4670,8 +4262,8 @@
         </p:nvSpPr>
         <p:spPr>
           <a:xfrm>
-            <a:off x="1484312" y="2971800"/>
-            <a:ext cx="3549121" cy="1828800"/>
+            <a:off x="677334" y="2777069"/>
+            <a:ext cx="3854528" cy="2584449"/>
           </a:xfrm>
         </p:spPr>
         <p:txBody>
@@ -4679,41 +4271,41 @@
             <a:normAutofit/>
           </a:bodyPr>
           <a:lstStyle>
-            <a:lvl1pPr marL="0" indent="0" algn="ctr">
-              <a:buNone/>
-              <a:defRPr sz="1600"/>
+            <a:lvl1pPr marL="0" indent="0">
+              <a:buNone/>
+              <a:defRPr sz="1400"/>
             </a:lvl1pPr>
-            <a:lvl2pPr marL="457200" indent="0">
+            <a:lvl2pPr marL="457063" indent="0">
+              <a:buNone/>
+              <a:defRPr sz="1400"/>
+            </a:lvl2pPr>
+            <a:lvl3pPr marL="914126" indent="0">
               <a:buNone/>
               <a:defRPr sz="1200"/>
-            </a:lvl2pPr>
-            <a:lvl3pPr marL="914400" indent="0">
+            </a:lvl3pPr>
+            <a:lvl4pPr marL="1371189" indent="0">
               <a:buNone/>
               <a:defRPr sz="1000"/>
-            </a:lvl3pPr>
-            <a:lvl4pPr marL="1371600" indent="0">
-              <a:buNone/>
-              <a:defRPr sz="900"/>
             </a:lvl4pPr>
-            <a:lvl5pPr marL="1828800" indent="0">
-              <a:buNone/>
-              <a:defRPr sz="900"/>
+            <a:lvl5pPr marL="1828251" indent="0">
+              <a:buNone/>
+              <a:defRPr sz="1000"/>
             </a:lvl5pPr>
-            <a:lvl6pPr marL="2286000" indent="0">
-              <a:buNone/>
-              <a:defRPr sz="900"/>
+            <a:lvl6pPr marL="2285314" indent="0">
+              <a:buNone/>
+              <a:defRPr sz="1000"/>
             </a:lvl6pPr>
-            <a:lvl7pPr marL="2743200" indent="0">
-              <a:buNone/>
-              <a:defRPr sz="900"/>
+            <a:lvl7pPr marL="2742377" indent="0">
+              <a:buNone/>
+              <a:defRPr sz="1000"/>
             </a:lvl7pPr>
-            <a:lvl8pPr marL="3200400" indent="0">
-              <a:buNone/>
-              <a:defRPr sz="900"/>
+            <a:lvl8pPr marL="3199440" indent="0">
+              <a:buNone/>
+              <a:defRPr sz="1000"/>
             </a:lvl8pPr>
-            <a:lvl9pPr marL="3657600" indent="0">
-              <a:buNone/>
-              <a:defRPr sz="900"/>
+            <a:lvl9pPr marL="3656503" indent="0">
+              <a:buNone/>
+              <a:defRPr sz="1000"/>
             </a:lvl9pPr>
           </a:lstStyle>
           <a:p>
@@ -4741,9 +4333,9 @@
           <a:lstStyle/>
           <a:p>
             <a:fld id="{B61BEF0D-F0BB-DE4B-95CE-6DB70DBA9567}" type="datetimeFigureOut">
-              <a:rPr lang="en-US" dirty="0"/>
+              <a:rPr lang="en-US" smtClean="0"/>
               <a:pPr/>
-              <a:t>3/18/2015</a:t>
+              <a:t>3/21/2015</a:t>
             </a:fld>
             <a:endParaRPr lang="en-US" dirty="0"/>
           </a:p>
@@ -4784,7 +4376,7 @@
           <a:lstStyle/>
           <a:p>
             <a:fld id="{D57F1E4F-1CFF-5643-939E-217C01CDF565}" type="slidenum">
-              <a:rPr lang="en-US" dirty="0"/>
+              <a:rPr lang="en-US" smtClean="0"/>
               <a:pPr/>
               <a:t>‹nº›</a:t>
             </a:fld>
@@ -4793,6 +4385,11 @@
         </p:txBody>
       </p:sp>
     </p:spTree>
+    <p:extLst>
+      <p:ext uri="{BB962C8B-B14F-4D97-AF65-F5344CB8AC3E}">
+        <p14:creationId xmlns:p14="http://schemas.microsoft.com/office/powerpoint/2010/main" val="1708770165"/>
+      </p:ext>
+    </p:extLst>
   </p:cSld>
   <p:clrMapOvr>
     <a:masterClrMapping/>
@@ -4829,8 +4426,8 @@
         </p:nvSpPr>
         <p:spPr>
           <a:xfrm>
-            <a:off x="1482724" y="1752599"/>
-            <a:ext cx="5426158" cy="1371600"/>
+            <a:off x="677334" y="4800600"/>
+            <a:ext cx="8596667" cy="566738"/>
           </a:xfrm>
         </p:spPr>
         <p:txBody>
@@ -4838,8 +4435,8 @@
             <a:normAutofit/>
           </a:bodyPr>
           <a:lstStyle>
-            <a:lvl1pPr algn="ctr">
-              <a:defRPr sz="2800" b="0"/>
+            <a:lvl1pPr algn="l">
+              <a:defRPr sz="2400" b="0"/>
             </a:lvl1pPr>
           </a:lstStyle>
           <a:p>
@@ -4853,7 +4450,7 @@
       </p:sp>
       <p:sp>
         <p:nvSpPr>
-          <p:cNvPr id="14" name="Picture Placeholder 2"/>
+          <p:cNvPr id="3" name="Picture Placeholder 2"/>
           <p:cNvSpPr>
             <a:spLocks noGrp="1" noChangeAspect="1"/>
           </p:cNvSpPr>
@@ -4863,37 +4460,9 @@
         </p:nvSpPr>
         <p:spPr>
           <a:xfrm>
-            <a:off x="7594682" y="914400"/>
-            <a:ext cx="3280974" cy="4572000"/>
+            <a:off x="677334" y="609600"/>
+            <a:ext cx="8596668" cy="3845718"/>
           </a:xfrm>
-          <a:prstGeom prst="roundRect">
-            <a:avLst>
-              <a:gd name="adj" fmla="val 4280"/>
-            </a:avLst>
-          </a:prstGeom>
-          <a:ln w="38100">
-            <a:gradFill flip="none" rotWithShape="1">
-              <a:gsLst>
-                <a:gs pos="0">
-                  <a:schemeClr val="bg2"/>
-                </a:gs>
-                <a:gs pos="100000">
-                  <a:schemeClr val="bg2">
-                    <a:lumMod val="75000"/>
-                  </a:schemeClr>
-                </a:gs>
-              </a:gsLst>
-              <a:lin ang="5400000" scaled="0"/>
-              <a:tileRect/>
-            </a:gradFill>
-          </a:ln>
-          <a:effectLst>
-            <a:innerShdw blurRad="57150" dist="38100" dir="14460000">
-              <a:srgbClr val="000000">
-                <a:alpha val="70000"/>
-              </a:srgbClr>
-            </a:innerShdw>
-          </a:effectLst>
         </p:spPr>
         <p:txBody>
           <a:bodyPr anchor="t">
@@ -4958,8 +4527,8 @@
         </p:nvSpPr>
         <p:spPr>
           <a:xfrm>
-            <a:off x="1482724" y="3124199"/>
-            <a:ext cx="5426158" cy="1828800"/>
+            <a:off x="677334" y="5367338"/>
+            <a:ext cx="8596667" cy="674024"/>
           </a:xfrm>
         </p:spPr>
         <p:txBody>
@@ -4967,9 +4536,9 @@
             <a:normAutofit/>
           </a:bodyPr>
           <a:lstStyle>
-            <a:lvl1pPr marL="0" indent="0" algn="ctr">
-              <a:buNone/>
-              <a:defRPr sz="1800"/>
+            <a:lvl1pPr marL="0" indent="0">
+              <a:buNone/>
+              <a:defRPr sz="1200"/>
             </a:lvl1pPr>
             <a:lvl2pPr marL="457200" indent="0">
               <a:buNone/>
@@ -5029,9 +4598,9 @@
           <a:lstStyle/>
           <a:p>
             <a:fld id="{B61BEF0D-F0BB-DE4B-95CE-6DB70DBA9567}" type="datetimeFigureOut">
-              <a:rPr lang="en-US" dirty="0"/>
+              <a:rPr lang="en-US" smtClean="0"/>
               <a:pPr/>
-              <a:t>3/18/2015</a:t>
+              <a:t>3/21/2015</a:t>
             </a:fld>
             <a:endParaRPr lang="en-US" dirty="0"/>
           </a:p>
@@ -5072,7 +4641,7 @@
           <a:lstStyle/>
           <a:p>
             <a:fld id="{D57F1E4F-1CFF-5643-939E-217C01CDF565}" type="slidenum">
-              <a:rPr lang="en-US" dirty="0"/>
+              <a:rPr lang="en-US" smtClean="0"/>
               <a:pPr/>
               <a:t>‹nº›</a:t>
             </a:fld>
@@ -5081,6 +4650,11 @@
         </p:txBody>
       </p:sp>
     </p:spTree>
+    <p:extLst>
+      <p:ext uri="{BB962C8B-B14F-4D97-AF65-F5344CB8AC3E}">
+        <p14:creationId xmlns:p14="http://schemas.microsoft.com/office/powerpoint/2010/main" val="1772616562"/>
+      </p:ext>
+    </p:extLst>
   </p:cSld>
   <p:clrMapOvr>
     <a:masterClrMapping/>
@@ -5092,8 +4666,8 @@
 <p:sldMaster xmlns:a="http://schemas.openxmlformats.org/drawingml/2006/main" xmlns:r="http://schemas.openxmlformats.org/officeDocument/2006/relationships" xmlns:p="http://schemas.openxmlformats.org/presentationml/2006/main">
   <p:cSld>
     <p:bg>
-      <p:bgRef idx="1003">
-        <a:schemeClr val="bg2"/>
+      <p:bgRef idx="1001">
+        <a:schemeClr val="bg1"/>
       </p:bgRef>
     </p:bg>
     <p:spTree>
@@ -5118,180 +4692,179 @@
         </p:nvGrpSpPr>
         <p:grpSpPr>
           <a:xfrm>
-            <a:off x="150812" y="0"/>
-            <a:ext cx="2436813" cy="6858001"/>
-            <a:chOff x="1320800" y="0"/>
-            <a:chExt cx="2436813" cy="6858001"/>
+            <a:off x="0" y="-8467"/>
+            <a:ext cx="12192000" cy="6866467"/>
+            <a:chOff x="0" y="-8467"/>
+            <a:chExt cx="12192000" cy="6866467"/>
           </a:xfrm>
         </p:grpSpPr>
+        <p:cxnSp>
+          <p:nvCxnSpPr>
+            <p:cNvPr id="20" name="Straight Connector 19"/>
+            <p:cNvCxnSpPr/>
+            <p:nvPr/>
+          </p:nvCxnSpPr>
+          <p:spPr>
+            <a:xfrm>
+              <a:off x="9371012" y="0"/>
+              <a:ext cx="1219200" cy="6858000"/>
+            </a:xfrm>
+            <a:prstGeom prst="line">
+              <a:avLst/>
+            </a:prstGeom>
+            <a:ln w="9525">
+              <a:solidFill>
+                <a:schemeClr val="bg1">
+                  <a:lumMod val="75000"/>
+                </a:schemeClr>
+              </a:solidFill>
+            </a:ln>
+          </p:spPr>
+          <p:style>
+            <a:lnRef idx="2">
+              <a:schemeClr val="accent1"/>
+            </a:lnRef>
+            <a:fillRef idx="0">
+              <a:schemeClr val="accent1"/>
+            </a:fillRef>
+            <a:effectRef idx="1">
+              <a:schemeClr val="accent1"/>
+            </a:effectRef>
+            <a:fontRef idx="minor">
+              <a:schemeClr val="tx1"/>
+            </a:fontRef>
+          </p:style>
+        </p:cxnSp>
+        <p:cxnSp>
+          <p:nvCxnSpPr>
+            <p:cNvPr id="21" name="Straight Connector 20"/>
+            <p:cNvCxnSpPr/>
+            <p:nvPr/>
+          </p:nvCxnSpPr>
+          <p:spPr>
+            <a:xfrm flipH="1">
+              <a:off x="7425267" y="3681413"/>
+              <a:ext cx="4763558" cy="3176587"/>
+            </a:xfrm>
+            <a:prstGeom prst="line">
+              <a:avLst/>
+            </a:prstGeom>
+            <a:ln w="9525">
+              <a:solidFill>
+                <a:schemeClr val="bg1">
+                  <a:lumMod val="85000"/>
+                </a:schemeClr>
+              </a:solidFill>
+            </a:ln>
+          </p:spPr>
+          <p:style>
+            <a:lnRef idx="2">
+              <a:schemeClr val="accent1"/>
+            </a:lnRef>
+            <a:fillRef idx="0">
+              <a:schemeClr val="accent1"/>
+            </a:fillRef>
+            <a:effectRef idx="1">
+              <a:schemeClr val="accent1"/>
+            </a:effectRef>
+            <a:fontRef idx="minor">
+              <a:schemeClr val="tx1"/>
+            </a:fontRef>
+          </p:style>
+        </p:cxnSp>
         <p:sp>
           <p:nvSpPr>
-            <p:cNvPr id="8" name="Freeform 6"/>
+            <p:cNvPr id="22" name="Rectangle 23"/>
             <p:cNvSpPr/>
             <p:nvPr/>
           </p:nvSpPr>
-          <p:spPr bwMode="auto">
+          <p:spPr>
             <a:xfrm>
-              <a:off x="1627188" y="0"/>
-              <a:ext cx="1122363" cy="5329238"/>
+              <a:off x="9181476" y="-8467"/>
+              <a:ext cx="3007349" cy="6866467"/>
             </a:xfrm>
             <a:custGeom>
               <a:avLst/>
               <a:gdLst/>
               <a:ahLst/>
               <a:cxnLst/>
-              <a:rect l="0" t="0" r="r" b="b"/>
+              <a:rect l="l" t="t" r="r" b="b"/>
               <a:pathLst>
-                <a:path w="707" h="3357">
+                <a:path w="3007349" h="6866467">
                   <a:moveTo>
-                    <a:pt x="0" y="3330"/>
+                    <a:pt x="2045532" y="0"/>
                   </a:moveTo>
                   <a:lnTo>
-                    <a:pt x="156" y="3357"/>
+                    <a:pt x="3007349" y="0"/>
                   </a:lnTo>
                   <a:lnTo>
-                    <a:pt x="707" y="0"/>
+                    <a:pt x="3007349" y="6866467"/>
                   </a:lnTo>
                   <a:lnTo>
-                    <a:pt x="547" y="0"/>
+                    <a:pt x="0" y="6866467"/>
                   </a:lnTo>
                   <a:lnTo>
-                    <a:pt x="0" y="3330"/>
+                    <a:pt x="2045532" y="0"/>
                   </a:lnTo>
                   <a:close/>
                 </a:path>
               </a:pathLst>
             </a:custGeom>
             <a:solidFill>
-              <a:schemeClr val="accent1"/>
+              <a:schemeClr val="accent1">
+                <a:alpha val="30000"/>
+              </a:schemeClr>
             </a:solidFill>
             <a:ln>
               <a:noFill/>
             </a:ln>
+            <a:effectLst/>
           </p:spPr>
+          <p:style>
+            <a:lnRef idx="1">
+              <a:schemeClr val="accent1"/>
+            </a:lnRef>
+            <a:fillRef idx="3">
+              <a:schemeClr val="accent1"/>
+            </a:fillRef>
+            <a:effectRef idx="2">
+              <a:schemeClr val="accent1"/>
+            </a:effectRef>
+            <a:fontRef idx="minor">
+              <a:schemeClr val="lt1"/>
+            </a:fontRef>
+          </p:style>
         </p:sp>
         <p:sp>
           <p:nvSpPr>
-            <p:cNvPr id="9" name="Freeform 7"/>
+            <p:cNvPr id="23" name="Rectangle 25"/>
             <p:cNvSpPr/>
             <p:nvPr/>
           </p:nvSpPr>
-          <p:spPr bwMode="auto">
+          <p:spPr>
             <a:xfrm>
-              <a:off x="1320800" y="0"/>
-              <a:ext cx="1117600" cy="5276850"/>
+              <a:off x="9603442" y="-8467"/>
+              <a:ext cx="2588558" cy="6866467"/>
             </a:xfrm>
             <a:custGeom>
               <a:avLst/>
               <a:gdLst/>
               <a:ahLst/>
               <a:cxnLst/>
-              <a:rect l="0" t="0" r="r" b="b"/>
+              <a:rect l="l" t="t" r="r" b="b"/>
               <a:pathLst>
-                <a:path w="704" h="3324">
-                  <a:moveTo>
-                    <a:pt x="704" y="0"/>
-                  </a:moveTo>
-                  <a:lnTo>
-                    <a:pt x="545" y="0"/>
-                  </a:lnTo>
-                  <a:lnTo>
-                    <a:pt x="0" y="3300"/>
-                  </a:lnTo>
-                  <a:lnTo>
-                    <a:pt x="157" y="3324"/>
-                  </a:lnTo>
-                  <a:lnTo>
-                    <a:pt x="704" y="0"/>
-                  </a:lnTo>
-                  <a:close/>
-                </a:path>
-              </a:pathLst>
-            </a:custGeom>
-            <a:solidFill>
-              <a:schemeClr val="tx1">
-                <a:lumMod val="65000"/>
-                <a:lumOff val="35000"/>
-              </a:schemeClr>
-            </a:solidFill>
-            <a:ln>
-              <a:noFill/>
-            </a:ln>
-          </p:spPr>
-        </p:sp>
-        <p:sp>
-          <p:nvSpPr>
-            <p:cNvPr id="10" name="Freeform 8"/>
-            <p:cNvSpPr/>
-            <p:nvPr/>
-          </p:nvSpPr>
-          <p:spPr bwMode="auto">
-            <a:xfrm>
-              <a:off x="1320800" y="5238750"/>
-              <a:ext cx="1228725" cy="1619250"/>
-            </a:xfrm>
-            <a:custGeom>
-              <a:avLst/>
-              <a:gdLst/>
-              <a:ahLst/>
-              <a:cxnLst/>
-              <a:rect l="0" t="0" r="r" b="b"/>
-              <a:pathLst>
-                <a:path w="774" h="1020">
+                <a:path w="2573311" h="6866467">
                   <a:moveTo>
                     <a:pt x="0" y="0"/>
                   </a:moveTo>
                   <a:lnTo>
-                    <a:pt x="740" y="1020"/>
+                    <a:pt x="2573311" y="0"/>
                   </a:lnTo>
                   <a:lnTo>
-                    <a:pt x="774" y="1020"/>
+                    <a:pt x="2573311" y="6866467"/>
                   </a:lnTo>
                   <a:lnTo>
-                    <a:pt x="0" y="0"/>
-                  </a:lnTo>
-                  <a:close/>
-                </a:path>
-              </a:pathLst>
-            </a:custGeom>
-            <a:solidFill>
-              <a:schemeClr val="tx1">
-                <a:lumMod val="85000"/>
-                <a:lumOff val="15000"/>
-              </a:schemeClr>
-            </a:solidFill>
-            <a:ln>
-              <a:noFill/>
-            </a:ln>
-          </p:spPr>
-        </p:sp>
-        <p:sp>
-          <p:nvSpPr>
-            <p:cNvPr id="11" name="Freeform 9"/>
-            <p:cNvSpPr/>
-            <p:nvPr/>
-          </p:nvSpPr>
-          <p:spPr bwMode="auto">
-            <a:xfrm>
-              <a:off x="1627188" y="5291138"/>
-              <a:ext cx="1495425" cy="1566863"/>
-            </a:xfrm>
-            <a:custGeom>
-              <a:avLst/>
-              <a:gdLst/>
-              <a:ahLst/>
-              <a:cxnLst/>
-              <a:rect l="0" t="0" r="r" b="b"/>
-              <a:pathLst>
-                <a:path w="942" h="987">
-                  <a:moveTo>
-                    <a:pt x="0" y="0"/>
-                  </a:moveTo>
-                  <a:lnTo>
-                    <a:pt x="909" y="987"/>
-                  </a:lnTo>
-                  <a:lnTo>
-                    <a:pt x="942" y="987"/>
+                    <a:pt x="1202336" y="6866467"/>
                   </a:lnTo>
                   <a:lnTo>
                     <a:pt x="0" y="0"/>
@@ -5302,50 +4875,167 @@
             </a:custGeom>
             <a:solidFill>
               <a:schemeClr val="accent1">
-                <a:lumMod val="50000"/>
+                <a:alpha val="20000"/>
               </a:schemeClr>
             </a:solidFill>
             <a:ln>
               <a:noFill/>
             </a:ln>
+            <a:effectLst/>
           </p:spPr>
+          <p:style>
+            <a:lnRef idx="1">
+              <a:schemeClr val="accent1"/>
+            </a:lnRef>
+            <a:fillRef idx="3">
+              <a:schemeClr val="accent1"/>
+            </a:fillRef>
+            <a:effectRef idx="2">
+              <a:schemeClr val="accent1"/>
+            </a:effectRef>
+            <a:fontRef idx="minor">
+              <a:schemeClr val="lt1"/>
+            </a:fontRef>
+          </p:style>
         </p:sp>
         <p:sp>
           <p:nvSpPr>
-            <p:cNvPr id="12" name="Freeform 10"/>
+            <p:cNvPr id="24" name="Isosceles Triangle 23"/>
             <p:cNvSpPr/>
             <p:nvPr/>
           </p:nvSpPr>
-          <p:spPr bwMode="auto">
+          <p:spPr>
             <a:xfrm>
-              <a:off x="1627188" y="5286375"/>
-              <a:ext cx="2130425" cy="1571625"/>
+              <a:off x="8932333" y="3048000"/>
+              <a:ext cx="3259667" cy="3810000"/>
+            </a:xfrm>
+            <a:prstGeom prst="triangle">
+              <a:avLst>
+                <a:gd name="adj" fmla="val 100000"/>
+              </a:avLst>
+            </a:prstGeom>
+            <a:solidFill>
+              <a:schemeClr val="accent2">
+                <a:alpha val="72000"/>
+              </a:schemeClr>
+            </a:solidFill>
+            <a:ln>
+              <a:noFill/>
+            </a:ln>
+            <a:effectLst/>
+          </p:spPr>
+          <p:style>
+            <a:lnRef idx="1">
+              <a:schemeClr val="accent1"/>
+            </a:lnRef>
+            <a:fillRef idx="3">
+              <a:schemeClr val="accent1"/>
+            </a:fillRef>
+            <a:effectRef idx="2">
+              <a:schemeClr val="accent1"/>
+            </a:effectRef>
+            <a:fontRef idx="minor">
+              <a:schemeClr val="lt1"/>
+            </a:fontRef>
+          </p:style>
+        </p:sp>
+        <p:sp>
+          <p:nvSpPr>
+            <p:cNvPr id="25" name="Rectangle 27"/>
+            <p:cNvSpPr/>
+            <p:nvPr/>
+          </p:nvSpPr>
+          <p:spPr>
+            <a:xfrm>
+              <a:off x="9334500" y="-8467"/>
+              <a:ext cx="2854326" cy="6866467"/>
             </a:xfrm>
             <a:custGeom>
               <a:avLst/>
               <a:gdLst/>
               <a:ahLst/>
               <a:cxnLst/>
-              <a:rect l="0" t="0" r="r" b="b"/>
+              <a:rect l="l" t="t" r="r" b="b"/>
               <a:pathLst>
-                <a:path w="1342" h="990">
+                <a:path w="2858013" h="6866467">
                   <a:moveTo>
-                    <a:pt x="0" y="3"/>
+                    <a:pt x="0" y="0"/>
                   </a:moveTo>
                   <a:lnTo>
-                    <a:pt x="942" y="990"/>
+                    <a:pt x="2858013" y="0"/>
                   </a:lnTo>
                   <a:lnTo>
-                    <a:pt x="1342" y="990"/>
+                    <a:pt x="2858013" y="6866467"/>
                   </a:lnTo>
                   <a:lnTo>
-                    <a:pt x="156" y="27"/>
+                    <a:pt x="2473942" y="6866467"/>
                   </a:lnTo>
                   <a:lnTo>
                     <a:pt x="0" y="0"/>
                   </a:lnTo>
+                  <a:close/>
+                </a:path>
+              </a:pathLst>
+            </a:custGeom>
+            <a:solidFill>
+              <a:schemeClr val="accent2">
+                <a:lumMod val="75000"/>
+                <a:alpha val="70000"/>
+              </a:schemeClr>
+            </a:solidFill>
+            <a:ln>
+              <a:noFill/>
+            </a:ln>
+            <a:effectLst/>
+          </p:spPr>
+          <p:style>
+            <a:lnRef idx="1">
+              <a:schemeClr val="accent1"/>
+            </a:lnRef>
+            <a:fillRef idx="3">
+              <a:schemeClr val="accent1"/>
+            </a:fillRef>
+            <a:effectRef idx="2">
+              <a:schemeClr val="accent1"/>
+            </a:effectRef>
+            <a:fontRef idx="minor">
+              <a:schemeClr val="lt1"/>
+            </a:fontRef>
+          </p:style>
+        </p:sp>
+        <p:sp>
+          <p:nvSpPr>
+            <p:cNvPr id="26" name="Rectangle 28"/>
+            <p:cNvSpPr/>
+            <p:nvPr/>
+          </p:nvSpPr>
+          <p:spPr>
+            <a:xfrm>
+              <a:off x="10898730" y="-8467"/>
+              <a:ext cx="1290094" cy="6866467"/>
+            </a:xfrm>
+            <a:custGeom>
+              <a:avLst/>
+              <a:gdLst/>
+              <a:ahLst/>
+              <a:cxnLst/>
+              <a:rect l="l" t="t" r="r" b="b"/>
+              <a:pathLst>
+                <a:path w="1290094" h="6858000">
+                  <a:moveTo>
+                    <a:pt x="1019735" y="0"/>
+                  </a:moveTo>
                   <a:lnTo>
-                    <a:pt x="0" y="3"/>
+                    <a:pt x="1290094" y="0"/>
+                  </a:lnTo>
+                  <a:lnTo>
+                    <a:pt x="1290094" y="6858000"/>
+                  </a:lnTo>
+                  <a:lnTo>
+                    <a:pt x="0" y="6858000"/>
+                  </a:lnTo>
+                  <a:lnTo>
+                    <a:pt x="1019735" y="0"/>
                   </a:lnTo>
                   <a:close/>
                 </a:path>
@@ -5353,77 +5043,175 @@
             </a:custGeom>
             <a:solidFill>
               <a:schemeClr val="accent1">
-                <a:lumMod val="75000"/>
+                <a:lumMod val="60000"/>
+                <a:lumOff val="40000"/>
+                <a:alpha val="70000"/>
               </a:schemeClr>
             </a:solidFill>
             <a:ln>
               <a:noFill/>
             </a:ln>
+            <a:effectLst/>
           </p:spPr>
+          <p:style>
+            <a:lnRef idx="1">
+              <a:schemeClr val="accent1"/>
+            </a:lnRef>
+            <a:fillRef idx="3">
+              <a:schemeClr val="accent1"/>
+            </a:fillRef>
+            <a:effectRef idx="2">
+              <a:schemeClr val="accent1"/>
+            </a:effectRef>
+            <a:fontRef idx="minor">
+              <a:schemeClr val="lt1"/>
+            </a:fontRef>
+          </p:style>
         </p:sp>
         <p:sp>
           <p:nvSpPr>
-            <p:cNvPr id="13" name="Freeform 11"/>
+            <p:cNvPr id="27" name="Rectangle 29"/>
             <p:cNvSpPr/>
             <p:nvPr/>
           </p:nvSpPr>
-          <p:spPr bwMode="auto">
+          <p:spPr>
             <a:xfrm>
-              <a:off x="1320800" y="5238750"/>
-              <a:ext cx="1695450" cy="1619250"/>
+              <a:off x="10938999" y="-8467"/>
+              <a:ext cx="1249825" cy="6866467"/>
             </a:xfrm>
             <a:custGeom>
               <a:avLst/>
               <a:gdLst/>
               <a:ahLst/>
               <a:cxnLst/>
-              <a:rect l="0" t="0" r="r" b="b"/>
+              <a:rect l="l" t="t" r="r" b="b"/>
               <a:pathLst>
-                <a:path w="1068" h="1020">
+                <a:path w="1249825" h="6858000">
                   <a:moveTo>
-                    <a:pt x="1068" y="1020"/>
+                    <a:pt x="0" y="0"/>
                   </a:moveTo>
                   <a:lnTo>
-                    <a:pt x="184" y="60"/>
+                    <a:pt x="1249825" y="0"/>
                   </a:lnTo>
                   <a:lnTo>
-                    <a:pt x="154" y="27"/>
+                    <a:pt x="1249825" y="6858000"/>
                   </a:lnTo>
                   <a:lnTo>
-                    <a:pt x="157" y="27"/>
-                  </a:lnTo>
-                  <a:lnTo>
-                    <a:pt x="157" y="24"/>
-                  </a:lnTo>
-                  <a:lnTo>
-                    <a:pt x="154" y="24"/>
+                    <a:pt x="1109382" y="6858000"/>
                   </a:lnTo>
                   <a:lnTo>
                     <a:pt x="0" y="0"/>
-                  </a:lnTo>
-                  <a:lnTo>
-                    <a:pt x="0" y="0"/>
-                  </a:lnTo>
-                  <a:lnTo>
-                    <a:pt x="774" y="1020"/>
-                  </a:lnTo>
-                  <a:lnTo>
-                    <a:pt x="1068" y="1020"/>
                   </a:lnTo>
                   <a:close/>
                 </a:path>
               </a:pathLst>
             </a:custGeom>
             <a:solidFill>
-              <a:schemeClr val="tx1">
-                <a:lumMod val="75000"/>
-                <a:lumOff val="25000"/>
+              <a:schemeClr val="accent1">
+                <a:alpha val="65000"/>
               </a:schemeClr>
             </a:solidFill>
             <a:ln>
               <a:noFill/>
             </a:ln>
+            <a:effectLst/>
           </p:spPr>
+          <p:style>
+            <a:lnRef idx="1">
+              <a:schemeClr val="accent1"/>
+            </a:lnRef>
+            <a:fillRef idx="3">
+              <a:schemeClr val="accent1"/>
+            </a:fillRef>
+            <a:effectRef idx="2">
+              <a:schemeClr val="accent1"/>
+            </a:effectRef>
+            <a:fontRef idx="minor">
+              <a:schemeClr val="lt1"/>
+            </a:fontRef>
+          </p:style>
+        </p:sp>
+        <p:sp>
+          <p:nvSpPr>
+            <p:cNvPr id="28" name="Isosceles Triangle 27"/>
+            <p:cNvSpPr/>
+            <p:nvPr/>
+          </p:nvSpPr>
+          <p:spPr>
+            <a:xfrm>
+              <a:off x="10371666" y="3589867"/>
+              <a:ext cx="1817159" cy="3268133"/>
+            </a:xfrm>
+            <a:prstGeom prst="triangle">
+              <a:avLst>
+                <a:gd name="adj" fmla="val 100000"/>
+              </a:avLst>
+            </a:prstGeom>
+            <a:solidFill>
+              <a:schemeClr val="accent1">
+                <a:alpha val="80000"/>
+              </a:schemeClr>
+            </a:solidFill>
+            <a:ln>
+              <a:noFill/>
+            </a:ln>
+            <a:effectLst/>
+          </p:spPr>
+          <p:style>
+            <a:lnRef idx="1">
+              <a:schemeClr val="accent1"/>
+            </a:lnRef>
+            <a:fillRef idx="3">
+              <a:schemeClr val="accent1"/>
+            </a:fillRef>
+            <a:effectRef idx="2">
+              <a:schemeClr val="accent1"/>
+            </a:effectRef>
+            <a:fontRef idx="minor">
+              <a:schemeClr val="lt1"/>
+            </a:fontRef>
+          </p:style>
+        </p:sp>
+        <p:sp>
+          <p:nvSpPr>
+            <p:cNvPr id="29" name="Isosceles Triangle 28"/>
+            <p:cNvSpPr/>
+            <p:nvPr/>
+          </p:nvSpPr>
+          <p:spPr>
+            <a:xfrm>
+              <a:off x="0" y="4013200"/>
+              <a:ext cx="448733" cy="2844800"/>
+            </a:xfrm>
+            <a:prstGeom prst="triangle">
+              <a:avLst>
+                <a:gd name="adj" fmla="val 0"/>
+              </a:avLst>
+            </a:prstGeom>
+            <a:solidFill>
+              <a:schemeClr val="accent1">
+                <a:alpha val="85000"/>
+              </a:schemeClr>
+            </a:solidFill>
+            <a:ln>
+              <a:noFill/>
+            </a:ln>
+            <a:effectLst/>
+          </p:spPr>
+          <p:style>
+            <a:lnRef idx="1">
+              <a:schemeClr val="accent1"/>
+            </a:lnRef>
+            <a:fillRef idx="3">
+              <a:schemeClr val="accent1"/>
+            </a:fillRef>
+            <a:effectRef idx="2">
+              <a:schemeClr val="accent1"/>
+            </a:effectRef>
+            <a:fontRef idx="minor">
+              <a:schemeClr val="lt1"/>
+            </a:fontRef>
+          </p:style>
         </p:sp>
       </p:grpSp>
       <p:sp>
@@ -5438,85 +5226,22 @@
         </p:nvSpPr>
         <p:spPr>
           <a:xfrm>
-            <a:off x="1484311" y="685800"/>
-            <a:ext cx="10018713" cy="1752599"/>
-          </a:xfrm>
-          <a:prstGeom prst="rect">
-            <a:avLst/>
-          </a:prstGeom>
-          <a:effectLst/>
-        </p:spPr>
-        <p:txBody>
-          <a:bodyPr vert="horz" lIns="91440" tIns="45720" rIns="91440" bIns="45720" rtlCol="0" anchor="ctr">
-            <a:normAutofit/>
-          </a:bodyPr>
-          <a:lstStyle/>
-          <a:p>
-            <a:r>
-              <a:rPr lang="pt-BR" smtClean="0"/>
-              <a:t>Clique para editar o título mestre</a:t>
-            </a:r>
-            <a:endParaRPr lang="en-US" dirty="0"/>
-          </a:p>
-        </p:txBody>
-      </p:sp>
-      <p:sp>
-        <p:nvSpPr>
-          <p:cNvPr id="3" name="Text Placeholder 2"/>
-          <p:cNvSpPr>
-            <a:spLocks noGrp="1"/>
-          </p:cNvSpPr>
-          <p:nvPr>
-            <p:ph type="body" idx="1"/>
-          </p:nvPr>
-        </p:nvSpPr>
-        <p:spPr>
-          <a:xfrm>
-            <a:off x="1484310" y="2666999"/>
-            <a:ext cx="10018713" cy="3124201"/>
+            <a:off x="677334" y="609600"/>
+            <a:ext cx="8596668" cy="1320800"/>
           </a:xfrm>
           <a:prstGeom prst="rect">
             <a:avLst/>
           </a:prstGeom>
         </p:spPr>
         <p:txBody>
-          <a:bodyPr vert="horz" lIns="91440" tIns="45720" rIns="91440" bIns="45720" rtlCol="0" anchor="ctr">
+          <a:bodyPr vert="horz" lIns="91440" tIns="45720" rIns="91440" bIns="45720" rtlCol="0" anchor="t">
             <a:normAutofit/>
           </a:bodyPr>
           <a:lstStyle/>
           <a:p>
-            <a:pPr lvl="0"/>
             <a:r>
               <a:rPr lang="pt-BR" smtClean="0"/>
-              <a:t>Clique para editar o texto mestre</a:t>
-            </a:r>
-          </a:p>
-          <a:p>
-            <a:pPr lvl="1"/>
-            <a:r>
-              <a:rPr lang="pt-BR" smtClean="0"/>
-              <a:t>Segundo nível</a:t>
-            </a:r>
-          </a:p>
-          <a:p>
-            <a:pPr lvl="2"/>
-            <a:r>
-              <a:rPr lang="pt-BR" smtClean="0"/>
-              <a:t>Terceiro nível</a:t>
-            </a:r>
-          </a:p>
-          <a:p>
-            <a:pPr lvl="3"/>
-            <a:r>
-              <a:rPr lang="pt-BR" smtClean="0"/>
-              <a:t>Quarto nível</a:t>
-            </a:r>
-          </a:p>
-          <a:p>
-            <a:pPr lvl="4"/>
-            <a:r>
-              <a:rPr lang="pt-BR" smtClean="0"/>
-              <a:t>Quinto nível</a:t>
+              <a:t>Clique para editar o título mestre</a:t>
             </a:r>
             <a:endParaRPr lang="en-US" dirty="0"/>
           </a:p>
@@ -5524,60 +5249,80 @@
       </p:sp>
       <p:sp>
         <p:nvSpPr>
-          <p:cNvPr id="4" name="Date Placeholder 3"/>
-          <p:cNvSpPr>
-            <a:spLocks noGrp="1"/>
-          </p:cNvSpPr>
-          <p:nvPr>
-            <p:ph type="dt" sz="half" idx="2"/>
+          <p:cNvPr id="3" name="Text Placeholder 2"/>
+          <p:cNvSpPr>
+            <a:spLocks noGrp="1"/>
+          </p:cNvSpPr>
+          <p:nvPr>
+            <p:ph type="body" idx="1"/>
           </p:nvPr>
         </p:nvSpPr>
         <p:spPr>
           <a:xfrm>
-            <a:off x="9732656" y="5883275"/>
-            <a:ext cx="1143000" cy="365125"/>
+            <a:off x="677334" y="2160589"/>
+            <a:ext cx="8596668" cy="3880773"/>
           </a:xfrm>
           <a:prstGeom prst="rect">
             <a:avLst/>
           </a:prstGeom>
         </p:spPr>
         <p:txBody>
-          <a:bodyPr vert="horz" lIns="91440" tIns="45720" rIns="91440" bIns="45720" rtlCol="0" anchor="ctr"/>
-          <a:lstStyle>
-            <a:lvl1pPr algn="r">
-              <a:defRPr sz="1000" b="0" i="0">
-                <a:solidFill>
-                  <a:schemeClr val="tx1"/>
-                </a:solidFill>
-                <a:effectLst/>
-                <a:latin typeface="+mn-lt"/>
-              </a:defRPr>
-            </a:lvl1pPr>
-          </a:lstStyle>
-          <a:p>
-            <a:fld id="{B61BEF0D-F0BB-DE4B-95CE-6DB70DBA9567}" type="datetimeFigureOut">
-              <a:rPr lang="en-US" dirty="0"/>
-              <a:pPr/>
-              <a:t>3/18/2015</a:t>
-            </a:fld>
+          <a:bodyPr vert="horz" lIns="91440" tIns="45720" rIns="91440" bIns="45720" rtlCol="0">
+            <a:normAutofit/>
+          </a:bodyPr>
+          <a:lstStyle/>
+          <a:p>
+            <a:pPr lvl="0"/>
+            <a:r>
+              <a:rPr lang="pt-BR" smtClean="0"/>
+              <a:t>Clique para editar o texto mestre</a:t>
+            </a:r>
+          </a:p>
+          <a:p>
+            <a:pPr lvl="1"/>
+            <a:r>
+              <a:rPr lang="pt-BR" smtClean="0"/>
+              <a:t>Segundo nível</a:t>
+            </a:r>
+          </a:p>
+          <a:p>
+            <a:pPr lvl="2"/>
+            <a:r>
+              <a:rPr lang="pt-BR" smtClean="0"/>
+              <a:t>Terceiro nível</a:t>
+            </a:r>
+          </a:p>
+          <a:p>
+            <a:pPr lvl="3"/>
+            <a:r>
+              <a:rPr lang="pt-BR" smtClean="0"/>
+              <a:t>Quarto nível</a:t>
+            </a:r>
+          </a:p>
+          <a:p>
+            <a:pPr lvl="4"/>
+            <a:r>
+              <a:rPr lang="pt-BR" smtClean="0"/>
+              <a:t>Quinto nível</a:t>
+            </a:r>
             <a:endParaRPr lang="en-US" dirty="0"/>
           </a:p>
         </p:txBody>
       </p:sp>
       <p:sp>
         <p:nvSpPr>
-          <p:cNvPr id="5" name="Footer Placeholder 4"/>
-          <p:cNvSpPr>
-            <a:spLocks noGrp="1"/>
-          </p:cNvSpPr>
-          <p:nvPr>
-            <p:ph type="ftr" sz="quarter" idx="3"/>
+          <p:cNvPr id="4" name="Date Placeholder 3"/>
+          <p:cNvSpPr>
+            <a:spLocks noGrp="1"/>
+          </p:cNvSpPr>
+          <p:nvPr>
+            <p:ph type="dt" sz="half" idx="2"/>
           </p:nvPr>
         </p:nvSpPr>
         <p:spPr>
           <a:xfrm>
-            <a:off x="2572279" y="5883275"/>
-            <a:ext cx="7084177" cy="365125"/>
+            <a:off x="7205133" y="6041362"/>
+            <a:ext cx="911939" cy="365125"/>
           </a:xfrm>
           <a:prstGeom prst="rect">
             <a:avLst/>
@@ -5586,35 +5331,40 @@
         <p:txBody>
           <a:bodyPr vert="horz" lIns="91440" tIns="45720" rIns="91440" bIns="45720" rtlCol="0" anchor="ctr"/>
           <a:lstStyle>
-            <a:lvl1pPr algn="l">
-              <a:defRPr sz="1000" b="0" i="0">
+            <a:lvl1pPr algn="r">
+              <a:defRPr sz="900">
                 <a:solidFill>
-                  <a:schemeClr val="tx1"/>
+                  <a:schemeClr val="tx1">
+                    <a:tint val="75000"/>
+                  </a:schemeClr>
                 </a:solidFill>
-                <a:effectLst/>
-                <a:latin typeface="+mn-lt"/>
               </a:defRPr>
             </a:lvl1pPr>
           </a:lstStyle>
           <a:p>
+            <a:fld id="{B61BEF0D-F0BB-DE4B-95CE-6DB70DBA9567}" type="datetimeFigureOut">
+              <a:rPr lang="en-US" smtClean="0"/>
+              <a:pPr/>
+              <a:t>3/21/2015</a:t>
+            </a:fld>
             <a:endParaRPr lang="en-US" dirty="0"/>
           </a:p>
         </p:txBody>
       </p:sp>
       <p:sp>
         <p:nvSpPr>
-          <p:cNvPr id="6" name="Slide Number Placeholder 5"/>
-          <p:cNvSpPr>
-            <a:spLocks noGrp="1"/>
-          </p:cNvSpPr>
-          <p:nvPr>
-            <p:ph type="sldNum" sz="quarter" idx="4"/>
+          <p:cNvPr id="5" name="Footer Placeholder 4"/>
+          <p:cNvSpPr>
+            <a:spLocks noGrp="1"/>
+          </p:cNvSpPr>
+          <p:nvPr>
+            <p:ph type="ftr" sz="quarter" idx="3"/>
           </p:nvPr>
         </p:nvSpPr>
         <p:spPr>
           <a:xfrm>
-            <a:off x="10951856" y="5883275"/>
-            <a:ext cx="551167" cy="365125"/>
+            <a:off x="677334" y="6041362"/>
+            <a:ext cx="6297612" cy="365125"/>
           </a:xfrm>
           <a:prstGeom prst="rect">
             <a:avLst/>
@@ -5623,19 +5373,54 @@
         <p:txBody>
           <a:bodyPr vert="horz" lIns="91440" tIns="45720" rIns="91440" bIns="45720" rtlCol="0" anchor="ctr"/>
           <a:lstStyle>
-            <a:lvl1pPr algn="r">
-              <a:defRPr sz="1000" b="0" i="0">
+            <a:lvl1pPr algn="l">
+              <a:defRPr sz="900">
                 <a:solidFill>
-                  <a:schemeClr val="tx1"/>
+                  <a:schemeClr val="tx1">
+                    <a:tint val="75000"/>
+                  </a:schemeClr>
                 </a:solidFill>
-                <a:effectLst/>
-                <a:latin typeface="+mn-lt"/>
               </a:defRPr>
             </a:lvl1pPr>
           </a:lstStyle>
           <a:p>
+            <a:endParaRPr lang="en-US" dirty="0"/>
+          </a:p>
+        </p:txBody>
+      </p:sp>
+      <p:sp>
+        <p:nvSpPr>
+          <p:cNvPr id="6" name="Slide Number Placeholder 5"/>
+          <p:cNvSpPr>
+            <a:spLocks noGrp="1"/>
+          </p:cNvSpPr>
+          <p:nvPr>
+            <p:ph type="sldNum" sz="quarter" idx="4"/>
+          </p:nvPr>
+        </p:nvSpPr>
+        <p:spPr>
+          <a:xfrm>
+            <a:off x="8590663" y="6041362"/>
+            <a:ext cx="683339" cy="365125"/>
+          </a:xfrm>
+          <a:prstGeom prst="rect">
+            <a:avLst/>
+          </a:prstGeom>
+        </p:spPr>
+        <p:txBody>
+          <a:bodyPr vert="horz" lIns="91440" tIns="45720" rIns="91440" bIns="45720" rtlCol="0" anchor="ctr"/>
+          <a:lstStyle>
+            <a:lvl1pPr algn="r">
+              <a:defRPr sz="900">
+                <a:solidFill>
+                  <a:schemeClr val="accent1"/>
+                </a:solidFill>
+              </a:defRPr>
+            </a:lvl1pPr>
+          </a:lstStyle>
+          <a:p>
             <a:fld id="{D57F1E4F-1CFF-5643-939E-217C01CDF565}" type="slidenum">
-              <a:rPr lang="en-US" dirty="0"/>
+              <a:rPr lang="en-US" smtClean="0"/>
               <a:pPr/>
               <a:t>‹nº›</a:t>
             </a:fld>
@@ -5644,42 +5429,42 @@
         </p:txBody>
       </p:sp>
     </p:spTree>
+    <p:extLst>
+      <p:ext uri="{BB962C8B-B14F-4D97-AF65-F5344CB8AC3E}">
+        <p14:creationId xmlns:p14="http://schemas.microsoft.com/office/powerpoint/2010/main" val="742377379"/>
+      </p:ext>
+    </p:extLst>
   </p:cSld>
   <p:clrMap bg1="lt1" tx1="dk1" bg2="lt2" tx2="dk2" accent1="accent1" accent2="accent2" accent3="accent3" accent4="accent4" accent5="accent5" accent6="accent6" hlink="hlink" folHlink="folHlink"/>
   <p:sldLayoutIdLst>
-    <p:sldLayoutId id="2147483649" r:id="rId1"/>
-    <p:sldLayoutId id="2147483650" r:id="rId2"/>
-    <p:sldLayoutId id="2147483651" r:id="rId3"/>
-    <p:sldLayoutId id="2147483652" r:id="rId4"/>
-    <p:sldLayoutId id="2147483653" r:id="rId5"/>
-    <p:sldLayoutId id="2147483654" r:id="rId6"/>
-    <p:sldLayoutId id="2147483655" r:id="rId7"/>
-    <p:sldLayoutId id="2147483656" r:id="rId8"/>
-    <p:sldLayoutId id="2147483660" r:id="rId9"/>
-    <p:sldLayoutId id="2147483657" r:id="rId10"/>
-    <p:sldLayoutId id="2147483663" r:id="rId11"/>
-    <p:sldLayoutId id="2147483664" r:id="rId12"/>
-    <p:sldLayoutId id="2147483665" r:id="rId13"/>
-    <p:sldLayoutId id="2147483666" r:id="rId14"/>
-    <p:sldLayoutId id="2147483667" r:id="rId15"/>
-    <p:sldLayoutId id="2147483658" r:id="rId16"/>
-    <p:sldLayoutId id="2147483659" r:id="rId17"/>
+    <p:sldLayoutId id="2147483681" r:id="rId1"/>
+    <p:sldLayoutId id="2147483682" r:id="rId2"/>
+    <p:sldLayoutId id="2147483683" r:id="rId3"/>
+    <p:sldLayoutId id="2147483684" r:id="rId4"/>
+    <p:sldLayoutId id="2147483685" r:id="rId5"/>
+    <p:sldLayoutId id="2147483686" r:id="rId6"/>
+    <p:sldLayoutId id="2147483687" r:id="rId7"/>
+    <p:sldLayoutId id="2147483688" r:id="rId8"/>
+    <p:sldLayoutId id="2147483689" r:id="rId9"/>
+    <p:sldLayoutId id="2147483690" r:id="rId10"/>
+    <p:sldLayoutId id="2147483691" r:id="rId11"/>
+    <p:sldLayoutId id="2147483692" r:id="rId12"/>
+    <p:sldLayoutId id="2147483693" r:id="rId13"/>
+    <p:sldLayoutId id="2147483694" r:id="rId14"/>
+    <p:sldLayoutId id="2147483695" r:id="rId15"/>
+    <p:sldLayoutId id="2147483696" r:id="rId16"/>
   </p:sldLayoutIdLst>
   <p:txStyles>
     <p:titleStyle>
-      <a:lvl1pPr algn="ctr" defTabSz="457200" rtl="0" eaLnBrk="1" latinLnBrk="0" hangingPunct="1">
+      <a:lvl1pPr algn="l" defTabSz="457200" rtl="0" eaLnBrk="1" latinLnBrk="0" hangingPunct="1">
         <a:spcBef>
           <a:spcPct val="0"/>
         </a:spcBef>
         <a:buNone/>
-        <a:defRPr sz="4000" kern="1200" cap="none">
-          <a:ln w="3175" cmpd="sng">
-            <a:noFill/>
-          </a:ln>
+        <a:defRPr sz="3600" kern="1200">
           <a:solidFill>
-            <a:schemeClr val="tx1"/>
+            <a:schemeClr val="accent1"/>
           </a:solidFill>
-          <a:effectLst/>
           <a:latin typeface="+mj-lt"/>
           <a:ea typeface="+mj-ea"/>
           <a:cs typeface="+mj-cs"/>
@@ -5743,26 +5528,26 @@
       </a:lvl9pPr>
     </p:titleStyle>
     <p:bodyStyle>
-      <a:lvl1pPr marL="285750" indent="-285750" algn="l" defTabSz="457200" rtl="0" eaLnBrk="1" latinLnBrk="0" hangingPunct="1">
+      <a:lvl1pPr marL="342900" indent="-342900" algn="l" defTabSz="457200" rtl="0" eaLnBrk="1" latinLnBrk="0" hangingPunct="1">
         <a:spcBef>
-          <a:spcPct val="20000"/>
+          <a:spcPts val="1000"/>
         </a:spcBef>
         <a:spcAft>
-          <a:spcPts val="600"/>
+          <a:spcPts val="0"/>
         </a:spcAft>
         <a:buClr>
-          <a:schemeClr val="accent1">
-            <a:lumMod val="75000"/>
-          </a:schemeClr>
+          <a:schemeClr val="accent1"/>
         </a:buClr>
-        <a:buSzPct val="145000"/>
-        <a:buFont typeface="Arial"/>
-        <a:buChar char="•"/>
-        <a:defRPr sz="2400" kern="1200" cap="none">
+        <a:buSzPct val="80000"/>
+        <a:buFont typeface="Wingdings 3" charset="2"/>
+        <a:buChar char=""/>
+        <a:defRPr sz="1800" kern="1200">
           <a:solidFill>
-            <a:schemeClr val="tx1"/>
+            <a:schemeClr val="tx1">
+              <a:lumMod val="75000"/>
+              <a:lumOff val="25000"/>
+            </a:schemeClr>
           </a:solidFill>
-          <a:effectLst/>
           <a:latin typeface="+mn-lt"/>
           <a:ea typeface="+mn-ea"/>
           <a:cs typeface="+mn-cs"/>
@@ -5770,99 +5555,99 @@
       </a:lvl1pPr>
       <a:lvl2pPr marL="742950" indent="-285750" algn="l" defTabSz="457200" rtl="0" eaLnBrk="1" latinLnBrk="0" hangingPunct="1">
         <a:spcBef>
-          <a:spcPct val="20000"/>
+          <a:spcPts val="1000"/>
         </a:spcBef>
         <a:spcAft>
-          <a:spcPts val="600"/>
+          <a:spcPts val="0"/>
         </a:spcAft>
         <a:buClr>
-          <a:schemeClr val="accent1">
-            <a:lumMod val="75000"/>
-          </a:schemeClr>
+          <a:schemeClr val="accent1"/>
         </a:buClr>
-        <a:buSzPct val="145000"/>
-        <a:buFont typeface="Arial"/>
-        <a:buChar char="•"/>
-        <a:defRPr sz="2000" kern="1200" cap="none">
+        <a:buSzPct val="80000"/>
+        <a:buFont typeface="Wingdings 3" charset="2"/>
+        <a:buChar char=""/>
+        <a:defRPr sz="1600" kern="1200">
           <a:solidFill>
-            <a:schemeClr val="tx1"/>
+            <a:schemeClr val="tx1">
+              <a:lumMod val="75000"/>
+              <a:lumOff val="25000"/>
+            </a:schemeClr>
           </a:solidFill>
-          <a:effectLst/>
           <a:latin typeface="+mn-lt"/>
           <a:ea typeface="+mn-ea"/>
           <a:cs typeface="+mn-cs"/>
         </a:defRPr>
       </a:lvl2pPr>
-      <a:lvl3pPr marL="1200150" indent="-285750" algn="l" defTabSz="457200" rtl="0" eaLnBrk="1" latinLnBrk="0" hangingPunct="1">
+      <a:lvl3pPr marL="1143000" indent="-228600" algn="l" defTabSz="457200" rtl="0" eaLnBrk="1" latinLnBrk="0" hangingPunct="1">
         <a:spcBef>
-          <a:spcPct val="20000"/>
+          <a:spcPts val="1000"/>
         </a:spcBef>
         <a:spcAft>
-          <a:spcPts val="600"/>
+          <a:spcPts val="0"/>
         </a:spcAft>
         <a:buClr>
-          <a:schemeClr val="accent1">
-            <a:lumMod val="75000"/>
-          </a:schemeClr>
+          <a:schemeClr val="accent1"/>
         </a:buClr>
-        <a:buSzPct val="145000"/>
-        <a:buFont typeface="Arial"/>
-        <a:buChar char="•"/>
-        <a:defRPr sz="1800" kern="1200" cap="none">
+        <a:buSzPct val="80000"/>
+        <a:buFont typeface="Wingdings 3" charset="2"/>
+        <a:buChar char=""/>
+        <a:defRPr sz="1400" kern="1200">
           <a:solidFill>
-            <a:schemeClr val="tx1"/>
+            <a:schemeClr val="tx1">
+              <a:lumMod val="75000"/>
+              <a:lumOff val="25000"/>
+            </a:schemeClr>
           </a:solidFill>
-          <a:effectLst/>
           <a:latin typeface="+mn-lt"/>
           <a:ea typeface="+mn-ea"/>
           <a:cs typeface="+mn-cs"/>
         </a:defRPr>
       </a:lvl3pPr>
-      <a:lvl4pPr marL="1543050" indent="-171450" algn="l" defTabSz="457200" rtl="0" eaLnBrk="1" latinLnBrk="0" hangingPunct="1">
+      <a:lvl4pPr marL="1600200" indent="-228600" algn="l" defTabSz="457200" rtl="0" eaLnBrk="1" latinLnBrk="0" hangingPunct="1">
         <a:spcBef>
-          <a:spcPct val="20000"/>
+          <a:spcPts val="1000"/>
         </a:spcBef>
         <a:spcAft>
-          <a:spcPts val="600"/>
+          <a:spcPts val="0"/>
         </a:spcAft>
         <a:buClr>
-          <a:schemeClr val="accent1">
-            <a:lumMod val="75000"/>
-          </a:schemeClr>
+          <a:schemeClr val="accent1"/>
         </a:buClr>
-        <a:buSzPct val="145000"/>
-        <a:buFont typeface="Arial"/>
-        <a:buChar char="•"/>
-        <a:defRPr sz="1600" kern="1200" cap="none">
+        <a:buSzPct val="80000"/>
+        <a:buFont typeface="Wingdings 3" charset="2"/>
+        <a:buChar char=""/>
+        <a:defRPr sz="1200" kern="1200">
           <a:solidFill>
-            <a:schemeClr val="tx1"/>
+            <a:schemeClr val="tx1">
+              <a:lumMod val="75000"/>
+              <a:lumOff val="25000"/>
+            </a:schemeClr>
           </a:solidFill>
-          <a:effectLst/>
           <a:latin typeface="+mn-lt"/>
           <a:ea typeface="+mn-ea"/>
           <a:cs typeface="+mn-cs"/>
         </a:defRPr>
       </a:lvl4pPr>
-      <a:lvl5pPr marL="2000250" indent="-171450" algn="l" defTabSz="457200" rtl="0" eaLnBrk="1" latinLnBrk="0" hangingPunct="1">
+      <a:lvl5pPr marL="2057400" indent="-228600" algn="l" defTabSz="457200" rtl="0" eaLnBrk="1" latinLnBrk="0" hangingPunct="1">
         <a:spcBef>
-          <a:spcPct val="20000"/>
+          <a:spcPts val="1000"/>
         </a:spcBef>
         <a:spcAft>
-          <a:spcPts val="600"/>
+          <a:spcPts val="0"/>
         </a:spcAft>
         <a:buClr>
-          <a:schemeClr val="accent1">
-            <a:lumMod val="75000"/>
-          </a:schemeClr>
+          <a:schemeClr val="accent1"/>
         </a:buClr>
-        <a:buSzPct val="145000"/>
-        <a:buFont typeface="Arial"/>
-        <a:buChar char="•"/>
-        <a:defRPr sz="1400" kern="1200" cap="none">
+        <a:buSzPct val="80000"/>
+        <a:buFont typeface="Wingdings 3" charset="2"/>
+        <a:buChar char=""/>
+        <a:defRPr sz="1200" kern="1200">
           <a:solidFill>
-            <a:schemeClr val="tx1"/>
+            <a:schemeClr val="tx1">
+              <a:lumMod val="75000"/>
+              <a:lumOff val="25000"/>
+            </a:schemeClr>
           </a:solidFill>
-          <a:effectLst/>
           <a:latin typeface="+mn-lt"/>
           <a:ea typeface="+mn-ea"/>
           <a:cs typeface="+mn-cs"/>
@@ -5870,24 +5655,24 @@
       </a:lvl5pPr>
       <a:lvl6pPr marL="2514600" indent="-228600" algn="l" defTabSz="457200" rtl="0" eaLnBrk="1" latinLnBrk="0" hangingPunct="1">
         <a:spcBef>
-          <a:spcPct val="20000"/>
+          <a:spcPts val="1000"/>
         </a:spcBef>
         <a:spcAft>
-          <a:spcPts val="600"/>
+          <a:spcPts val="0"/>
         </a:spcAft>
         <a:buClr>
-          <a:schemeClr val="accent1">
-            <a:lumMod val="75000"/>
-          </a:schemeClr>
+          <a:schemeClr val="accent1"/>
         </a:buClr>
-        <a:buSzPct val="145000"/>
-        <a:buFont typeface="Arial"/>
-        <a:buChar char="•"/>
-        <a:defRPr sz="1400" kern="1200" cap="none">
+        <a:buSzPct val="80000"/>
+        <a:buFont typeface="Wingdings 3" charset="2"/>
+        <a:buChar char=""/>
+        <a:defRPr sz="1200" kern="1200">
           <a:solidFill>
-            <a:schemeClr val="tx1"/>
+            <a:schemeClr val="tx1">
+              <a:lumMod val="75000"/>
+              <a:lumOff val="25000"/>
+            </a:schemeClr>
           </a:solidFill>
-          <a:effectLst/>
           <a:latin typeface="+mn-lt"/>
           <a:ea typeface="+mn-ea"/>
           <a:cs typeface="+mn-cs"/>
@@ -5895,24 +5680,24 @@
       </a:lvl6pPr>
       <a:lvl7pPr marL="2971800" indent="-228600" algn="l" defTabSz="457200" rtl="0" eaLnBrk="1" latinLnBrk="0" hangingPunct="1">
         <a:spcBef>
-          <a:spcPct val="20000"/>
+          <a:spcPts val="1000"/>
         </a:spcBef>
         <a:spcAft>
-          <a:spcPts val="600"/>
+          <a:spcPts val="0"/>
         </a:spcAft>
         <a:buClr>
-          <a:schemeClr val="accent1">
-            <a:lumMod val="75000"/>
-          </a:schemeClr>
+          <a:schemeClr val="accent1"/>
         </a:buClr>
-        <a:buSzPct val="145000"/>
-        <a:buFont typeface="Arial"/>
-        <a:buChar char="•"/>
-        <a:defRPr sz="1400" kern="1200" cap="none">
+        <a:buSzPct val="80000"/>
+        <a:buFont typeface="Wingdings 3" charset="2"/>
+        <a:buChar char=""/>
+        <a:defRPr sz="1200" kern="1200">
           <a:solidFill>
-            <a:schemeClr val="tx1"/>
+            <a:schemeClr val="tx1">
+              <a:lumMod val="75000"/>
+              <a:lumOff val="25000"/>
+            </a:schemeClr>
           </a:solidFill>
-          <a:effectLst/>
           <a:latin typeface="+mn-lt"/>
           <a:ea typeface="+mn-ea"/>
           <a:cs typeface="+mn-cs"/>
@@ -5920,24 +5705,24 @@
       </a:lvl7pPr>
       <a:lvl8pPr marL="3429000" indent="-228600" algn="l" defTabSz="457200" rtl="0" eaLnBrk="1" latinLnBrk="0" hangingPunct="1">
         <a:spcBef>
-          <a:spcPct val="20000"/>
+          <a:spcPts val="1000"/>
         </a:spcBef>
         <a:spcAft>
-          <a:spcPts val="600"/>
+          <a:spcPts val="0"/>
         </a:spcAft>
         <a:buClr>
-          <a:schemeClr val="accent1">
-            <a:lumMod val="75000"/>
-          </a:schemeClr>
+          <a:schemeClr val="accent1"/>
         </a:buClr>
-        <a:buSzPct val="145000"/>
-        <a:buFont typeface="Arial"/>
-        <a:buChar char="•"/>
-        <a:defRPr sz="1400" kern="1200" cap="none">
+        <a:buSzPct val="80000"/>
+        <a:buFont typeface="Wingdings 3" charset="2"/>
+        <a:buChar char=""/>
+        <a:defRPr sz="1200" kern="1200">
           <a:solidFill>
-            <a:schemeClr val="tx1"/>
+            <a:schemeClr val="tx1">
+              <a:lumMod val="75000"/>
+              <a:lumOff val="25000"/>
+            </a:schemeClr>
           </a:solidFill>
-          <a:effectLst/>
           <a:latin typeface="+mn-lt"/>
           <a:ea typeface="+mn-ea"/>
           <a:cs typeface="+mn-cs"/>
@@ -5945,24 +5730,24 @@
       </a:lvl8pPr>
       <a:lvl9pPr marL="3886200" indent="-228600" algn="l" defTabSz="457200" rtl="0" eaLnBrk="1" latinLnBrk="0" hangingPunct="1">
         <a:spcBef>
-          <a:spcPct val="20000"/>
+          <a:spcPts val="1000"/>
         </a:spcBef>
         <a:spcAft>
-          <a:spcPts val="600"/>
+          <a:spcPts val="0"/>
         </a:spcAft>
         <a:buClr>
-          <a:schemeClr val="accent1">
-            <a:lumMod val="75000"/>
-          </a:schemeClr>
+          <a:schemeClr val="accent1"/>
         </a:buClr>
-        <a:buSzPct val="145000"/>
-        <a:buFont typeface="Arial"/>
-        <a:buChar char="•"/>
-        <a:defRPr sz="1400" kern="1200" cap="none">
+        <a:buSzPct val="80000"/>
+        <a:buFont typeface="Wingdings 3" charset="2"/>
+        <a:buChar char=""/>
+        <a:defRPr sz="1200" kern="1200">
           <a:solidFill>
-            <a:schemeClr val="tx1"/>
+            <a:schemeClr val="tx1">
+              <a:lumMod val="75000"/>
+              <a:lumOff val="25000"/>
+            </a:schemeClr>
           </a:solidFill>
-          <a:effectLst/>
           <a:latin typeface="+mn-lt"/>
           <a:ea typeface="+mn-ea"/>
           <a:cs typeface="+mn-cs"/>
@@ -6420,7 +6205,25 @@
             </a:pPr>
             <a:r>
               <a:rPr lang="pt-BR" dirty="0" smtClean="0"/>
-              <a:t>Luiz Fernando dos Santos</a:t>
+              <a:t>Luiz Fernando dos </a:t>
+            </a:r>
+            <a:r>
+              <a:rPr lang="pt-BR" dirty="0" smtClean="0"/>
+              <a:t>Santos</a:t>
+            </a:r>
+          </a:p>
+          <a:p>
+            <a:pPr>
+              <a:spcBef>
+                <a:spcPts val="0"/>
+              </a:spcBef>
+              <a:spcAft>
+                <a:spcPts val="0"/>
+              </a:spcAft>
+            </a:pPr>
+            <a:r>
+              <a:rPr lang="pt-BR" dirty="0" smtClean="0"/>
+              <a:t>Vinicius Veiga</a:t>
             </a:r>
             <a:endParaRPr lang="pt-BR" dirty="0"/>
           </a:p>
@@ -6486,22 +6289,217 @@
           </a:p>
         </p:txBody>
       </p:sp>
-      <p:sp>
-        <p:nvSpPr>
-          <p:cNvPr id="3" name="Espaço Reservado para Conteúdo 2"/>
-          <p:cNvSpPr>
-            <a:spLocks noGrp="1"/>
-          </p:cNvSpPr>
-          <p:nvPr>
-            <p:ph idx="1"/>
-          </p:nvPr>
-        </p:nvSpPr>
-        <p:spPr/>
-        <p:txBody>
-          <a:bodyPr/>
+      <p:pic>
+        <p:nvPicPr>
+          <p:cNvPr id="5" name="Imagem 4"/>
+          <p:cNvPicPr>
+            <a:picLocks noChangeAspect="1"/>
+          </p:cNvPicPr>
+          <p:nvPr/>
+        </p:nvPicPr>
+        <p:blipFill>
+          <a:blip r:embed="rId2">
+            <a:extLst>
+              <a:ext uri="{28A0092B-C50C-407E-A947-70E740481C1C}">
+                <a14:useLocalDpi xmlns:a14="http://schemas.microsoft.com/office/drawing/2010/main" val="0"/>
+              </a:ext>
+            </a:extLst>
+          </a:blip>
+          <a:stretch>
+            <a:fillRect/>
+          </a:stretch>
+        </p:blipFill>
+        <p:spPr>
+          <a:xfrm>
+            <a:off x="5840627" y="1104114"/>
+            <a:ext cx="3344576" cy="5045947"/>
+          </a:xfrm>
+          <a:prstGeom prst="rect">
+            <a:avLst/>
+          </a:prstGeom>
+        </p:spPr>
+      </p:pic>
+      <p:pic>
+        <p:nvPicPr>
+          <p:cNvPr id="10" name="Imagem 9"/>
+          <p:cNvPicPr>
+            <a:picLocks noChangeAspect="1"/>
+          </p:cNvPicPr>
+          <p:nvPr/>
+        </p:nvPicPr>
+        <p:blipFill>
+          <a:blip r:embed="rId3">
+            <a:extLst>
+              <a:ext uri="{28A0092B-C50C-407E-A947-70E740481C1C}">
+                <a14:useLocalDpi xmlns:a14="http://schemas.microsoft.com/office/drawing/2010/main" val="0"/>
+              </a:ext>
+            </a:extLst>
+          </a:blip>
+          <a:stretch>
+            <a:fillRect/>
+          </a:stretch>
+        </p:blipFill>
+        <p:spPr>
+          <a:xfrm>
+            <a:off x="2321526" y="1694678"/>
+            <a:ext cx="2095500" cy="1771650"/>
+          </a:xfrm>
+          <a:prstGeom prst="rect">
+            <a:avLst/>
+          </a:prstGeom>
+        </p:spPr>
+      </p:pic>
+      <p:pic>
+        <p:nvPicPr>
+          <p:cNvPr id="11" name="Imagem 10"/>
+          <p:cNvPicPr>
+            <a:picLocks noChangeAspect="1"/>
+          </p:cNvPicPr>
+          <p:nvPr/>
+        </p:nvPicPr>
+        <p:blipFill>
+          <a:blip r:embed="rId4">
+            <a:extLst>
+              <a:ext uri="{28A0092B-C50C-407E-A947-70E740481C1C}">
+                <a14:useLocalDpi xmlns:a14="http://schemas.microsoft.com/office/drawing/2010/main" val="0"/>
+              </a:ext>
+            </a:extLst>
+          </a:blip>
+          <a:stretch>
+            <a:fillRect/>
+          </a:stretch>
+        </p:blipFill>
+        <p:spPr>
+          <a:xfrm>
+            <a:off x="2014667" y="3466328"/>
+            <a:ext cx="2857500" cy="1714500"/>
+          </a:xfrm>
+          <a:prstGeom prst="rect">
+            <a:avLst/>
+          </a:prstGeom>
+        </p:spPr>
+      </p:pic>
+      <p:sp>
+        <p:nvSpPr>
+          <p:cNvPr id="13" name="Retângulo 12"/>
+          <p:cNvSpPr/>
+          <p:nvPr/>
+        </p:nvSpPr>
+        <p:spPr>
+          <a:xfrm>
+            <a:off x="568411" y="5103674"/>
+            <a:ext cx="6096000" cy="1754326"/>
+          </a:xfrm>
+          <a:prstGeom prst="rect">
+            <a:avLst/>
+          </a:prstGeom>
+        </p:spPr>
+        <p:txBody>
+          <a:bodyPr>
+            <a:spAutoFit/>
+          </a:bodyPr>
           <a:lstStyle/>
           <a:p>
-            <a:endParaRPr lang="pt-BR"/>
+            <a:pPr algn="just">
+              <a:spcAft>
+                <a:spcPts val="0"/>
+              </a:spcAft>
+            </a:pPr>
+            <a:r>
+              <a:rPr lang="pt-BR" dirty="0">
+                <a:latin typeface="Calibri" panose="020F0502020204030204" pitchFamily="34" charset="0"/>
+                <a:ea typeface="Calibri" panose="020F0502020204030204" pitchFamily="34" charset="0"/>
+                <a:cs typeface="Times New Roman" panose="02020603050405020304" pitchFamily="18" charset="0"/>
+              </a:rPr>
+              <a:t>Complexidade: Baixa</a:t>
+            </a:r>
+          </a:p>
+          <a:p>
+            <a:pPr algn="just">
+              <a:spcAft>
+                <a:spcPts val="0"/>
+              </a:spcAft>
+            </a:pPr>
+            <a:r>
+              <a:rPr lang="pt-BR" dirty="0">
+                <a:latin typeface="Calibri" panose="020F0502020204030204" pitchFamily="34" charset="0"/>
+                <a:ea typeface="Calibri" panose="020F0502020204030204" pitchFamily="34" charset="0"/>
+                <a:cs typeface="Times New Roman" panose="02020603050405020304" pitchFamily="18" charset="0"/>
+              </a:rPr>
+              <a:t>Performance: Baixa</a:t>
+            </a:r>
+          </a:p>
+          <a:p>
+            <a:pPr algn="just">
+              <a:spcAft>
+                <a:spcPts val="0"/>
+              </a:spcAft>
+            </a:pPr>
+            <a:r>
+              <a:rPr lang="pt-BR" dirty="0">
+                <a:latin typeface="Calibri" panose="020F0502020204030204" pitchFamily="34" charset="0"/>
+                <a:ea typeface="Calibri" panose="020F0502020204030204" pitchFamily="34" charset="0"/>
+                <a:cs typeface="Times New Roman" panose="02020603050405020304" pitchFamily="18" charset="0"/>
+              </a:rPr>
+              <a:t>Tempo de Execução: </a:t>
+            </a:r>
+          </a:p>
+          <a:p>
+            <a:pPr marL="342900" lvl="0" indent="-342900" algn="just">
+              <a:spcAft>
+                <a:spcPts val="0"/>
+              </a:spcAft>
+              <a:buFont typeface="Symbol" panose="05050102010706020507" pitchFamily="18" charset="2"/>
+              <a:buChar char=""/>
+            </a:pPr>
+            <a:r>
+              <a:rPr lang="pt-BR" dirty="0">
+                <a:latin typeface="Calibri" panose="020F0502020204030204" pitchFamily="34" charset="0"/>
+                <a:ea typeface="Calibri" panose="020F0502020204030204" pitchFamily="34" charset="0"/>
+                <a:cs typeface="Times New Roman" panose="02020603050405020304" pitchFamily="18" charset="0"/>
+              </a:rPr>
+              <a:t>Vetor Randômico: 975ms;</a:t>
+            </a:r>
+          </a:p>
+          <a:p>
+            <a:pPr marL="342900" lvl="0" indent="-342900" algn="just">
+              <a:spcAft>
+                <a:spcPts val="0"/>
+              </a:spcAft>
+              <a:buFont typeface="Symbol" panose="05050102010706020507" pitchFamily="18" charset="2"/>
+              <a:buChar char=""/>
+            </a:pPr>
+            <a:r>
+              <a:rPr lang="pt-BR" dirty="0">
+                <a:latin typeface="Calibri" panose="020F0502020204030204" pitchFamily="34" charset="0"/>
+                <a:ea typeface="Calibri" panose="020F0502020204030204" pitchFamily="34" charset="0"/>
+                <a:cs typeface="Times New Roman" panose="02020603050405020304" pitchFamily="18" charset="0"/>
+              </a:rPr>
+              <a:t>Vetor Crescente: 428ms;</a:t>
+            </a:r>
+          </a:p>
+          <a:p>
+            <a:pPr marL="342900" lvl="0" indent="-342900" algn="just">
+              <a:spcAft>
+                <a:spcPts val="0"/>
+              </a:spcAft>
+              <a:buFont typeface="Symbol" panose="05050102010706020507" pitchFamily="18" charset="2"/>
+              <a:buChar char=""/>
+            </a:pPr>
+            <a:r>
+              <a:rPr lang="pt-BR" dirty="0">
+                <a:latin typeface="Calibri" panose="020F0502020204030204" pitchFamily="34" charset="0"/>
+                <a:ea typeface="Calibri" panose="020F0502020204030204" pitchFamily="34" charset="0"/>
+                <a:cs typeface="Times New Roman" panose="02020603050405020304" pitchFamily="18" charset="0"/>
+              </a:rPr>
+              <a:t>Vetor Decrescente: 954ms.</a:t>
+            </a:r>
+            <a:endParaRPr lang="pt-BR" dirty="0">
+              <a:effectLst/>
+              <a:latin typeface="Calibri" panose="020F0502020204030204" pitchFamily="34" charset="0"/>
+              <a:ea typeface="Calibri" panose="020F0502020204030204" pitchFamily="34" charset="0"/>
+              <a:cs typeface="Times New Roman" panose="02020603050405020304" pitchFamily="18" charset="0"/>
+            </a:endParaRPr>
           </a:p>
         </p:txBody>
       </p:sp>
@@ -6568,22 +6566,219 @@
           </a:p>
         </p:txBody>
       </p:sp>
-      <p:sp>
-        <p:nvSpPr>
-          <p:cNvPr id="3" name="Espaço Reservado para Conteúdo 2"/>
-          <p:cNvSpPr>
-            <a:spLocks noGrp="1"/>
-          </p:cNvSpPr>
+      <p:pic>
+        <p:nvPicPr>
+          <p:cNvPr id="4" name="Espaço Reservado para Conteúdo 3"/>
+          <p:cNvPicPr>
+            <a:picLocks noGrp="1" noChangeAspect="1"/>
+          </p:cNvPicPr>
           <p:nvPr>
             <p:ph idx="1"/>
           </p:nvPr>
-        </p:nvSpPr>
-        <p:spPr/>
-        <p:txBody>
-          <a:bodyPr/>
+        </p:nvPicPr>
+        <p:blipFill>
+          <a:blip r:embed="rId2">
+            <a:extLst>
+              <a:ext uri="{28A0092B-C50C-407E-A947-70E740481C1C}">
+                <a14:useLocalDpi xmlns:a14="http://schemas.microsoft.com/office/drawing/2010/main" val="0"/>
+              </a:ext>
+            </a:extLst>
+          </a:blip>
+          <a:stretch>
+            <a:fillRect/>
+          </a:stretch>
+        </p:blipFill>
+        <p:spPr>
+          <a:xfrm>
+            <a:off x="2346090" y="1665737"/>
+            <a:ext cx="2071194" cy="1813590"/>
+          </a:xfrm>
+        </p:spPr>
+      </p:pic>
+      <p:pic>
+        <p:nvPicPr>
+          <p:cNvPr id="5" name="Imagem 4"/>
+          <p:cNvPicPr>
+            <a:picLocks noChangeAspect="1"/>
+          </p:cNvPicPr>
+          <p:nvPr/>
+        </p:nvPicPr>
+        <p:blipFill>
+          <a:blip r:embed="rId3">
+            <a:extLst>
+              <a:ext uri="{28A0092B-C50C-407E-A947-70E740481C1C}">
+                <a14:useLocalDpi xmlns:a14="http://schemas.microsoft.com/office/drawing/2010/main" val="0"/>
+              </a:ext>
+            </a:extLst>
+          </a:blip>
+          <a:stretch>
+            <a:fillRect/>
+          </a:stretch>
+        </p:blipFill>
+        <p:spPr>
+          <a:xfrm>
+            <a:off x="1952937" y="3503226"/>
+            <a:ext cx="2857500" cy="1714500"/>
+          </a:xfrm>
+          <a:prstGeom prst="rect">
+            <a:avLst/>
+          </a:prstGeom>
+        </p:spPr>
+      </p:pic>
+      <p:pic>
+        <p:nvPicPr>
+          <p:cNvPr id="6" name="Imagem 5" descr="C:\Users\Gabriel Malaquias\Desktop\insertion.jpg"/>
+          <p:cNvPicPr/>
+          <p:nvPr/>
+        </p:nvPicPr>
+        <p:blipFill>
+          <a:blip r:embed="rId4">
+            <a:extLst>
+              <a:ext uri="{28A0092B-C50C-407E-A947-70E740481C1C}">
+                <a14:useLocalDpi xmlns:a14="http://schemas.microsoft.com/office/drawing/2010/main" val="0"/>
+              </a:ext>
+            </a:extLst>
+          </a:blip>
+          <a:srcRect/>
+          <a:stretch>
+            <a:fillRect/>
+          </a:stretch>
+        </p:blipFill>
+        <p:spPr bwMode="auto">
+          <a:xfrm>
+            <a:off x="5415861" y="1607751"/>
+            <a:ext cx="4191000" cy="3609975"/>
+          </a:xfrm>
+          <a:prstGeom prst="rect">
+            <a:avLst/>
+          </a:prstGeom>
+          <a:noFill/>
+          <a:ln>
+            <a:noFill/>
+          </a:ln>
+        </p:spPr>
+      </p:pic>
+      <p:sp>
+        <p:nvSpPr>
+          <p:cNvPr id="8" name="Retângulo 7"/>
+          <p:cNvSpPr/>
+          <p:nvPr/>
+        </p:nvSpPr>
+        <p:spPr>
+          <a:xfrm>
+            <a:off x="677334" y="5036226"/>
+            <a:ext cx="6096000" cy="1754326"/>
+          </a:xfrm>
+          <a:prstGeom prst="rect">
+            <a:avLst/>
+          </a:prstGeom>
+        </p:spPr>
+        <p:txBody>
+          <a:bodyPr>
+            <a:spAutoFit/>
+          </a:bodyPr>
           <a:lstStyle/>
           <a:p>
-            <a:endParaRPr lang="pt-BR"/>
+            <a:pPr algn="just">
+              <a:spcAft>
+                <a:spcPts val="0"/>
+              </a:spcAft>
+            </a:pPr>
+            <a:r>
+              <a:rPr lang="pt-BR" dirty="0">
+                <a:latin typeface="Calibri" panose="020F0502020204030204" pitchFamily="34" charset="0"/>
+                <a:ea typeface="Calibri" panose="020F0502020204030204" pitchFamily="34" charset="0"/>
+                <a:cs typeface="Times New Roman" panose="02020603050405020304" pitchFamily="18" charset="0"/>
+              </a:rPr>
+              <a:t>Complexidade: Baixa</a:t>
+            </a:r>
+          </a:p>
+          <a:p>
+            <a:pPr algn="just">
+              <a:spcAft>
+                <a:spcPts val="0"/>
+              </a:spcAft>
+            </a:pPr>
+            <a:r>
+              <a:rPr lang="pt-BR" dirty="0">
+                <a:latin typeface="Calibri" panose="020F0502020204030204" pitchFamily="34" charset="0"/>
+                <a:ea typeface="Calibri" panose="020F0502020204030204" pitchFamily="34" charset="0"/>
+                <a:cs typeface="Times New Roman" panose="02020603050405020304" pitchFamily="18" charset="0"/>
+              </a:rPr>
+              <a:t>Performance: Média</a:t>
+            </a:r>
+          </a:p>
+          <a:p>
+            <a:pPr algn="just">
+              <a:spcAft>
+                <a:spcPts val="0"/>
+              </a:spcAft>
+            </a:pPr>
+            <a:r>
+              <a:rPr lang="pt-BR" dirty="0">
+                <a:latin typeface="Calibri" panose="020F0502020204030204" pitchFamily="34" charset="0"/>
+                <a:ea typeface="Calibri" panose="020F0502020204030204" pitchFamily="34" charset="0"/>
+                <a:cs typeface="Times New Roman" panose="02020603050405020304" pitchFamily="18" charset="0"/>
+              </a:rPr>
+              <a:t>Tempo de Execução: </a:t>
+            </a:r>
+          </a:p>
+          <a:p>
+            <a:pPr marL="342900" lvl="0" indent="-342900" algn="just">
+              <a:spcAft>
+                <a:spcPts val="0"/>
+              </a:spcAft>
+              <a:buFont typeface="Symbol" panose="05050102010706020507" pitchFamily="18" charset="2"/>
+              <a:buChar char=""/>
+            </a:pPr>
+            <a:r>
+              <a:rPr lang="pt-BR" dirty="0">
+                <a:latin typeface="Calibri" panose="020F0502020204030204" pitchFamily="34" charset="0"/>
+                <a:ea typeface="Calibri" panose="020F0502020204030204" pitchFamily="34" charset="0"/>
+                <a:cs typeface="Times New Roman" panose="02020603050405020304" pitchFamily="18" charset="0"/>
+              </a:rPr>
+              <a:t>Vetor Randômico: 273ms;</a:t>
+            </a:r>
+          </a:p>
+          <a:p>
+            <a:pPr marL="342900" lvl="0" indent="-342900" algn="just">
+              <a:spcAft>
+                <a:spcPts val="0"/>
+              </a:spcAft>
+              <a:buFont typeface="Symbol" panose="05050102010706020507" pitchFamily="18" charset="2"/>
+              <a:buChar char=""/>
+            </a:pPr>
+            <a:r>
+              <a:rPr lang="pt-BR" dirty="0">
+                <a:latin typeface="Calibri" panose="020F0502020204030204" pitchFamily="34" charset="0"/>
+                <a:ea typeface="Calibri" panose="020F0502020204030204" pitchFamily="34" charset="0"/>
+                <a:cs typeface="Times New Roman" panose="02020603050405020304" pitchFamily="18" charset="0"/>
+              </a:rPr>
+              <a:t>Vetor Crescente: &lt;1ms;</a:t>
+            </a:r>
+          </a:p>
+          <a:p>
+            <a:pPr marL="342900" lvl="0" indent="-342900" algn="just">
+              <a:spcAft>
+                <a:spcPts val="0"/>
+              </a:spcAft>
+              <a:buFont typeface="Symbol" panose="05050102010706020507" pitchFamily="18" charset="2"/>
+              <a:buChar char=""/>
+            </a:pPr>
+            <a:r>
+              <a:rPr lang="pt-BR" dirty="0">
+                <a:latin typeface="Calibri" panose="020F0502020204030204" pitchFamily="34" charset="0"/>
+                <a:ea typeface="Calibri" panose="020F0502020204030204" pitchFamily="34" charset="0"/>
+                <a:cs typeface="Times New Roman" panose="02020603050405020304" pitchFamily="18" charset="0"/>
+              </a:rPr>
+              <a:t>Vetor Decrescente: 538ms.</a:t>
+            </a:r>
+            <a:endParaRPr lang="pt-BR" dirty="0">
+              <a:effectLst/>
+              <a:latin typeface="Calibri" panose="020F0502020204030204" pitchFamily="34" charset="0"/>
+              <a:ea typeface="Calibri" panose="020F0502020204030204" pitchFamily="34" charset="0"/>
+              <a:cs typeface="Times New Roman" panose="02020603050405020304" pitchFamily="18" charset="0"/>
+            </a:endParaRPr>
           </a:p>
         </p:txBody>
       </p:sp>
@@ -6651,22 +6846,217 @@
           </a:p>
         </p:txBody>
       </p:sp>
-      <p:sp>
-        <p:nvSpPr>
-          <p:cNvPr id="3" name="Espaço Reservado para Conteúdo 2"/>
-          <p:cNvSpPr>
-            <a:spLocks noGrp="1"/>
-          </p:cNvSpPr>
-          <p:nvPr>
-            <p:ph idx="1"/>
-          </p:nvPr>
-        </p:nvSpPr>
-        <p:spPr/>
-        <p:txBody>
-          <a:bodyPr/>
+      <p:pic>
+        <p:nvPicPr>
+          <p:cNvPr id="4" name="Imagem 3"/>
+          <p:cNvPicPr>
+            <a:picLocks noChangeAspect="1"/>
+          </p:cNvPicPr>
+          <p:nvPr/>
+        </p:nvPicPr>
+        <p:blipFill>
+          <a:blip r:embed="rId2">
+            <a:extLst>
+              <a:ext uri="{28A0092B-C50C-407E-A947-70E740481C1C}">
+                <a14:useLocalDpi xmlns:a14="http://schemas.microsoft.com/office/drawing/2010/main" val="0"/>
+              </a:ext>
+            </a:extLst>
+          </a:blip>
+          <a:stretch>
+            <a:fillRect/>
+          </a:stretch>
+        </p:blipFill>
+        <p:spPr>
+          <a:xfrm>
+            <a:off x="2189130" y="1573427"/>
+            <a:ext cx="2292254" cy="1876253"/>
+          </a:xfrm>
+          <a:prstGeom prst="rect">
+            <a:avLst/>
+          </a:prstGeom>
+        </p:spPr>
+      </p:pic>
+      <p:pic>
+        <p:nvPicPr>
+          <p:cNvPr id="5" name="Imagem 4"/>
+          <p:cNvPicPr>
+            <a:picLocks noChangeAspect="1"/>
+          </p:cNvPicPr>
+          <p:nvPr/>
+        </p:nvPicPr>
+        <p:blipFill>
+          <a:blip r:embed="rId3">
+            <a:extLst>
+              <a:ext uri="{28A0092B-C50C-407E-A947-70E740481C1C}">
+                <a14:useLocalDpi xmlns:a14="http://schemas.microsoft.com/office/drawing/2010/main" val="0"/>
+              </a:ext>
+            </a:extLst>
+          </a:blip>
+          <a:stretch>
+            <a:fillRect/>
+          </a:stretch>
+        </p:blipFill>
+        <p:spPr>
+          <a:xfrm>
+            <a:off x="5512586" y="1136822"/>
+            <a:ext cx="4933070" cy="4767308"/>
+          </a:xfrm>
+          <a:prstGeom prst="rect">
+            <a:avLst/>
+          </a:prstGeom>
+        </p:spPr>
+      </p:pic>
+      <p:pic>
+        <p:nvPicPr>
+          <p:cNvPr id="6" name="Imagem 5"/>
+          <p:cNvPicPr>
+            <a:picLocks noChangeAspect="1"/>
+          </p:cNvPicPr>
+          <p:nvPr/>
+        </p:nvPicPr>
+        <p:blipFill>
+          <a:blip r:embed="rId4">
+            <a:extLst>
+              <a:ext uri="{28A0092B-C50C-407E-A947-70E740481C1C}">
+                <a14:useLocalDpi xmlns:a14="http://schemas.microsoft.com/office/drawing/2010/main" val="0"/>
+              </a:ext>
+            </a:extLst>
+          </a:blip>
+          <a:stretch>
+            <a:fillRect/>
+          </a:stretch>
+        </p:blipFill>
+        <p:spPr>
+          <a:xfrm>
+            <a:off x="1980647" y="3520476"/>
+            <a:ext cx="2857500" cy="1714500"/>
+          </a:xfrm>
+          <a:prstGeom prst="rect">
+            <a:avLst/>
+          </a:prstGeom>
+        </p:spPr>
+      </p:pic>
+      <p:sp>
+        <p:nvSpPr>
+          <p:cNvPr id="8" name="Retângulo 7"/>
+          <p:cNvSpPr/>
+          <p:nvPr/>
+        </p:nvSpPr>
+        <p:spPr>
+          <a:xfrm>
+            <a:off x="677334" y="5113631"/>
+            <a:ext cx="6096000" cy="1754326"/>
+          </a:xfrm>
+          <a:prstGeom prst="rect">
+            <a:avLst/>
+          </a:prstGeom>
+        </p:spPr>
+        <p:txBody>
+          <a:bodyPr>
+            <a:spAutoFit/>
+          </a:bodyPr>
           <a:lstStyle/>
           <a:p>
-            <a:endParaRPr lang="pt-BR"/>
+            <a:pPr algn="just">
+              <a:spcAft>
+                <a:spcPts val="0"/>
+              </a:spcAft>
+            </a:pPr>
+            <a:r>
+              <a:rPr lang="pt-BR" dirty="0">
+                <a:latin typeface="Calibri" panose="020F0502020204030204" pitchFamily="34" charset="0"/>
+                <a:ea typeface="Calibri" panose="020F0502020204030204" pitchFamily="34" charset="0"/>
+                <a:cs typeface="Times New Roman" panose="02020603050405020304" pitchFamily="18" charset="0"/>
+              </a:rPr>
+              <a:t>Complexidade: Alta</a:t>
+            </a:r>
+          </a:p>
+          <a:p>
+            <a:pPr algn="just">
+              <a:spcAft>
+                <a:spcPts val="0"/>
+              </a:spcAft>
+            </a:pPr>
+            <a:r>
+              <a:rPr lang="pt-BR" dirty="0">
+                <a:latin typeface="Calibri" panose="020F0502020204030204" pitchFamily="34" charset="0"/>
+                <a:ea typeface="Calibri" panose="020F0502020204030204" pitchFamily="34" charset="0"/>
+                <a:cs typeface="Times New Roman" panose="02020603050405020304" pitchFamily="18" charset="0"/>
+              </a:rPr>
+              <a:t>Performance: Alta</a:t>
+            </a:r>
+          </a:p>
+          <a:p>
+            <a:pPr algn="just">
+              <a:spcAft>
+                <a:spcPts val="0"/>
+              </a:spcAft>
+            </a:pPr>
+            <a:r>
+              <a:rPr lang="pt-BR" dirty="0">
+                <a:latin typeface="Calibri" panose="020F0502020204030204" pitchFamily="34" charset="0"/>
+                <a:ea typeface="Calibri" panose="020F0502020204030204" pitchFamily="34" charset="0"/>
+                <a:cs typeface="Times New Roman" panose="02020603050405020304" pitchFamily="18" charset="0"/>
+              </a:rPr>
+              <a:t>Tempo de Execução: </a:t>
+            </a:r>
+          </a:p>
+          <a:p>
+            <a:pPr marL="342900" lvl="0" indent="-342900" algn="just">
+              <a:spcAft>
+                <a:spcPts val="0"/>
+              </a:spcAft>
+              <a:buFont typeface="Symbol" panose="05050102010706020507" pitchFamily="18" charset="2"/>
+              <a:buChar char=""/>
+            </a:pPr>
+            <a:r>
+              <a:rPr lang="pt-BR" dirty="0">
+                <a:latin typeface="Calibri" panose="020F0502020204030204" pitchFamily="34" charset="0"/>
+                <a:ea typeface="Calibri" panose="020F0502020204030204" pitchFamily="34" charset="0"/>
+                <a:cs typeface="Times New Roman" panose="02020603050405020304" pitchFamily="18" charset="0"/>
+              </a:rPr>
+              <a:t>Vetor Randômico: 3ms;</a:t>
+            </a:r>
+          </a:p>
+          <a:p>
+            <a:pPr marL="342900" lvl="0" indent="-342900" algn="just">
+              <a:spcAft>
+                <a:spcPts val="0"/>
+              </a:spcAft>
+              <a:buFont typeface="Symbol" panose="05050102010706020507" pitchFamily="18" charset="2"/>
+              <a:buChar char=""/>
+            </a:pPr>
+            <a:r>
+              <a:rPr lang="pt-BR" dirty="0">
+                <a:latin typeface="Calibri" panose="020F0502020204030204" pitchFamily="34" charset="0"/>
+                <a:ea typeface="Calibri" panose="020F0502020204030204" pitchFamily="34" charset="0"/>
+                <a:cs typeface="Times New Roman" panose="02020603050405020304" pitchFamily="18" charset="0"/>
+              </a:rPr>
+              <a:t>Vetor Crescente: 1ms;</a:t>
+            </a:r>
+          </a:p>
+          <a:p>
+            <a:pPr marL="342900" lvl="0" indent="-342900" algn="just">
+              <a:spcAft>
+                <a:spcPts val="0"/>
+              </a:spcAft>
+              <a:buFont typeface="Symbol" panose="05050102010706020507" pitchFamily="18" charset="2"/>
+              <a:buChar char=""/>
+            </a:pPr>
+            <a:r>
+              <a:rPr lang="pt-BR" dirty="0">
+                <a:latin typeface="Calibri" panose="020F0502020204030204" pitchFamily="34" charset="0"/>
+                <a:ea typeface="Calibri" panose="020F0502020204030204" pitchFamily="34" charset="0"/>
+                <a:cs typeface="Times New Roman" panose="02020603050405020304" pitchFamily="18" charset="0"/>
+              </a:rPr>
+              <a:t>Vetor Decrescente: 1ms.</a:t>
+            </a:r>
+            <a:endParaRPr lang="pt-BR" dirty="0">
+              <a:effectLst/>
+              <a:latin typeface="Calibri" panose="020F0502020204030204" pitchFamily="34" charset="0"/>
+              <a:ea typeface="Calibri" panose="020F0502020204030204" pitchFamily="34" charset="0"/>
+              <a:cs typeface="Times New Roman" panose="02020603050405020304" pitchFamily="18" charset="0"/>
+            </a:endParaRPr>
           </a:p>
         </p:txBody>
       </p:sp>
@@ -6730,22 +7120,156 @@
           </a:p>
         </p:txBody>
       </p:sp>
-      <p:sp>
-        <p:nvSpPr>
-          <p:cNvPr id="3" name="Espaço Reservado para Conteúdo 2"/>
-          <p:cNvSpPr>
-            <a:spLocks noGrp="1"/>
-          </p:cNvSpPr>
+      <p:pic>
+        <p:nvPicPr>
+          <p:cNvPr id="4" name="Espaço Reservado para Conteúdo 3"/>
+          <p:cNvPicPr>
+            <a:picLocks noGrp="1" noChangeAspect="1"/>
+          </p:cNvPicPr>
           <p:nvPr>
             <p:ph idx="1"/>
           </p:nvPr>
-        </p:nvSpPr>
-        <p:spPr/>
-        <p:txBody>
-          <a:bodyPr/>
+        </p:nvPicPr>
+        <p:blipFill>
+          <a:blip r:embed="rId2">
+            <a:extLst>
+              <a:ext uri="{28A0092B-C50C-407E-A947-70E740481C1C}">
+                <a14:useLocalDpi xmlns:a14="http://schemas.microsoft.com/office/drawing/2010/main" val="0"/>
+              </a:ext>
+            </a:extLst>
+          </a:blip>
+          <a:stretch>
+            <a:fillRect/>
+          </a:stretch>
+        </p:blipFill>
+        <p:spPr>
+          <a:xfrm>
+            <a:off x="3576292" y="1536076"/>
+            <a:ext cx="4249314" cy="3881437"/>
+          </a:xfrm>
+        </p:spPr>
+      </p:pic>
+      <p:sp>
+        <p:nvSpPr>
+          <p:cNvPr id="5" name="Retângulo 4"/>
+          <p:cNvSpPr/>
+          <p:nvPr/>
+        </p:nvSpPr>
+        <p:spPr>
+          <a:xfrm>
+            <a:off x="677334" y="5023189"/>
+            <a:ext cx="6096000" cy="1754326"/>
+          </a:xfrm>
+          <a:prstGeom prst="rect">
+            <a:avLst/>
+          </a:prstGeom>
+        </p:spPr>
+        <p:txBody>
+          <a:bodyPr>
+            <a:spAutoFit/>
+          </a:bodyPr>
           <a:lstStyle/>
           <a:p>
-            <a:endParaRPr lang="pt-BR"/>
+            <a:pPr algn="just">
+              <a:spcAft>
+                <a:spcPts val="0"/>
+              </a:spcAft>
+            </a:pPr>
+            <a:r>
+              <a:rPr lang="pt-BR" dirty="0">
+                <a:latin typeface="Calibri" panose="020F0502020204030204" pitchFamily="34" charset="0"/>
+                <a:ea typeface="Calibri" panose="020F0502020204030204" pitchFamily="34" charset="0"/>
+                <a:cs typeface="Times New Roman" panose="02020603050405020304" pitchFamily="18" charset="0"/>
+              </a:rPr>
+              <a:t>Complexidade: Baixa</a:t>
+            </a:r>
+          </a:p>
+          <a:p>
+            <a:pPr algn="just">
+              <a:spcAft>
+                <a:spcPts val="0"/>
+              </a:spcAft>
+            </a:pPr>
+            <a:r>
+              <a:rPr lang="pt-BR" dirty="0">
+                <a:latin typeface="Calibri" panose="020F0502020204030204" pitchFamily="34" charset="0"/>
+                <a:ea typeface="Calibri" panose="020F0502020204030204" pitchFamily="34" charset="0"/>
+                <a:cs typeface="Times New Roman" panose="02020603050405020304" pitchFamily="18" charset="0"/>
+              </a:rPr>
+              <a:t>Performance: Baixa</a:t>
+            </a:r>
+          </a:p>
+          <a:p>
+            <a:pPr algn="just">
+              <a:spcAft>
+                <a:spcPts val="0"/>
+              </a:spcAft>
+            </a:pPr>
+            <a:r>
+              <a:rPr lang="pt-BR" dirty="0">
+                <a:latin typeface="Calibri" panose="020F0502020204030204" pitchFamily="34" charset="0"/>
+                <a:ea typeface="Calibri" panose="020F0502020204030204" pitchFamily="34" charset="0"/>
+                <a:cs typeface="Times New Roman" panose="02020603050405020304" pitchFamily="18" charset="0"/>
+              </a:rPr>
+              <a:t>Tempo de Execução: </a:t>
+            </a:r>
+          </a:p>
+          <a:p>
+            <a:pPr marL="342900" lvl="0" indent="-342900" algn="just">
+              <a:spcAft>
+                <a:spcPts val="0"/>
+              </a:spcAft>
+              <a:buFont typeface="Symbol" panose="05050102010706020507" pitchFamily="18" charset="2"/>
+              <a:buChar char=""/>
+            </a:pPr>
+            <a:r>
+              <a:rPr lang="pt-BR" dirty="0">
+                <a:latin typeface="Calibri" panose="020F0502020204030204" pitchFamily="34" charset="0"/>
+                <a:ea typeface="Calibri" panose="020F0502020204030204" pitchFamily="34" charset="0"/>
+                <a:cs typeface="Times New Roman" panose="02020603050405020304" pitchFamily="18" charset="0"/>
+              </a:rPr>
+              <a:t>Vetor Randômico: 687ms;</a:t>
+            </a:r>
+          </a:p>
+          <a:p>
+            <a:pPr marL="342900" lvl="0" indent="-342900" algn="just">
+              <a:spcAft>
+                <a:spcPts val="0"/>
+              </a:spcAft>
+              <a:buFont typeface="Symbol" panose="05050102010706020507" pitchFamily="18" charset="2"/>
+              <a:buChar char=""/>
+            </a:pPr>
+            <a:r>
+              <a:rPr lang="pt-BR" dirty="0">
+                <a:latin typeface="Calibri" panose="020F0502020204030204" pitchFamily="34" charset="0"/>
+                <a:ea typeface="Calibri" panose="020F0502020204030204" pitchFamily="34" charset="0"/>
+                <a:cs typeface="Times New Roman" panose="02020603050405020304" pitchFamily="18" charset="0"/>
+              </a:rPr>
+              <a:t>Vetor Crescente: &lt;1ms;</a:t>
+            </a:r>
+          </a:p>
+          <a:p>
+            <a:pPr marL="342900" lvl="0" indent="-342900" algn="just">
+              <a:spcAft>
+                <a:spcPts val="0"/>
+              </a:spcAft>
+              <a:buFont typeface="Symbol" panose="05050102010706020507" pitchFamily="18" charset="2"/>
+              <a:buChar char=""/>
+            </a:pPr>
+            <a:r>
+              <a:rPr lang="pt-BR" dirty="0">
+                <a:latin typeface="Calibri" panose="020F0502020204030204" pitchFamily="34" charset="0"/>
+                <a:ea typeface="Calibri" panose="020F0502020204030204" pitchFamily="34" charset="0"/>
+                <a:cs typeface="Times New Roman" panose="02020603050405020304" pitchFamily="18" charset="0"/>
+              </a:rPr>
+              <a:t>Vetor Decrescente: 1363ms.</a:t>
+            </a:r>
+            <a:endParaRPr lang="pt-BR" dirty="0">
+              <a:effectLst/>
+              <a:latin typeface="Calibri" panose="020F0502020204030204" pitchFamily="34" charset="0"/>
+              <a:ea typeface="Calibri" panose="020F0502020204030204" pitchFamily="34" charset="0"/>
+              <a:cs typeface="Times New Roman" panose="02020603050405020304" pitchFamily="18" charset="0"/>
+            </a:endParaRPr>
           </a:p>
         </p:txBody>
       </p:sp>
@@ -6809,22 +7333,157 @@
           </a:p>
         </p:txBody>
       </p:sp>
-      <p:sp>
-        <p:nvSpPr>
-          <p:cNvPr id="3" name="Espaço Reservado para Conteúdo 2"/>
-          <p:cNvSpPr>
-            <a:spLocks noGrp="1"/>
-          </p:cNvSpPr>
-          <p:nvPr>
-            <p:ph idx="1"/>
-          </p:nvPr>
-        </p:nvSpPr>
-        <p:spPr/>
-        <p:txBody>
-          <a:bodyPr/>
+      <p:pic>
+        <p:nvPicPr>
+          <p:cNvPr id="5" name="Imagem 4"/>
+          <p:cNvPicPr>
+            <a:picLocks noChangeAspect="1"/>
+          </p:cNvPicPr>
+          <p:nvPr/>
+        </p:nvPicPr>
+        <p:blipFill>
+          <a:blip r:embed="rId2">
+            <a:extLst>
+              <a:ext uri="{28A0092B-C50C-407E-A947-70E740481C1C}">
+                <a14:useLocalDpi xmlns:a14="http://schemas.microsoft.com/office/drawing/2010/main" val="0"/>
+              </a:ext>
+            </a:extLst>
+          </a:blip>
+          <a:stretch>
+            <a:fillRect/>
+          </a:stretch>
+        </p:blipFill>
+        <p:spPr>
+          <a:xfrm>
+            <a:off x="2900310" y="1244139"/>
+            <a:ext cx="6373692" cy="4545797"/>
+          </a:xfrm>
+          <a:prstGeom prst="rect">
+            <a:avLst/>
+          </a:prstGeom>
+        </p:spPr>
+      </p:pic>
+      <p:sp>
+        <p:nvSpPr>
+          <p:cNvPr id="6" name="Retângulo 5"/>
+          <p:cNvSpPr/>
+          <p:nvPr/>
+        </p:nvSpPr>
+        <p:spPr>
+          <a:xfrm>
+            <a:off x="677334" y="5103674"/>
+            <a:ext cx="6096000" cy="1754326"/>
+          </a:xfrm>
+          <a:prstGeom prst="rect">
+            <a:avLst/>
+          </a:prstGeom>
+        </p:spPr>
+        <p:txBody>
+          <a:bodyPr>
+            <a:spAutoFit/>
+          </a:bodyPr>
           <a:lstStyle/>
           <a:p>
-            <a:endParaRPr lang="pt-BR"/>
+            <a:pPr algn="just">
+              <a:spcAft>
+                <a:spcPts val="0"/>
+              </a:spcAft>
+            </a:pPr>
+            <a:r>
+              <a:rPr lang="pt-BR" dirty="0">
+                <a:latin typeface="Calibri" panose="020F0502020204030204" pitchFamily="34" charset="0"/>
+                <a:ea typeface="Calibri" panose="020F0502020204030204" pitchFamily="34" charset="0"/>
+                <a:cs typeface="Times New Roman" panose="02020603050405020304" pitchFamily="18" charset="0"/>
+              </a:rPr>
+              <a:t>Complexidade: Alta</a:t>
+            </a:r>
+          </a:p>
+          <a:p>
+            <a:pPr algn="just">
+              <a:spcAft>
+                <a:spcPts val="0"/>
+              </a:spcAft>
+            </a:pPr>
+            <a:r>
+              <a:rPr lang="pt-BR" dirty="0">
+                <a:latin typeface="Calibri" panose="020F0502020204030204" pitchFamily="34" charset="0"/>
+                <a:ea typeface="Calibri" panose="020F0502020204030204" pitchFamily="34" charset="0"/>
+                <a:cs typeface="Times New Roman" panose="02020603050405020304" pitchFamily="18" charset="0"/>
+              </a:rPr>
+              <a:t>Performance: Alta</a:t>
+            </a:r>
+          </a:p>
+          <a:p>
+            <a:pPr algn="just">
+              <a:spcAft>
+                <a:spcPts val="0"/>
+              </a:spcAft>
+            </a:pPr>
+            <a:r>
+              <a:rPr lang="pt-BR" dirty="0">
+                <a:latin typeface="Calibri" panose="020F0502020204030204" pitchFamily="34" charset="0"/>
+                <a:ea typeface="Calibri" panose="020F0502020204030204" pitchFamily="34" charset="0"/>
+                <a:cs typeface="Times New Roman" panose="02020603050405020304" pitchFamily="18" charset="0"/>
+              </a:rPr>
+              <a:t>Tempo de Execução:</a:t>
+            </a:r>
+          </a:p>
+          <a:p>
+            <a:pPr marL="342900" lvl="0" indent="-342900" algn="just">
+              <a:spcAft>
+                <a:spcPts val="0"/>
+              </a:spcAft>
+              <a:buFont typeface="Symbol" panose="05050102010706020507" pitchFamily="18" charset="2"/>
+              <a:buChar char=""/>
+            </a:pPr>
+            <a:r>
+              <a:rPr lang="pt-BR" dirty="0">
+                <a:latin typeface="Calibri" panose="020F0502020204030204" pitchFamily="34" charset="0"/>
+                <a:ea typeface="Calibri" panose="020F0502020204030204" pitchFamily="34" charset="0"/>
+                <a:cs typeface="Times New Roman" panose="02020603050405020304" pitchFamily="18" charset="0"/>
+              </a:rPr>
+              <a:t>Vetor Randômico: 3ms;</a:t>
+            </a:r>
+          </a:p>
+          <a:p>
+            <a:pPr marL="342900" lvl="0" indent="-342900" algn="just">
+              <a:spcAft>
+                <a:spcPts val="0"/>
+              </a:spcAft>
+              <a:buFont typeface="Symbol" panose="05050102010706020507" pitchFamily="18" charset="2"/>
+              <a:buChar char=""/>
+            </a:pPr>
+            <a:r>
+              <a:rPr lang="pt-BR" dirty="0">
+                <a:latin typeface="Calibri" panose="020F0502020204030204" pitchFamily="34" charset="0"/>
+                <a:ea typeface="Calibri" panose="020F0502020204030204" pitchFamily="34" charset="0"/>
+                <a:cs typeface="Times New Roman" panose="02020603050405020304" pitchFamily="18" charset="0"/>
+              </a:rPr>
+              <a:t>Vetor Crescente: 2ms;</a:t>
+            </a:r>
+          </a:p>
+          <a:p>
+            <a:pPr marL="342900" lvl="0" indent="-342900" algn="just">
+              <a:spcAft>
+                <a:spcPts val="0"/>
+              </a:spcAft>
+              <a:buFont typeface="Symbol" panose="05050102010706020507" pitchFamily="18" charset="2"/>
+              <a:buChar char=""/>
+            </a:pPr>
+            <a:r>
+              <a:rPr lang="pt-BR" dirty="0">
+                <a:latin typeface="Calibri" panose="020F0502020204030204" pitchFamily="34" charset="0"/>
+                <a:ea typeface="Calibri" panose="020F0502020204030204" pitchFamily="34" charset="0"/>
+                <a:cs typeface="Times New Roman" panose="02020603050405020304" pitchFamily="18" charset="0"/>
+              </a:rPr>
+              <a:t>Vetor Decrescente: 2ms.</a:t>
+            </a:r>
+            <a:endParaRPr lang="pt-BR" dirty="0">
+              <a:effectLst/>
+              <a:latin typeface="Calibri" panose="020F0502020204030204" pitchFamily="34" charset="0"/>
+              <a:ea typeface="Calibri" panose="020F0502020204030204" pitchFamily="34" charset="0"/>
+              <a:cs typeface="Times New Roman" panose="02020603050405020304" pitchFamily="18" charset="0"/>
+            </a:endParaRPr>
           </a:p>
         </p:txBody>
       </p:sp>
@@ -6865,6 +7524,36 @@
           <a:chExt cx="0" cy="0"/>
         </a:xfrm>
       </p:grpSpPr>
+      <p:pic>
+        <p:nvPicPr>
+          <p:cNvPr id="8" name="Imagem 7"/>
+          <p:cNvPicPr>
+            <a:picLocks noChangeAspect="1"/>
+          </p:cNvPicPr>
+          <p:nvPr/>
+        </p:nvPicPr>
+        <p:blipFill>
+          <a:blip r:embed="rId2">
+            <a:extLst>
+              <a:ext uri="{28A0092B-C50C-407E-A947-70E740481C1C}">
+                <a14:useLocalDpi xmlns:a14="http://schemas.microsoft.com/office/drawing/2010/main" val="0"/>
+              </a:ext>
+            </a:extLst>
+          </a:blip>
+          <a:stretch>
+            <a:fillRect/>
+          </a:stretch>
+        </p:blipFill>
+        <p:spPr>
+          <a:xfrm>
+            <a:off x="451408" y="3098148"/>
+            <a:ext cx="2857500" cy="1714500"/>
+          </a:xfrm>
+          <a:prstGeom prst="rect">
+            <a:avLst/>
+          </a:prstGeom>
+        </p:spPr>
+      </p:pic>
       <p:sp>
         <p:nvSpPr>
           <p:cNvPr id="2" name="Título 1"/>
@@ -6888,25 +7577,193 @@
           </a:p>
         </p:txBody>
       </p:sp>
-      <p:sp>
-        <p:nvSpPr>
-          <p:cNvPr id="3" name="Espaço Reservado para Conteúdo 2"/>
-          <p:cNvSpPr>
-            <a:spLocks noGrp="1"/>
-          </p:cNvSpPr>
-          <p:nvPr>
-            <p:ph idx="1"/>
-          </p:nvPr>
-        </p:nvSpPr>
-        <p:spPr/>
-        <p:txBody>
-          <a:bodyPr/>
+      <p:pic>
+        <p:nvPicPr>
+          <p:cNvPr id="4" name="Imagem 3" descr="C:\Users\Gabriel Malaquias\Desktop\Merge_sort_algorithm_diagram.png"/>
+          <p:cNvPicPr/>
+          <p:nvPr/>
+        </p:nvPicPr>
+        <p:blipFill>
+          <a:blip r:embed="rId3">
+            <a:extLst>
+              <a:ext uri="{28A0092B-C50C-407E-A947-70E740481C1C}">
+                <a14:useLocalDpi xmlns:a14="http://schemas.microsoft.com/office/drawing/2010/main" val="0"/>
+              </a:ext>
+            </a:extLst>
+          </a:blip>
+          <a:srcRect/>
+          <a:stretch>
+            <a:fillRect/>
+          </a:stretch>
+        </p:blipFill>
+        <p:spPr bwMode="auto">
+          <a:xfrm>
+            <a:off x="3800475" y="1195860"/>
+            <a:ext cx="5581393" cy="4784536"/>
+          </a:xfrm>
+          <a:prstGeom prst="rect">
+            <a:avLst/>
+          </a:prstGeom>
+          <a:noFill/>
+          <a:ln>
+            <a:noFill/>
+          </a:ln>
+        </p:spPr>
+      </p:pic>
+      <p:sp>
+        <p:nvSpPr>
+          <p:cNvPr id="5" name="Retângulo 4"/>
+          <p:cNvSpPr/>
+          <p:nvPr/>
+        </p:nvSpPr>
+        <p:spPr>
+          <a:xfrm>
+            <a:off x="677334" y="4989442"/>
+            <a:ext cx="6096000" cy="1754326"/>
+          </a:xfrm>
+          <a:prstGeom prst="rect">
+            <a:avLst/>
+          </a:prstGeom>
+        </p:spPr>
+        <p:txBody>
+          <a:bodyPr>
+            <a:spAutoFit/>
+          </a:bodyPr>
           <a:lstStyle/>
           <a:p>
-            <a:endParaRPr lang="pt-BR"/>
-          </a:p>
-        </p:txBody>
-      </p:sp>
+            <a:pPr algn="just">
+              <a:spcAft>
+                <a:spcPts val="0"/>
+              </a:spcAft>
+            </a:pPr>
+            <a:r>
+              <a:rPr lang="pt-BR" dirty="0">
+                <a:latin typeface="Calibri" panose="020F0502020204030204" pitchFamily="34" charset="0"/>
+                <a:ea typeface="Calibri" panose="020F0502020204030204" pitchFamily="34" charset="0"/>
+                <a:cs typeface="Times New Roman" panose="02020603050405020304" pitchFamily="18" charset="0"/>
+              </a:rPr>
+              <a:t>Complexidade: Alta</a:t>
+            </a:r>
+          </a:p>
+          <a:p>
+            <a:pPr algn="just">
+              <a:spcAft>
+                <a:spcPts val="0"/>
+              </a:spcAft>
+            </a:pPr>
+            <a:r>
+              <a:rPr lang="pt-BR" dirty="0">
+                <a:latin typeface="Calibri" panose="020F0502020204030204" pitchFamily="34" charset="0"/>
+                <a:ea typeface="Calibri" panose="020F0502020204030204" pitchFamily="34" charset="0"/>
+                <a:cs typeface="Times New Roman" panose="02020603050405020304" pitchFamily="18" charset="0"/>
+              </a:rPr>
+              <a:t>Performance: Alta</a:t>
+            </a:r>
+          </a:p>
+          <a:p>
+            <a:pPr algn="just">
+              <a:spcAft>
+                <a:spcPts val="0"/>
+              </a:spcAft>
+            </a:pPr>
+            <a:r>
+              <a:rPr lang="pt-BR" dirty="0">
+                <a:latin typeface="Calibri" panose="020F0502020204030204" pitchFamily="34" charset="0"/>
+                <a:ea typeface="Calibri" panose="020F0502020204030204" pitchFamily="34" charset="0"/>
+                <a:cs typeface="Times New Roman" panose="02020603050405020304" pitchFamily="18" charset="0"/>
+              </a:rPr>
+              <a:t>Tempo de Execução: </a:t>
+            </a:r>
+          </a:p>
+          <a:p>
+            <a:pPr marL="342900" lvl="0" indent="-342900" algn="just">
+              <a:spcAft>
+                <a:spcPts val="0"/>
+              </a:spcAft>
+              <a:buFont typeface="Symbol" panose="05050102010706020507" pitchFamily="18" charset="2"/>
+              <a:buChar char=""/>
+            </a:pPr>
+            <a:r>
+              <a:rPr lang="pt-BR" dirty="0">
+                <a:latin typeface="Calibri" panose="020F0502020204030204" pitchFamily="34" charset="0"/>
+                <a:ea typeface="Calibri" panose="020F0502020204030204" pitchFamily="34" charset="0"/>
+                <a:cs typeface="Times New Roman" panose="02020603050405020304" pitchFamily="18" charset="0"/>
+              </a:rPr>
+              <a:t>Vetor Randômico: 44ms;</a:t>
+            </a:r>
+          </a:p>
+          <a:p>
+            <a:pPr marL="342900" lvl="0" indent="-342900" algn="just">
+              <a:spcAft>
+                <a:spcPts val="0"/>
+              </a:spcAft>
+              <a:buFont typeface="Symbol" panose="05050102010706020507" pitchFamily="18" charset="2"/>
+              <a:buChar char=""/>
+            </a:pPr>
+            <a:r>
+              <a:rPr lang="pt-BR" dirty="0">
+                <a:latin typeface="Calibri" panose="020F0502020204030204" pitchFamily="34" charset="0"/>
+                <a:ea typeface="Calibri" panose="020F0502020204030204" pitchFamily="34" charset="0"/>
+                <a:cs typeface="Times New Roman" panose="02020603050405020304" pitchFamily="18" charset="0"/>
+              </a:rPr>
+              <a:t>Vetor Crescente: 99ms;</a:t>
+            </a:r>
+          </a:p>
+          <a:p>
+            <a:pPr marL="342900" lvl="0" indent="-342900" algn="just">
+              <a:spcAft>
+                <a:spcPts val="0"/>
+              </a:spcAft>
+              <a:buFont typeface="Symbol" panose="05050102010706020507" pitchFamily="18" charset="2"/>
+              <a:buChar char=""/>
+            </a:pPr>
+            <a:r>
+              <a:rPr lang="pt-BR" dirty="0">
+                <a:latin typeface="Calibri" panose="020F0502020204030204" pitchFamily="34" charset="0"/>
+                <a:ea typeface="Calibri" panose="020F0502020204030204" pitchFamily="34" charset="0"/>
+                <a:cs typeface="Times New Roman" panose="02020603050405020304" pitchFamily="18" charset="0"/>
+              </a:rPr>
+              <a:t>Vetor Decrescente: 98ms.</a:t>
+            </a:r>
+            <a:endParaRPr lang="pt-BR" dirty="0">
+              <a:effectLst/>
+              <a:latin typeface="Calibri" panose="020F0502020204030204" pitchFamily="34" charset="0"/>
+              <a:ea typeface="Calibri" panose="020F0502020204030204" pitchFamily="34" charset="0"/>
+              <a:cs typeface="Times New Roman" panose="02020603050405020304" pitchFamily="18" charset="0"/>
+            </a:endParaRPr>
+          </a:p>
+        </p:txBody>
+      </p:sp>
+      <p:pic>
+        <p:nvPicPr>
+          <p:cNvPr id="7" name="Imagem 6"/>
+          <p:cNvPicPr>
+            <a:picLocks noChangeAspect="1"/>
+          </p:cNvPicPr>
+          <p:nvPr/>
+        </p:nvPicPr>
+        <p:blipFill>
+          <a:blip r:embed="rId4">
+            <a:extLst>
+              <a:ext uri="{28A0092B-C50C-407E-A947-70E740481C1C}">
+                <a14:useLocalDpi xmlns:a14="http://schemas.microsoft.com/office/drawing/2010/main" val="0"/>
+              </a:ext>
+            </a:extLst>
+          </a:blip>
+          <a:stretch>
+            <a:fillRect/>
+          </a:stretch>
+        </p:blipFill>
+        <p:spPr>
+          <a:xfrm>
+            <a:off x="858567" y="1407571"/>
+            <a:ext cx="1892871" cy="1602180"/>
+          </a:xfrm>
+          <a:prstGeom prst="rect">
+            <a:avLst/>
+          </a:prstGeom>
+        </p:spPr>
+      </p:pic>
     </p:spTree>
     <p:extLst>
       <p:ext uri="{BB962C8B-B14F-4D97-AF65-F5344CB8AC3E}">
@@ -6977,10 +7834,139 @@
             <p:ph idx="1"/>
           </p:nvPr>
         </p:nvSpPr>
-        <p:spPr/>
-        <p:txBody>
-          <a:bodyPr/>
+        <p:spPr>
+          <a:xfrm>
+            <a:off x="776188" y="1782119"/>
+            <a:ext cx="8596668" cy="3880773"/>
+          </a:xfrm>
+        </p:spPr>
+        <p:txBody>
+          <a:bodyPr>
+            <a:normAutofit fontScale="92500" lnSpcReduction="20000"/>
+          </a:bodyPr>
           <a:lstStyle/>
+          <a:p>
+            <a:r>
+              <a:rPr lang="pt-BR" dirty="0" err="1"/>
+              <a:t>QuickSort</a:t>
+            </a:r>
+            <a:r>
+              <a:rPr lang="pt-BR" dirty="0"/>
+              <a:t> &lt;http://www.knoow.net/ciencinformtelec/informatica/quicksort.htm&gt; Acesso em: 20/03/2015.</a:t>
+            </a:r>
+          </a:p>
+          <a:p>
+            <a:r>
+              <a:rPr lang="pt-BR" dirty="0" err="1"/>
+              <a:t>GnomeSort</a:t>
+            </a:r>
+            <a:r>
+              <a:rPr lang="pt-BR" dirty="0"/>
+              <a:t> &lt;</a:t>
+            </a:r>
+            <a:r>
+              <a:rPr lang="pt-BR" u="sng" dirty="0"/>
+              <a:t>http://rosettacode.org/wiki/Sorting_algorithms/Gnome_sort</a:t>
+            </a:r>
+            <a:r>
+              <a:rPr lang="pt-BR" dirty="0"/>
+              <a:t> Acesso em: 20/03/2015.</a:t>
+            </a:r>
+          </a:p>
+          <a:p>
+            <a:r>
+              <a:rPr lang="pt-BR" dirty="0"/>
+              <a:t>Explicação </a:t>
+            </a:r>
+            <a:r>
+              <a:rPr lang="pt-BR" dirty="0" err="1"/>
+              <a:t>HeapSort</a:t>
+            </a:r>
+            <a:r>
+              <a:rPr lang="pt-BR" dirty="0"/>
+              <a:t> &lt;</a:t>
+            </a:r>
+            <a:r>
+              <a:rPr lang="pt-BR" u="sng" dirty="0"/>
+              <a:t>https://www.youtube.com/watch?v=bj-H47puSU</a:t>
+            </a:r>
+            <a:r>
+              <a:rPr lang="pt-BR" dirty="0"/>
+              <a:t>&gt; Acesso em: 20/03/2015.</a:t>
+            </a:r>
+          </a:p>
+          <a:p>
+            <a:r>
+              <a:rPr lang="pt-BR" dirty="0" err="1"/>
+              <a:t>HeapSort</a:t>
+            </a:r>
+            <a:r>
+              <a:rPr lang="pt-BR" dirty="0"/>
+              <a:t> &lt;</a:t>
+            </a:r>
+            <a:r>
+              <a:rPr lang="pt-BR" u="sng" dirty="0"/>
+              <a:t>http://www.ebah.com.br/content/ABAAAAn6EAC/ordenacao-dados-heapsort</a:t>
+            </a:r>
+            <a:r>
+              <a:rPr lang="pt-BR" dirty="0"/>
+              <a:t>&gt; Acesso em: 20/03/2015.</a:t>
+            </a:r>
+          </a:p>
+          <a:p>
+            <a:r>
+              <a:rPr lang="pt-BR" dirty="0"/>
+              <a:t>Estudo Merge </a:t>
+            </a:r>
+            <a:r>
+              <a:rPr lang="pt-BR" dirty="0" err="1"/>
+              <a:t>Sort</a:t>
+            </a:r>
+            <a:r>
+              <a:rPr lang="pt-BR" dirty="0"/>
+              <a:t> </a:t>
+            </a:r>
+            <a:r>
+              <a:rPr lang="pt-BR" u="sng" dirty="0"/>
+              <a:t>http://pt.slideshare.net/luizaguerra/estudo-do-algoritmo-de-ordenao-mergesort</a:t>
+            </a:r>
+            <a:r>
+              <a:rPr lang="pt-BR" dirty="0"/>
+              <a:t>&gt; Acesso em: 21/03/2015.</a:t>
+            </a:r>
+          </a:p>
+          <a:p>
+            <a:r>
+              <a:rPr lang="pt-BR" dirty="0" err="1"/>
+              <a:t>QuickSort</a:t>
+            </a:r>
+            <a:r>
+              <a:rPr lang="pt-BR" dirty="0"/>
+              <a:t> &lt;</a:t>
+            </a:r>
+            <a:r>
+              <a:rPr lang="pt-BR" u="sng" dirty="0"/>
+              <a:t>http://www.algostructure.com/sorting/quicksort.php</a:t>
+            </a:r>
+            <a:r>
+              <a:rPr lang="pt-BR" dirty="0"/>
+              <a:t>&gt; Acesso em: 21/03/2015.</a:t>
+            </a:r>
+          </a:p>
+          <a:p>
+            <a:r>
+              <a:rPr lang="pt-BR" dirty="0"/>
+              <a:t>Estudo de métodos de ordenação &lt;</a:t>
+            </a:r>
+            <a:r>
+              <a:rPr lang="pt-BR" u="sng" dirty="0"/>
+              <a:t>http://nicholasandre.com.br/sorting</a:t>
+            </a:r>
+            <a:r>
+              <a:rPr lang="pt-BR" dirty="0"/>
+              <a:t>&gt; Acesso em: 21/03/2015.</a:t>
+            </a:r>
+          </a:p>
           <a:p>
             <a:endParaRPr lang="pt-BR" dirty="0"/>
           </a:p>
@@ -7007,9 +7993,9 @@
 </file>
 
 <file path=ppt/theme/theme1.xml><?xml version="1.0" encoding="utf-8"?>
-<a:theme xmlns:a="http://schemas.openxmlformats.org/drawingml/2006/main" name="Paralaxe">
+<a:theme xmlns:a="http://schemas.openxmlformats.org/drawingml/2006/main" name="Facetado">
   <a:themeElements>
-    <a:clrScheme name="Parallax">
+    <a:clrScheme name="Facetado">
       <a:dk1>
         <a:sysClr val="windowText" lastClr="000000"/>
       </a:dk1>
@@ -7017,48 +8003,48 @@
         <a:sysClr val="window" lastClr="FFFFFF"/>
       </a:lt1>
       <a:dk2>
-        <a:srgbClr val="212121"/>
+        <a:srgbClr val="2C3C43"/>
       </a:dk2>
       <a:lt2>
-        <a:srgbClr val="CDD0D1"/>
+        <a:srgbClr val="EBEBEB"/>
       </a:lt2>
       <a:accent1>
-        <a:srgbClr val="8BB434"/>
+        <a:srgbClr val="90C226"/>
       </a:accent1>
       <a:accent2>
-        <a:srgbClr val="33A583"/>
+        <a:srgbClr val="54A021"/>
       </a:accent2>
       <a:accent3>
-        <a:srgbClr val="3594B4"/>
+        <a:srgbClr val="E6B91E"/>
       </a:accent3>
       <a:accent4>
-        <a:srgbClr val="6063B4"/>
+        <a:srgbClr val="E76618"/>
       </a:accent4>
       <a:accent5>
-        <a:srgbClr val="D35731"/>
+        <a:srgbClr val="C42F1A"/>
       </a:accent5>
       <a:accent6>
-        <a:srgbClr val="EBAC4B"/>
+        <a:srgbClr val="918655"/>
       </a:accent6>
       <a:hlink>
-        <a:srgbClr val="65AD30"/>
+        <a:srgbClr val="99CA3C"/>
       </a:hlink>
       <a:folHlink>
-        <a:srgbClr val="8ED25B"/>
+        <a:srgbClr val="B9D181"/>
       </a:folHlink>
     </a:clrScheme>
-    <a:fontScheme name="Parallax">
+    <a:fontScheme name="Facetado">
       <a:majorFont>
-        <a:latin typeface="Corbel" panose="020B0503020204020204"/>
+        <a:latin typeface="Trebuchet MS" panose="020B0603020202020204"/>
         <a:ea typeface=""/>
         <a:cs typeface=""/>
-        <a:font script="Jpan" typeface="HGｺﾞｼｯｸM"/>
-        <a:font script="Hang" typeface="HY엽서L"/>
-        <a:font script="Hans" typeface="华文楷体"/>
-        <a:font script="Hant" typeface="新細明體"/>
+        <a:font script="Jpan" typeface="メイリオ"/>
+        <a:font script="Hang" typeface="맑은 고딕"/>
+        <a:font script="Hans" typeface="方正姚体"/>
+        <a:font script="Hant" typeface="微軟正黑體"/>
         <a:font script="Arab" typeface="Tahoma"/>
-        <a:font script="Hebr" typeface="Miriam"/>
-        <a:font script="Thai" typeface="DilleniaUPC"/>
+        <a:font script="Hebr" typeface="Arial"/>
+        <a:font script="Thai" typeface="Cordia New"/>
         <a:font script="Ethi" typeface="Nyala"/>
         <a:font script="Beng" typeface="Vrinda"/>
         <a:font script="Gujr" typeface="Shruti"/>
@@ -7079,21 +8065,21 @@
         <a:font script="Laoo" typeface="DokChampa"/>
         <a:font script="Sinh" typeface="Iskoola Pota"/>
         <a:font script="Mong" typeface="Mongolian Baiti"/>
-        <a:font script="Viet" typeface="Arial"/>
+        <a:font script="Viet" typeface="Tahoma"/>
         <a:font script="Uigh" typeface="Microsoft Uighur"/>
         <a:font script="Geor" typeface="Sylfaen"/>
       </a:majorFont>
       <a:minorFont>
-        <a:latin typeface="Corbel" panose="020B0503020204020204"/>
+        <a:latin typeface="Trebuchet MS" panose="020B0603020202020204"/>
         <a:ea typeface=""/>
         <a:cs typeface=""/>
-        <a:font script="Jpan" typeface="HGｺﾞｼｯｸM"/>
-        <a:font script="Hang" typeface="HY엽서L"/>
-        <a:font script="Hans" typeface="华文楷体"/>
-        <a:font script="Hant" typeface="新細明體"/>
+        <a:font script="Jpan" typeface="メイリオ"/>
+        <a:font script="Hang" typeface="HY그래픽M"/>
+        <a:font script="Hans" typeface="华文新魏"/>
+        <a:font script="Hant" typeface="微軟正黑體"/>
         <a:font script="Arab" typeface="Tahoma"/>
-        <a:font script="Hebr" typeface="Miriam"/>
-        <a:font script="Thai" typeface="DilleniaUPC"/>
+        <a:font script="Hebr" typeface="Gisha"/>
+        <a:font script="Thai" typeface="IrisUPC"/>
         <a:font script="Ethi" typeface="Nyala"/>
         <a:font script="Beng" typeface="Vrinda"/>
         <a:font script="Gujr" typeface="Shruti"/>
@@ -7119,7 +8105,7 @@
         <a:font script="Geor" typeface="Sylfaen"/>
       </a:minorFont>
     </a:fontScheme>
-    <a:fmtScheme name="Parallax">
+    <a:fmtScheme name="Facetado">
       <a:fillStyleLst>
         <a:solidFill>
           <a:schemeClr val="phClr"/>
@@ -7128,13 +8114,13 @@
           <a:gsLst>
             <a:gs pos="0">
               <a:schemeClr val="phClr">
-                <a:tint val="60000"/>
-                <a:lumMod val="104000"/>
+                <a:tint val="65000"/>
+                <a:lumMod val="110000"/>
               </a:schemeClr>
             </a:gs>
-            <a:gs pos="100000">
+            <a:gs pos="88000">
               <a:schemeClr val="phClr">
-                <a:tint val="84000"/>
+                <a:tint val="90000"/>
               </a:schemeClr>
             </a:gs>
           </a:gsLst>
@@ -7145,37 +8131,33 @@
             <a:gs pos="0">
               <a:schemeClr val="phClr">
                 <a:tint val="96000"/>
-                <a:lumMod val="102000"/>
+                <a:lumMod val="100000"/>
               </a:schemeClr>
             </a:gs>
-            <a:gs pos="100000">
+            <a:gs pos="78000">
               <a:schemeClr val="phClr">
-                <a:shade val="88000"/>
+                <a:shade val="94000"/>
                 <a:lumMod val="94000"/>
               </a:schemeClr>
             </a:gs>
           </a:gsLst>
-          <a:path path="circle">
-            <a:fillToRect l="50000" t="100000" r="100000" b="50000"/>
-          </a:path>
+          <a:lin ang="5400000" scaled="0"/>
         </a:gradFill>
       </a:fillStyleLst>
       <a:lnStyleLst>
-        <a:ln w="9525" cap="rnd" cmpd="sng" algn="ctr">
-          <a:solidFill>
-            <a:schemeClr val="phClr">
-              <a:tint val="60000"/>
-            </a:schemeClr>
-          </a:solidFill>
-          <a:prstDash val="solid"/>
-        </a:ln>
-        <a:ln w="15875" cap="rnd" cmpd="sng" algn="ctr">
+        <a:ln w="12700" cap="rnd" cmpd="sng" algn="ctr">
           <a:solidFill>
             <a:schemeClr val="phClr"/>
           </a:solidFill>
           <a:prstDash val="solid"/>
         </a:ln>
-        <a:ln w="22225" cap="rnd" cmpd="sng" algn="ctr">
+        <a:ln w="19050" cap="rnd" cmpd="sng" algn="ctr">
+          <a:solidFill>
+            <a:schemeClr val="phClr"/>
+          </a:solidFill>
+          <a:prstDash val="solid"/>
+        </a:ln>
+        <a:ln w="25400" cap="rnd" cmpd="sng" algn="ctr">
           <a:solidFill>
             <a:schemeClr val="phClr"/>
           </a:solidFill>
@@ -7188,14 +8170,18 @@
         </a:effectStyle>
         <a:effectStyle>
           <a:effectLst>
-            <a:reflection blurRad="12700" stA="26000" endPos="32000" dist="12700" dir="5400000" sy="-100000" rotWithShape="0"/>
+            <a:outerShdw blurRad="38100" dist="25400" dir="5400000" rotWithShape="0">
+              <a:srgbClr val="000000">
+                <a:alpha val="35000"/>
+              </a:srgbClr>
+            </a:outerShdw>
           </a:effectLst>
         </a:effectStyle>
         <a:effectStyle>
           <a:effectLst>
-            <a:outerShdw blurRad="38100" dist="25400" dir="5400000" rotWithShape="0">
+            <a:outerShdw blurRad="50800" dist="38100" dir="5400000" rotWithShape="0">
               <a:srgbClr val="000000">
-                <a:alpha val="64000"/>
+                <a:alpha val="35000"/>
               </a:srgbClr>
             </a:outerShdw>
           </a:effectLst>
@@ -7203,12 +8189,10 @@
             <a:camera prst="orthographicFront">
               <a:rot lat="0" lon="0" rev="0"/>
             </a:camera>
-            <a:lightRig rig="threePt" dir="tl">
-              <a:rot lat="0" lon="0" rev="1200000"/>
-            </a:lightRig>
+            <a:lightRig rig="threePt" dir="tl"/>
           </a:scene3d>
-          <a:sp3d>
-            <a:bevelT w="25400" h="12700"/>
+          <a:sp3d prstMaterial="plastic">
+            <a:bevelT w="0" h="0"/>
           </a:sp3d>
         </a:effectStyle>
       </a:effectStyleLst>
@@ -7221,34 +8205,37 @@
             <a:gs pos="0">
               <a:schemeClr val="phClr">
                 <a:tint val="90000"/>
+                <a:lumMod val="104000"/>
+              </a:schemeClr>
+            </a:gs>
+            <a:gs pos="94000">
+              <a:schemeClr val="phClr">
+                <a:shade val="96000"/>
+                <a:lumMod val="82000"/>
+              </a:schemeClr>
+            </a:gs>
+          </a:gsLst>
+          <a:lin ang="5400000" scaled="0"/>
+        </a:gradFill>
+        <a:gradFill rotWithShape="1">
+          <a:gsLst>
+            <a:gs pos="0">
+              <a:schemeClr val="phClr">
+                <a:tint val="90000"/>
                 <a:lumMod val="110000"/>
               </a:schemeClr>
             </a:gs>
             <a:gs pos="100000">
               <a:schemeClr val="phClr">
-                <a:shade val="64000"/>
-                <a:lumMod val="98000"/>
+                <a:shade val="94000"/>
+                <a:lumMod val="96000"/>
               </a:schemeClr>
             </a:gs>
           </a:gsLst>
-          <a:lin ang="5400000" scaled="0"/>
+          <a:path path="circle">
+            <a:fillToRect l="50000" t="50000" r="100000" b="100000"/>
+          </a:path>
         </a:gradFill>
-        <a:blipFill rotWithShape="1">
-          <a:blip xmlns:r="http://schemas.openxmlformats.org/officeDocument/2006/relationships" r:embed="rId1">
-            <a:duotone>
-              <a:schemeClr val="phClr">
-                <a:shade val="76000"/>
-                <a:satMod val="180000"/>
-              </a:schemeClr>
-              <a:schemeClr val="phClr">
-                <a:tint val="80000"/>
-                <a:satMod val="120000"/>
-                <a:lumMod val="180000"/>
-              </a:schemeClr>
-            </a:duotone>
-          </a:blip>
-          <a:stretch/>
-        </a:blipFill>
       </a:bgFillStyleLst>
     </a:fmtScheme>
   </a:themeElements>
@@ -7256,7 +8243,7 @@
   <a:extraClrSchemeLst/>
   <a:extLst>
     <a:ext uri="{05A4C25C-085E-4340-85A3-A5531E510DB2}">
-      <thm15:themeFamily xmlns:thm15="http://schemas.microsoft.com/office/thememl/2012/main" name="Parallax" id="{3388167B-A2EB-4685-9635-1831D9AEF8C4}" vid="{1A9F9826-882C-40B9-8F38-5A3B8CFD196D}"/>
+      <thm15:themeFamily xmlns:thm15="http://schemas.microsoft.com/office/thememl/2012/main" name="Facet" id="{C0C680CD-088A-49FC-A102-D699147F32B2}" vid="{CFBC31BA-B70F-4F30-BCAA-4F3011E16C4D}"/>
     </a:ext>
   </a:extLst>
 </a:theme>

--- a/documentação/Apresentação.pptx
+++ b/documentação/Apresentação.pptx
@@ -1,6 +1,6 @@
 
 <file path=ppt/presentation.xml><?xml version="1.0" encoding="utf-8"?>
-<p:presentation xmlns:a="http://schemas.openxmlformats.org/drawingml/2006/main" xmlns:r="http://schemas.openxmlformats.org/officeDocument/2006/relationships" xmlns:p="http://schemas.openxmlformats.org/presentationml/2006/main" autoCompressPictures="0">
+<p:presentation xmlns:a="http://schemas.openxmlformats.org/drawingml/2006/main" xmlns:r="http://schemas.openxmlformats.org/officeDocument/2006/relationships" xmlns:p="http://schemas.openxmlformats.org/presentationml/2006/main" autoCompressPictures="0" bookmarkIdSeed="2">
   <p:sldMasterIdLst>
     <p:sldMasterId id="2147483680" r:id="rId1"/>
   </p:sldMasterIdLst>
@@ -12,7 +12,8 @@
     <p:sldId id="260" r:id="rId6"/>
     <p:sldId id="261" r:id="rId7"/>
     <p:sldId id="262" r:id="rId8"/>
-    <p:sldId id="263" r:id="rId9"/>
+    <p:sldId id="264" r:id="rId9"/>
+    <p:sldId id="263" r:id="rId10"/>
   </p:sldIdLst>
   <p:sldSz cx="12192000" cy="6858000"/>
   <p:notesSz cx="6858000" cy="9144000"/>
@@ -842,7 +843,7 @@
             <a:fld id="{B61BEF0D-F0BB-DE4B-95CE-6DB70DBA9567}" type="datetimeFigureOut">
               <a:rPr lang="en-US" smtClean="0"/>
               <a:pPr/>
-              <a:t>3/21/2015</a:t>
+              <a:t>3/23/2015</a:t>
             </a:fld>
             <a:endParaRPr lang="en-US" dirty="0"/>
           </a:p>
@@ -1095,7 +1096,7 @@
             <a:fld id="{B61BEF0D-F0BB-DE4B-95CE-6DB70DBA9567}" type="datetimeFigureOut">
               <a:rPr lang="en-US" smtClean="0"/>
               <a:pPr/>
-              <a:t>3/21/2015</a:t>
+              <a:t>3/23/2015</a:t>
             </a:fld>
             <a:endParaRPr lang="en-US" dirty="0"/>
           </a:p>
@@ -1411,7 +1412,7 @@
             <a:fld id="{B61BEF0D-F0BB-DE4B-95CE-6DB70DBA9567}" type="datetimeFigureOut">
               <a:rPr lang="en-US" smtClean="0"/>
               <a:pPr/>
-              <a:t>3/21/2015</a:t>
+              <a:t>3/23/2015</a:t>
             </a:fld>
             <a:endParaRPr lang="en-US" dirty="0"/>
           </a:p>
@@ -1754,7 +1755,7 @@
             <a:fld id="{B61BEF0D-F0BB-DE4B-95CE-6DB70DBA9567}" type="datetimeFigureOut">
               <a:rPr lang="en-US" smtClean="0"/>
               <a:pPr/>
-              <a:t>3/21/2015</a:t>
+              <a:t>3/23/2015</a:t>
             </a:fld>
             <a:endParaRPr lang="en-US" dirty="0"/>
           </a:p>
@@ -2070,7 +2071,7 @@
             <a:fld id="{B61BEF0D-F0BB-DE4B-95CE-6DB70DBA9567}" type="datetimeFigureOut">
               <a:rPr lang="en-US" smtClean="0"/>
               <a:pPr/>
-              <a:t>3/21/2015</a:t>
+              <a:t>3/23/2015</a:t>
             </a:fld>
             <a:endParaRPr lang="en-US" dirty="0"/>
           </a:p>
@@ -2465,7 +2466,7 @@
             <a:fld id="{B61BEF0D-F0BB-DE4B-95CE-6DB70DBA9567}" type="datetimeFigureOut">
               <a:rPr lang="en-US" smtClean="0"/>
               <a:pPr/>
-              <a:t>3/21/2015</a:t>
+              <a:t>3/23/2015</a:t>
             </a:fld>
             <a:endParaRPr lang="en-US" dirty="0"/>
           </a:p>
@@ -2637,7 +2638,7 @@
             <a:fld id="{B61BEF0D-F0BB-DE4B-95CE-6DB70DBA9567}" type="datetimeFigureOut">
               <a:rPr lang="en-US" smtClean="0"/>
               <a:pPr/>
-              <a:t>3/21/2015</a:t>
+              <a:t>3/23/2015</a:t>
             </a:fld>
             <a:endParaRPr lang="en-US" dirty="0"/>
           </a:p>
@@ -2819,7 +2820,7 @@
             <a:fld id="{B61BEF0D-F0BB-DE4B-95CE-6DB70DBA9567}" type="datetimeFigureOut">
               <a:rPr lang="en-US" smtClean="0"/>
               <a:pPr/>
-              <a:t>3/21/2015</a:t>
+              <a:t>3/23/2015</a:t>
             </a:fld>
             <a:endParaRPr lang="en-US" dirty="0"/>
           </a:p>
@@ -2997,7 +2998,7 @@
             <a:fld id="{B61BEF0D-F0BB-DE4B-95CE-6DB70DBA9567}" type="datetimeFigureOut">
               <a:rPr lang="en-US" smtClean="0"/>
               <a:pPr/>
-              <a:t>3/21/2015</a:t>
+              <a:t>3/23/2015</a:t>
             </a:fld>
             <a:endParaRPr lang="en-US" dirty="0"/>
           </a:p>
@@ -3246,7 +3247,7 @@
             <a:fld id="{B61BEF0D-F0BB-DE4B-95CE-6DB70DBA9567}" type="datetimeFigureOut">
               <a:rPr lang="en-US" smtClean="0"/>
               <a:pPr/>
-              <a:t>3/21/2015</a:t>
+              <a:t>3/23/2015</a:t>
             </a:fld>
             <a:endParaRPr lang="en-US" dirty="0"/>
           </a:p>
@@ -3480,7 +3481,7 @@
             <a:fld id="{B61BEF0D-F0BB-DE4B-95CE-6DB70DBA9567}" type="datetimeFigureOut">
               <a:rPr lang="en-US" smtClean="0"/>
               <a:pPr/>
-              <a:t>3/21/2015</a:t>
+              <a:t>3/23/2015</a:t>
             </a:fld>
             <a:endParaRPr lang="en-US" dirty="0"/>
           </a:p>
@@ -3856,7 +3857,7 @@
             <a:fld id="{B61BEF0D-F0BB-DE4B-95CE-6DB70DBA9567}" type="datetimeFigureOut">
               <a:rPr lang="en-US" smtClean="0"/>
               <a:pPr/>
-              <a:t>3/21/2015</a:t>
+              <a:t>3/23/2015</a:t>
             </a:fld>
             <a:endParaRPr lang="en-US" dirty="0"/>
           </a:p>
@@ -3981,7 +3982,7 @@
             <a:fld id="{B61BEF0D-F0BB-DE4B-95CE-6DB70DBA9567}" type="datetimeFigureOut">
               <a:rPr lang="en-US" smtClean="0"/>
               <a:pPr/>
-              <a:t>3/21/2015</a:t>
+              <a:t>3/23/2015</a:t>
             </a:fld>
             <a:endParaRPr lang="en-US" dirty="0"/>
           </a:p>
@@ -4078,7 +4079,7 @@
             <a:fld id="{B61BEF0D-F0BB-DE4B-95CE-6DB70DBA9567}" type="datetimeFigureOut">
               <a:rPr lang="en-US" smtClean="0"/>
               <a:pPr/>
-              <a:t>3/21/2015</a:t>
+              <a:t>3/23/2015</a:t>
             </a:fld>
             <a:endParaRPr lang="en-US" dirty="0"/>
           </a:p>
@@ -4335,7 +4336,7 @@
             <a:fld id="{B61BEF0D-F0BB-DE4B-95CE-6DB70DBA9567}" type="datetimeFigureOut">
               <a:rPr lang="en-US" smtClean="0"/>
               <a:pPr/>
-              <a:t>3/21/2015</a:t>
+              <a:t>3/23/2015</a:t>
             </a:fld>
             <a:endParaRPr lang="en-US" dirty="0"/>
           </a:p>
@@ -4600,7 +4601,7 @@
             <a:fld id="{B61BEF0D-F0BB-DE4B-95CE-6DB70DBA9567}" type="datetimeFigureOut">
               <a:rPr lang="en-US" smtClean="0"/>
               <a:pPr/>
-              <a:t>3/21/2015</a:t>
+              <a:t>3/23/2015</a:t>
             </a:fld>
             <a:endParaRPr lang="en-US" dirty="0"/>
           </a:p>
@@ -5345,7 +5346,7 @@
             <a:fld id="{B61BEF0D-F0BB-DE4B-95CE-6DB70DBA9567}" type="datetimeFigureOut">
               <a:rPr lang="en-US" smtClean="0"/>
               <a:pPr/>
-              <a:t>3/21/2015</a:t>
+              <a:t>3/23/2015</a:t>
             </a:fld>
             <a:endParaRPr lang="en-US" dirty="0"/>
           </a:p>
@@ -6205,11 +6206,7 @@
             </a:pPr>
             <a:r>
               <a:rPr lang="pt-BR" dirty="0" smtClean="0"/>
-              <a:t>Luiz Fernando dos </a:t>
-            </a:r>
-            <a:r>
-              <a:rPr lang="pt-BR" dirty="0" smtClean="0"/>
-              <a:t>Santos</a:t>
+              <a:t>Luiz Fernando dos Santos</a:t>
             </a:r>
           </a:p>
           <a:p>
@@ -7785,6 +7782,2911 @@
 </file>
 
 <file path=ppt/slides/slide8.xml><?xml version="1.0" encoding="utf-8"?>
+<p:sld xmlns:a="http://schemas.openxmlformats.org/drawingml/2006/main" xmlns:r="http://schemas.openxmlformats.org/officeDocument/2006/relationships" xmlns:p="http://schemas.openxmlformats.org/presentationml/2006/main">
+  <p:cSld>
+    <p:spTree>
+      <p:nvGrpSpPr>
+        <p:cNvPr id="1" name=""/>
+        <p:cNvGrpSpPr/>
+        <p:nvPr/>
+      </p:nvGrpSpPr>
+      <p:grpSpPr>
+        <a:xfrm>
+          <a:off x="0" y="0"/>
+          <a:ext cx="0" cy="0"/>
+          <a:chOff x="0" y="0"/>
+          <a:chExt cx="0" cy="0"/>
+        </a:xfrm>
+      </p:grpSpPr>
+      <p:sp>
+        <p:nvSpPr>
+          <p:cNvPr id="2" name="Título 1"/>
+          <p:cNvSpPr>
+            <a:spLocks noGrp="1"/>
+          </p:cNvSpPr>
+          <p:nvPr>
+            <p:ph type="title"/>
+          </p:nvPr>
+        </p:nvSpPr>
+        <p:spPr/>
+        <p:txBody>
+          <a:bodyPr/>
+          <a:lstStyle/>
+          <a:p>
+            <a:r>
+              <a:rPr lang="pt-BR" dirty="0" smtClean="0"/>
+              <a:t>Conclusão</a:t>
+            </a:r>
+            <a:endParaRPr lang="pt-BR" dirty="0"/>
+          </a:p>
+        </p:txBody>
+      </p:sp>
+      <p:graphicFrame>
+        <p:nvGraphicFramePr>
+          <p:cNvPr id="9" name="Espaço Reservado para Conteúdo 8"/>
+          <p:cNvGraphicFramePr>
+            <a:graphicFrameLocks noGrp="1"/>
+          </p:cNvGraphicFramePr>
+          <p:nvPr>
+            <p:ph idx="1"/>
+            <p:extLst>
+              <p:ext uri="{D42A27DB-BD31-4B8C-83A1-F6EECF244321}">
+                <p14:modId xmlns:p14="http://schemas.microsoft.com/office/powerpoint/2010/main" val="862276911"/>
+              </p:ext>
+            </p:extLst>
+          </p:nvPr>
+        </p:nvGraphicFramePr>
+        <p:xfrm>
+          <a:off x="1135842" y="2112008"/>
+          <a:ext cx="3688080" cy="1193038"/>
+        </p:xfrm>
+        <a:graphic>
+          <a:graphicData uri="http://schemas.openxmlformats.org/drawingml/2006/table">
+            <a:tbl>
+              <a:tblPr firstRow="1" firstCol="1" bandRow="1">
+                <a:tableStyleId>{5C22544A-7EE6-4342-B048-85BDC9FD1C3A}</a:tableStyleId>
+              </a:tblPr>
+              <a:tblGrid>
+                <a:gridCol w="1167130"/>
+                <a:gridCol w="1260475"/>
+                <a:gridCol w="1260475"/>
+              </a:tblGrid>
+              <a:tr h="0">
+                <a:tc>
+                  <a:txBody>
+                    <a:bodyPr/>
+                    <a:lstStyle/>
+                    <a:p>
+                      <a:pPr algn="ctr">
+                        <a:lnSpc>
+                          <a:spcPct val="107000"/>
+                        </a:lnSpc>
+                        <a:spcAft>
+                          <a:spcPts val="0"/>
+                        </a:spcAft>
+                      </a:pPr>
+                      <a:r>
+                        <a:rPr lang="pt-BR" sz="1100">
+                          <a:effectLst/>
+                        </a:rPr>
+                        <a:t>Posição</a:t>
+                      </a:r>
+                      <a:endParaRPr lang="pt-BR" sz="1100">
+                        <a:effectLst/>
+                        <a:latin typeface="Calibri" panose="020F0502020204030204" pitchFamily="34" charset="0"/>
+                        <a:ea typeface="Calibri" panose="020F0502020204030204" pitchFamily="34" charset="0"/>
+                        <a:cs typeface="Times New Roman" panose="02020603050405020304" pitchFamily="18" charset="0"/>
+                      </a:endParaRPr>
+                    </a:p>
+                  </a:txBody>
+                  <a:tcPr marL="68580" marR="68580" marT="0" marB="0"/>
+                </a:tc>
+                <a:tc>
+                  <a:txBody>
+                    <a:bodyPr/>
+                    <a:lstStyle/>
+                    <a:p>
+                      <a:pPr algn="ctr">
+                        <a:lnSpc>
+                          <a:spcPct val="107000"/>
+                        </a:lnSpc>
+                        <a:spcAft>
+                          <a:spcPts val="0"/>
+                        </a:spcAft>
+                      </a:pPr>
+                      <a:r>
+                        <a:rPr lang="pt-BR" sz="1100">
+                          <a:effectLst/>
+                        </a:rPr>
+                        <a:t>Nome</a:t>
+                      </a:r>
+                      <a:endParaRPr lang="pt-BR" sz="1100">
+                        <a:effectLst/>
+                        <a:latin typeface="Calibri" panose="020F0502020204030204" pitchFamily="34" charset="0"/>
+                        <a:ea typeface="Calibri" panose="020F0502020204030204" pitchFamily="34" charset="0"/>
+                        <a:cs typeface="Times New Roman" panose="02020603050405020304" pitchFamily="18" charset="0"/>
+                      </a:endParaRPr>
+                    </a:p>
+                  </a:txBody>
+                  <a:tcPr marL="68580" marR="68580" marT="0" marB="0"/>
+                </a:tc>
+                <a:tc>
+                  <a:txBody>
+                    <a:bodyPr/>
+                    <a:lstStyle/>
+                    <a:p>
+                      <a:pPr algn="ctr">
+                        <a:lnSpc>
+                          <a:spcPct val="107000"/>
+                        </a:lnSpc>
+                        <a:spcAft>
+                          <a:spcPts val="0"/>
+                        </a:spcAft>
+                      </a:pPr>
+                      <a:r>
+                        <a:rPr lang="pt-BR" sz="1100">
+                          <a:effectLst/>
+                        </a:rPr>
+                        <a:t>Tempo</a:t>
+                      </a:r>
+                      <a:endParaRPr lang="pt-BR" sz="1100">
+                        <a:effectLst/>
+                        <a:latin typeface="Calibri" panose="020F0502020204030204" pitchFamily="34" charset="0"/>
+                        <a:ea typeface="Calibri" panose="020F0502020204030204" pitchFamily="34" charset="0"/>
+                        <a:cs typeface="Times New Roman" panose="02020603050405020304" pitchFamily="18" charset="0"/>
+                      </a:endParaRPr>
+                    </a:p>
+                  </a:txBody>
+                  <a:tcPr marL="68580" marR="68580" marT="0" marB="0"/>
+                </a:tc>
+              </a:tr>
+              <a:tr h="0">
+                <a:tc>
+                  <a:txBody>
+                    <a:bodyPr/>
+                    <a:lstStyle/>
+                    <a:p>
+                      <a:pPr algn="ctr">
+                        <a:lnSpc>
+                          <a:spcPct val="107000"/>
+                        </a:lnSpc>
+                        <a:spcAft>
+                          <a:spcPts val="0"/>
+                        </a:spcAft>
+                      </a:pPr>
+                      <a:r>
+                        <a:rPr lang="pt-BR" sz="1100">
+                          <a:effectLst/>
+                        </a:rPr>
+                        <a:t>1º</a:t>
+                      </a:r>
+                      <a:endParaRPr lang="pt-BR" sz="1100">
+                        <a:effectLst/>
+                        <a:latin typeface="Calibri" panose="020F0502020204030204" pitchFamily="34" charset="0"/>
+                        <a:ea typeface="Calibri" panose="020F0502020204030204" pitchFamily="34" charset="0"/>
+                        <a:cs typeface="Times New Roman" panose="02020603050405020304" pitchFamily="18" charset="0"/>
+                      </a:endParaRPr>
+                    </a:p>
+                  </a:txBody>
+                  <a:tcPr marL="68580" marR="68580" marT="0" marB="0"/>
+                </a:tc>
+                <a:tc>
+                  <a:txBody>
+                    <a:bodyPr/>
+                    <a:lstStyle/>
+                    <a:p>
+                      <a:pPr algn="ctr">
+                        <a:lnSpc>
+                          <a:spcPct val="107000"/>
+                        </a:lnSpc>
+                        <a:spcAft>
+                          <a:spcPts val="0"/>
+                        </a:spcAft>
+                      </a:pPr>
+                      <a:r>
+                        <a:rPr lang="pt-BR" sz="1100">
+                          <a:effectLst/>
+                        </a:rPr>
+                        <a:t>Quick Sort</a:t>
+                      </a:r>
+                      <a:endParaRPr lang="pt-BR" sz="1100">
+                        <a:effectLst/>
+                        <a:latin typeface="Calibri" panose="020F0502020204030204" pitchFamily="34" charset="0"/>
+                        <a:ea typeface="Calibri" panose="020F0502020204030204" pitchFamily="34" charset="0"/>
+                        <a:cs typeface="Times New Roman" panose="02020603050405020304" pitchFamily="18" charset="0"/>
+                      </a:endParaRPr>
+                    </a:p>
+                  </a:txBody>
+                  <a:tcPr marL="68580" marR="68580" marT="0" marB="0"/>
+                </a:tc>
+                <a:tc>
+                  <a:txBody>
+                    <a:bodyPr/>
+                    <a:lstStyle/>
+                    <a:p>
+                      <a:pPr algn="ctr">
+                        <a:lnSpc>
+                          <a:spcPct val="107000"/>
+                        </a:lnSpc>
+                        <a:spcAft>
+                          <a:spcPts val="0"/>
+                        </a:spcAft>
+                      </a:pPr>
+                      <a:r>
+                        <a:rPr lang="pt-BR" sz="1100">
+                          <a:effectLst/>
+                        </a:rPr>
+                        <a:t>3ms</a:t>
+                      </a:r>
+                      <a:endParaRPr lang="pt-BR" sz="1100">
+                        <a:effectLst/>
+                        <a:latin typeface="Calibri" panose="020F0502020204030204" pitchFamily="34" charset="0"/>
+                        <a:ea typeface="Calibri" panose="020F0502020204030204" pitchFamily="34" charset="0"/>
+                        <a:cs typeface="Times New Roman" panose="02020603050405020304" pitchFamily="18" charset="0"/>
+                      </a:endParaRPr>
+                    </a:p>
+                  </a:txBody>
+                  <a:tcPr marL="68580" marR="68580" marT="0" marB="0"/>
+                </a:tc>
+              </a:tr>
+              <a:tr h="0">
+                <a:tc>
+                  <a:txBody>
+                    <a:bodyPr/>
+                    <a:lstStyle/>
+                    <a:p>
+                      <a:pPr algn="ctr">
+                        <a:lnSpc>
+                          <a:spcPct val="107000"/>
+                        </a:lnSpc>
+                        <a:spcAft>
+                          <a:spcPts val="0"/>
+                        </a:spcAft>
+                      </a:pPr>
+                      <a:r>
+                        <a:rPr lang="pt-BR" sz="1100">
+                          <a:effectLst/>
+                        </a:rPr>
+                        <a:t>1º</a:t>
+                      </a:r>
+                      <a:endParaRPr lang="pt-BR" sz="1100">
+                        <a:effectLst/>
+                        <a:latin typeface="Calibri" panose="020F0502020204030204" pitchFamily="34" charset="0"/>
+                        <a:ea typeface="Calibri" panose="020F0502020204030204" pitchFamily="34" charset="0"/>
+                        <a:cs typeface="Times New Roman" panose="02020603050405020304" pitchFamily="18" charset="0"/>
+                      </a:endParaRPr>
+                    </a:p>
+                  </a:txBody>
+                  <a:tcPr marL="68580" marR="68580" marT="0" marB="0"/>
+                </a:tc>
+                <a:tc>
+                  <a:txBody>
+                    <a:bodyPr/>
+                    <a:lstStyle/>
+                    <a:p>
+                      <a:pPr algn="ctr">
+                        <a:lnSpc>
+                          <a:spcPct val="107000"/>
+                        </a:lnSpc>
+                        <a:spcAft>
+                          <a:spcPts val="0"/>
+                        </a:spcAft>
+                      </a:pPr>
+                      <a:r>
+                        <a:rPr lang="pt-BR" sz="1100">
+                          <a:effectLst/>
+                        </a:rPr>
+                        <a:t>HeapSort</a:t>
+                      </a:r>
+                      <a:endParaRPr lang="pt-BR" sz="1100">
+                        <a:effectLst/>
+                        <a:latin typeface="Calibri" panose="020F0502020204030204" pitchFamily="34" charset="0"/>
+                        <a:ea typeface="Calibri" panose="020F0502020204030204" pitchFamily="34" charset="0"/>
+                        <a:cs typeface="Times New Roman" panose="02020603050405020304" pitchFamily="18" charset="0"/>
+                      </a:endParaRPr>
+                    </a:p>
+                  </a:txBody>
+                  <a:tcPr marL="68580" marR="68580" marT="0" marB="0"/>
+                </a:tc>
+                <a:tc>
+                  <a:txBody>
+                    <a:bodyPr/>
+                    <a:lstStyle/>
+                    <a:p>
+                      <a:pPr algn="ctr">
+                        <a:lnSpc>
+                          <a:spcPct val="107000"/>
+                        </a:lnSpc>
+                        <a:spcAft>
+                          <a:spcPts val="0"/>
+                        </a:spcAft>
+                      </a:pPr>
+                      <a:r>
+                        <a:rPr lang="pt-BR" sz="1100">
+                          <a:effectLst/>
+                        </a:rPr>
+                        <a:t>3ms</a:t>
+                      </a:r>
+                      <a:endParaRPr lang="pt-BR" sz="1100">
+                        <a:effectLst/>
+                        <a:latin typeface="Calibri" panose="020F0502020204030204" pitchFamily="34" charset="0"/>
+                        <a:ea typeface="Calibri" panose="020F0502020204030204" pitchFamily="34" charset="0"/>
+                        <a:cs typeface="Times New Roman" panose="02020603050405020304" pitchFamily="18" charset="0"/>
+                      </a:endParaRPr>
+                    </a:p>
+                  </a:txBody>
+                  <a:tcPr marL="68580" marR="68580" marT="0" marB="0"/>
+                </a:tc>
+              </a:tr>
+              <a:tr h="0">
+                <a:tc>
+                  <a:txBody>
+                    <a:bodyPr/>
+                    <a:lstStyle/>
+                    <a:p>
+                      <a:pPr algn="ctr">
+                        <a:lnSpc>
+                          <a:spcPct val="107000"/>
+                        </a:lnSpc>
+                        <a:spcAft>
+                          <a:spcPts val="0"/>
+                        </a:spcAft>
+                      </a:pPr>
+                      <a:r>
+                        <a:rPr lang="pt-BR" sz="1100">
+                          <a:effectLst/>
+                        </a:rPr>
+                        <a:t>2º</a:t>
+                      </a:r>
+                      <a:endParaRPr lang="pt-BR" sz="1100">
+                        <a:effectLst/>
+                        <a:latin typeface="Calibri" panose="020F0502020204030204" pitchFamily="34" charset="0"/>
+                        <a:ea typeface="Calibri" panose="020F0502020204030204" pitchFamily="34" charset="0"/>
+                        <a:cs typeface="Times New Roman" panose="02020603050405020304" pitchFamily="18" charset="0"/>
+                      </a:endParaRPr>
+                    </a:p>
+                  </a:txBody>
+                  <a:tcPr marL="68580" marR="68580" marT="0" marB="0"/>
+                </a:tc>
+                <a:tc>
+                  <a:txBody>
+                    <a:bodyPr/>
+                    <a:lstStyle/>
+                    <a:p>
+                      <a:pPr algn="ctr">
+                        <a:lnSpc>
+                          <a:spcPct val="107000"/>
+                        </a:lnSpc>
+                        <a:spcAft>
+                          <a:spcPts val="0"/>
+                        </a:spcAft>
+                      </a:pPr>
+                      <a:r>
+                        <a:rPr lang="pt-BR" sz="1100">
+                          <a:effectLst/>
+                        </a:rPr>
+                        <a:t>Merge Sort</a:t>
+                      </a:r>
+                      <a:endParaRPr lang="pt-BR" sz="1100">
+                        <a:effectLst/>
+                        <a:latin typeface="Calibri" panose="020F0502020204030204" pitchFamily="34" charset="0"/>
+                        <a:ea typeface="Calibri" panose="020F0502020204030204" pitchFamily="34" charset="0"/>
+                        <a:cs typeface="Times New Roman" panose="02020603050405020304" pitchFamily="18" charset="0"/>
+                      </a:endParaRPr>
+                    </a:p>
+                  </a:txBody>
+                  <a:tcPr marL="68580" marR="68580" marT="0" marB="0"/>
+                </a:tc>
+                <a:tc>
+                  <a:txBody>
+                    <a:bodyPr/>
+                    <a:lstStyle/>
+                    <a:p>
+                      <a:pPr algn="ctr">
+                        <a:lnSpc>
+                          <a:spcPct val="107000"/>
+                        </a:lnSpc>
+                        <a:spcAft>
+                          <a:spcPts val="0"/>
+                        </a:spcAft>
+                      </a:pPr>
+                      <a:r>
+                        <a:rPr lang="pt-BR" sz="1100">
+                          <a:effectLst/>
+                        </a:rPr>
+                        <a:t>44ms</a:t>
+                      </a:r>
+                      <a:endParaRPr lang="pt-BR" sz="1100">
+                        <a:effectLst/>
+                        <a:latin typeface="Calibri" panose="020F0502020204030204" pitchFamily="34" charset="0"/>
+                        <a:ea typeface="Calibri" panose="020F0502020204030204" pitchFamily="34" charset="0"/>
+                        <a:cs typeface="Times New Roman" panose="02020603050405020304" pitchFamily="18" charset="0"/>
+                      </a:endParaRPr>
+                    </a:p>
+                  </a:txBody>
+                  <a:tcPr marL="68580" marR="68580" marT="0" marB="0"/>
+                </a:tc>
+              </a:tr>
+              <a:tr h="0">
+                <a:tc>
+                  <a:txBody>
+                    <a:bodyPr/>
+                    <a:lstStyle/>
+                    <a:p>
+                      <a:pPr algn="ctr">
+                        <a:lnSpc>
+                          <a:spcPct val="107000"/>
+                        </a:lnSpc>
+                        <a:spcAft>
+                          <a:spcPts val="0"/>
+                        </a:spcAft>
+                      </a:pPr>
+                      <a:r>
+                        <a:rPr lang="pt-BR" sz="1100">
+                          <a:effectLst/>
+                        </a:rPr>
+                        <a:t>3º</a:t>
+                      </a:r>
+                      <a:endParaRPr lang="pt-BR" sz="1100">
+                        <a:effectLst/>
+                        <a:latin typeface="Calibri" panose="020F0502020204030204" pitchFamily="34" charset="0"/>
+                        <a:ea typeface="Calibri" panose="020F0502020204030204" pitchFamily="34" charset="0"/>
+                        <a:cs typeface="Times New Roman" panose="02020603050405020304" pitchFamily="18" charset="0"/>
+                      </a:endParaRPr>
+                    </a:p>
+                  </a:txBody>
+                  <a:tcPr marL="68580" marR="68580" marT="0" marB="0"/>
+                </a:tc>
+                <a:tc>
+                  <a:txBody>
+                    <a:bodyPr/>
+                    <a:lstStyle/>
+                    <a:p>
+                      <a:pPr algn="ctr">
+                        <a:lnSpc>
+                          <a:spcPct val="107000"/>
+                        </a:lnSpc>
+                        <a:spcAft>
+                          <a:spcPts val="0"/>
+                        </a:spcAft>
+                      </a:pPr>
+                      <a:r>
+                        <a:rPr lang="pt-BR" sz="1100">
+                          <a:effectLst/>
+                        </a:rPr>
+                        <a:t>Insertion Sort</a:t>
+                      </a:r>
+                      <a:endParaRPr lang="pt-BR" sz="1100">
+                        <a:effectLst/>
+                        <a:latin typeface="Calibri" panose="020F0502020204030204" pitchFamily="34" charset="0"/>
+                        <a:ea typeface="Calibri" panose="020F0502020204030204" pitchFamily="34" charset="0"/>
+                        <a:cs typeface="Times New Roman" panose="02020603050405020304" pitchFamily="18" charset="0"/>
+                      </a:endParaRPr>
+                    </a:p>
+                  </a:txBody>
+                  <a:tcPr marL="68580" marR="68580" marT="0" marB="0"/>
+                </a:tc>
+                <a:tc>
+                  <a:txBody>
+                    <a:bodyPr/>
+                    <a:lstStyle/>
+                    <a:p>
+                      <a:pPr algn="ctr">
+                        <a:lnSpc>
+                          <a:spcPct val="107000"/>
+                        </a:lnSpc>
+                        <a:spcAft>
+                          <a:spcPts val="0"/>
+                        </a:spcAft>
+                      </a:pPr>
+                      <a:r>
+                        <a:rPr lang="pt-BR" sz="1100">
+                          <a:effectLst/>
+                        </a:rPr>
+                        <a:t>273ms</a:t>
+                      </a:r>
+                      <a:endParaRPr lang="pt-BR" sz="1100">
+                        <a:effectLst/>
+                        <a:latin typeface="Calibri" panose="020F0502020204030204" pitchFamily="34" charset="0"/>
+                        <a:ea typeface="Calibri" panose="020F0502020204030204" pitchFamily="34" charset="0"/>
+                        <a:cs typeface="Times New Roman" panose="02020603050405020304" pitchFamily="18" charset="0"/>
+                      </a:endParaRPr>
+                    </a:p>
+                  </a:txBody>
+                  <a:tcPr marL="68580" marR="68580" marT="0" marB="0"/>
+                </a:tc>
+              </a:tr>
+              <a:tr h="0">
+                <a:tc>
+                  <a:txBody>
+                    <a:bodyPr/>
+                    <a:lstStyle/>
+                    <a:p>
+                      <a:pPr algn="ctr">
+                        <a:lnSpc>
+                          <a:spcPct val="107000"/>
+                        </a:lnSpc>
+                        <a:spcAft>
+                          <a:spcPts val="0"/>
+                        </a:spcAft>
+                      </a:pPr>
+                      <a:r>
+                        <a:rPr lang="pt-BR" sz="1100">
+                          <a:effectLst/>
+                        </a:rPr>
+                        <a:t>4º</a:t>
+                      </a:r>
+                      <a:endParaRPr lang="pt-BR" sz="1100">
+                        <a:effectLst/>
+                        <a:latin typeface="Calibri" panose="020F0502020204030204" pitchFamily="34" charset="0"/>
+                        <a:ea typeface="Calibri" panose="020F0502020204030204" pitchFamily="34" charset="0"/>
+                        <a:cs typeface="Times New Roman" panose="02020603050405020304" pitchFamily="18" charset="0"/>
+                      </a:endParaRPr>
+                    </a:p>
+                  </a:txBody>
+                  <a:tcPr marL="68580" marR="68580" marT="0" marB="0"/>
+                </a:tc>
+                <a:tc>
+                  <a:txBody>
+                    <a:bodyPr/>
+                    <a:lstStyle/>
+                    <a:p>
+                      <a:pPr algn="ctr">
+                        <a:lnSpc>
+                          <a:spcPct val="107000"/>
+                        </a:lnSpc>
+                        <a:spcAft>
+                          <a:spcPts val="0"/>
+                        </a:spcAft>
+                      </a:pPr>
+                      <a:r>
+                        <a:rPr lang="pt-BR" sz="1100">
+                          <a:effectLst/>
+                        </a:rPr>
+                        <a:t>Gnome Sort</a:t>
+                      </a:r>
+                      <a:endParaRPr lang="pt-BR" sz="1100">
+                        <a:effectLst/>
+                        <a:latin typeface="Calibri" panose="020F0502020204030204" pitchFamily="34" charset="0"/>
+                        <a:ea typeface="Calibri" panose="020F0502020204030204" pitchFamily="34" charset="0"/>
+                        <a:cs typeface="Times New Roman" panose="02020603050405020304" pitchFamily="18" charset="0"/>
+                      </a:endParaRPr>
+                    </a:p>
+                  </a:txBody>
+                  <a:tcPr marL="68580" marR="68580" marT="0" marB="0"/>
+                </a:tc>
+                <a:tc>
+                  <a:txBody>
+                    <a:bodyPr/>
+                    <a:lstStyle/>
+                    <a:p>
+                      <a:pPr algn="ctr">
+                        <a:lnSpc>
+                          <a:spcPct val="107000"/>
+                        </a:lnSpc>
+                        <a:spcAft>
+                          <a:spcPts val="0"/>
+                        </a:spcAft>
+                      </a:pPr>
+                      <a:r>
+                        <a:rPr lang="pt-BR" sz="1100">
+                          <a:effectLst/>
+                        </a:rPr>
+                        <a:t>687ms</a:t>
+                      </a:r>
+                      <a:endParaRPr lang="pt-BR" sz="1100">
+                        <a:effectLst/>
+                        <a:latin typeface="Calibri" panose="020F0502020204030204" pitchFamily="34" charset="0"/>
+                        <a:ea typeface="Calibri" panose="020F0502020204030204" pitchFamily="34" charset="0"/>
+                        <a:cs typeface="Times New Roman" panose="02020603050405020304" pitchFamily="18" charset="0"/>
+                      </a:endParaRPr>
+                    </a:p>
+                  </a:txBody>
+                  <a:tcPr marL="68580" marR="68580" marT="0" marB="0"/>
+                </a:tc>
+              </a:tr>
+              <a:tr h="0">
+                <a:tc>
+                  <a:txBody>
+                    <a:bodyPr/>
+                    <a:lstStyle/>
+                    <a:p>
+                      <a:pPr algn="ctr">
+                        <a:lnSpc>
+                          <a:spcPct val="107000"/>
+                        </a:lnSpc>
+                        <a:spcAft>
+                          <a:spcPts val="0"/>
+                        </a:spcAft>
+                      </a:pPr>
+                      <a:r>
+                        <a:rPr lang="pt-BR" sz="1100">
+                          <a:effectLst/>
+                        </a:rPr>
+                        <a:t>5º</a:t>
+                      </a:r>
+                      <a:endParaRPr lang="pt-BR" sz="1100">
+                        <a:effectLst/>
+                        <a:latin typeface="Calibri" panose="020F0502020204030204" pitchFamily="34" charset="0"/>
+                        <a:ea typeface="Calibri" panose="020F0502020204030204" pitchFamily="34" charset="0"/>
+                        <a:cs typeface="Times New Roman" panose="02020603050405020304" pitchFamily="18" charset="0"/>
+                      </a:endParaRPr>
+                    </a:p>
+                  </a:txBody>
+                  <a:tcPr marL="68580" marR="68580" marT="0" marB="0"/>
+                </a:tc>
+                <a:tc>
+                  <a:txBody>
+                    <a:bodyPr/>
+                    <a:lstStyle/>
+                    <a:p>
+                      <a:pPr algn="ctr">
+                        <a:lnSpc>
+                          <a:spcPct val="107000"/>
+                        </a:lnSpc>
+                        <a:spcAft>
+                          <a:spcPts val="0"/>
+                        </a:spcAft>
+                      </a:pPr>
+                      <a:r>
+                        <a:rPr lang="pt-BR" sz="1100">
+                          <a:effectLst/>
+                        </a:rPr>
+                        <a:t>Bubble Sort</a:t>
+                      </a:r>
+                      <a:endParaRPr lang="pt-BR" sz="1100">
+                        <a:effectLst/>
+                        <a:latin typeface="Calibri" panose="020F0502020204030204" pitchFamily="34" charset="0"/>
+                        <a:ea typeface="Calibri" panose="020F0502020204030204" pitchFamily="34" charset="0"/>
+                        <a:cs typeface="Times New Roman" panose="02020603050405020304" pitchFamily="18" charset="0"/>
+                      </a:endParaRPr>
+                    </a:p>
+                  </a:txBody>
+                  <a:tcPr marL="68580" marR="68580" marT="0" marB="0"/>
+                </a:tc>
+                <a:tc>
+                  <a:txBody>
+                    <a:bodyPr/>
+                    <a:lstStyle/>
+                    <a:p>
+                      <a:pPr algn="ctr">
+                        <a:lnSpc>
+                          <a:spcPct val="107000"/>
+                        </a:lnSpc>
+                        <a:spcAft>
+                          <a:spcPts val="0"/>
+                        </a:spcAft>
+                      </a:pPr>
+                      <a:r>
+                        <a:rPr lang="pt-BR" sz="1100" dirty="0">
+                          <a:effectLst/>
+                        </a:rPr>
+                        <a:t>975ms</a:t>
+                      </a:r>
+                      <a:endParaRPr lang="pt-BR" sz="1100" dirty="0">
+                        <a:effectLst/>
+                        <a:latin typeface="Calibri" panose="020F0502020204030204" pitchFamily="34" charset="0"/>
+                        <a:ea typeface="Calibri" panose="020F0502020204030204" pitchFamily="34" charset="0"/>
+                        <a:cs typeface="Times New Roman" panose="02020603050405020304" pitchFamily="18" charset="0"/>
+                      </a:endParaRPr>
+                    </a:p>
+                  </a:txBody>
+                  <a:tcPr marL="68580" marR="68580" marT="0" marB="0"/>
+                </a:tc>
+              </a:tr>
+            </a:tbl>
+          </a:graphicData>
+        </a:graphic>
+      </p:graphicFrame>
+      <p:graphicFrame>
+        <p:nvGraphicFramePr>
+          <p:cNvPr id="10" name="Tabela 9"/>
+          <p:cNvGraphicFramePr>
+            <a:graphicFrameLocks noGrp="1"/>
+          </p:cNvGraphicFramePr>
+          <p:nvPr>
+            <p:extLst>
+              <p:ext uri="{D42A27DB-BD31-4B8C-83A1-F6EECF244321}">
+                <p14:modId xmlns:p14="http://schemas.microsoft.com/office/powerpoint/2010/main" val="1678820414"/>
+              </p:ext>
+            </p:extLst>
+          </p:nvPr>
+        </p:nvGraphicFramePr>
+        <p:xfrm>
+          <a:off x="1120458" y="3900168"/>
+          <a:ext cx="3688080" cy="1193038"/>
+        </p:xfrm>
+        <a:graphic>
+          <a:graphicData uri="http://schemas.openxmlformats.org/drawingml/2006/table">
+            <a:tbl>
+              <a:tblPr firstRow="1" firstCol="1" bandRow="1">
+                <a:tableStyleId>{5C22544A-7EE6-4342-B048-85BDC9FD1C3A}</a:tableStyleId>
+              </a:tblPr>
+              <a:tblGrid>
+                <a:gridCol w="1167130"/>
+                <a:gridCol w="1260475"/>
+                <a:gridCol w="1260475"/>
+              </a:tblGrid>
+              <a:tr h="0">
+                <a:tc>
+                  <a:txBody>
+                    <a:bodyPr/>
+                    <a:lstStyle/>
+                    <a:p>
+                      <a:pPr algn="ctr">
+                        <a:lnSpc>
+                          <a:spcPct val="107000"/>
+                        </a:lnSpc>
+                        <a:spcAft>
+                          <a:spcPts val="0"/>
+                        </a:spcAft>
+                      </a:pPr>
+                      <a:r>
+                        <a:rPr lang="pt-BR" sz="1100">
+                          <a:effectLst/>
+                        </a:rPr>
+                        <a:t>Posição</a:t>
+                      </a:r>
+                      <a:endParaRPr lang="pt-BR" sz="1100">
+                        <a:effectLst/>
+                        <a:latin typeface="Calibri" panose="020F0502020204030204" pitchFamily="34" charset="0"/>
+                        <a:ea typeface="Calibri" panose="020F0502020204030204" pitchFamily="34" charset="0"/>
+                        <a:cs typeface="Times New Roman" panose="02020603050405020304" pitchFamily="18" charset="0"/>
+                      </a:endParaRPr>
+                    </a:p>
+                  </a:txBody>
+                  <a:tcPr marL="68580" marR="68580" marT="0" marB="0"/>
+                </a:tc>
+                <a:tc>
+                  <a:txBody>
+                    <a:bodyPr/>
+                    <a:lstStyle/>
+                    <a:p>
+                      <a:pPr algn="ctr">
+                        <a:lnSpc>
+                          <a:spcPct val="107000"/>
+                        </a:lnSpc>
+                        <a:spcAft>
+                          <a:spcPts val="0"/>
+                        </a:spcAft>
+                      </a:pPr>
+                      <a:r>
+                        <a:rPr lang="pt-BR" sz="1100">
+                          <a:effectLst/>
+                        </a:rPr>
+                        <a:t>Nome</a:t>
+                      </a:r>
+                      <a:endParaRPr lang="pt-BR" sz="1100">
+                        <a:effectLst/>
+                        <a:latin typeface="Calibri" panose="020F0502020204030204" pitchFamily="34" charset="0"/>
+                        <a:ea typeface="Calibri" panose="020F0502020204030204" pitchFamily="34" charset="0"/>
+                        <a:cs typeface="Times New Roman" panose="02020603050405020304" pitchFamily="18" charset="0"/>
+                      </a:endParaRPr>
+                    </a:p>
+                  </a:txBody>
+                  <a:tcPr marL="68580" marR="68580" marT="0" marB="0"/>
+                </a:tc>
+                <a:tc>
+                  <a:txBody>
+                    <a:bodyPr/>
+                    <a:lstStyle/>
+                    <a:p>
+                      <a:pPr algn="ctr">
+                        <a:lnSpc>
+                          <a:spcPct val="107000"/>
+                        </a:lnSpc>
+                        <a:spcAft>
+                          <a:spcPts val="0"/>
+                        </a:spcAft>
+                      </a:pPr>
+                      <a:r>
+                        <a:rPr lang="pt-BR" sz="1100">
+                          <a:effectLst/>
+                        </a:rPr>
+                        <a:t>Tempo</a:t>
+                      </a:r>
+                      <a:endParaRPr lang="pt-BR" sz="1100">
+                        <a:effectLst/>
+                        <a:latin typeface="Calibri" panose="020F0502020204030204" pitchFamily="34" charset="0"/>
+                        <a:ea typeface="Calibri" panose="020F0502020204030204" pitchFamily="34" charset="0"/>
+                        <a:cs typeface="Times New Roman" panose="02020603050405020304" pitchFamily="18" charset="0"/>
+                      </a:endParaRPr>
+                    </a:p>
+                  </a:txBody>
+                  <a:tcPr marL="68580" marR="68580" marT="0" marB="0"/>
+                </a:tc>
+              </a:tr>
+              <a:tr h="0">
+                <a:tc>
+                  <a:txBody>
+                    <a:bodyPr/>
+                    <a:lstStyle/>
+                    <a:p>
+                      <a:pPr algn="ctr">
+                        <a:lnSpc>
+                          <a:spcPct val="107000"/>
+                        </a:lnSpc>
+                        <a:spcAft>
+                          <a:spcPts val="0"/>
+                        </a:spcAft>
+                      </a:pPr>
+                      <a:r>
+                        <a:rPr lang="pt-BR" sz="1100">
+                          <a:effectLst/>
+                        </a:rPr>
+                        <a:t>1º</a:t>
+                      </a:r>
+                      <a:endParaRPr lang="pt-BR" sz="1100">
+                        <a:effectLst/>
+                        <a:latin typeface="Calibri" panose="020F0502020204030204" pitchFamily="34" charset="0"/>
+                        <a:ea typeface="Calibri" panose="020F0502020204030204" pitchFamily="34" charset="0"/>
+                        <a:cs typeface="Times New Roman" panose="02020603050405020304" pitchFamily="18" charset="0"/>
+                      </a:endParaRPr>
+                    </a:p>
+                  </a:txBody>
+                  <a:tcPr marL="68580" marR="68580" marT="0" marB="0"/>
+                </a:tc>
+                <a:tc>
+                  <a:txBody>
+                    <a:bodyPr/>
+                    <a:lstStyle/>
+                    <a:p>
+                      <a:pPr algn="ctr">
+                        <a:lnSpc>
+                          <a:spcPct val="107000"/>
+                        </a:lnSpc>
+                        <a:spcAft>
+                          <a:spcPts val="0"/>
+                        </a:spcAft>
+                      </a:pPr>
+                      <a:r>
+                        <a:rPr lang="pt-BR" sz="1100">
+                          <a:effectLst/>
+                        </a:rPr>
+                        <a:t>Insertion Sort</a:t>
+                      </a:r>
+                      <a:endParaRPr lang="pt-BR" sz="1100">
+                        <a:effectLst/>
+                        <a:latin typeface="Calibri" panose="020F0502020204030204" pitchFamily="34" charset="0"/>
+                        <a:ea typeface="Calibri" panose="020F0502020204030204" pitchFamily="34" charset="0"/>
+                        <a:cs typeface="Times New Roman" panose="02020603050405020304" pitchFamily="18" charset="0"/>
+                      </a:endParaRPr>
+                    </a:p>
+                  </a:txBody>
+                  <a:tcPr marL="68580" marR="68580" marT="0" marB="0"/>
+                </a:tc>
+                <a:tc>
+                  <a:txBody>
+                    <a:bodyPr/>
+                    <a:lstStyle/>
+                    <a:p>
+                      <a:pPr algn="ctr">
+                        <a:lnSpc>
+                          <a:spcPct val="107000"/>
+                        </a:lnSpc>
+                        <a:spcAft>
+                          <a:spcPts val="0"/>
+                        </a:spcAft>
+                      </a:pPr>
+                      <a:r>
+                        <a:rPr lang="pt-BR" sz="1100">
+                          <a:effectLst/>
+                        </a:rPr>
+                        <a:t>&lt;1ms</a:t>
+                      </a:r>
+                      <a:endParaRPr lang="pt-BR" sz="1100">
+                        <a:effectLst/>
+                        <a:latin typeface="Calibri" panose="020F0502020204030204" pitchFamily="34" charset="0"/>
+                        <a:ea typeface="Calibri" panose="020F0502020204030204" pitchFamily="34" charset="0"/>
+                        <a:cs typeface="Times New Roman" panose="02020603050405020304" pitchFamily="18" charset="0"/>
+                      </a:endParaRPr>
+                    </a:p>
+                  </a:txBody>
+                  <a:tcPr marL="68580" marR="68580" marT="0" marB="0"/>
+                </a:tc>
+              </a:tr>
+              <a:tr h="0">
+                <a:tc>
+                  <a:txBody>
+                    <a:bodyPr/>
+                    <a:lstStyle/>
+                    <a:p>
+                      <a:pPr algn="ctr">
+                        <a:lnSpc>
+                          <a:spcPct val="107000"/>
+                        </a:lnSpc>
+                        <a:spcAft>
+                          <a:spcPts val="0"/>
+                        </a:spcAft>
+                      </a:pPr>
+                      <a:r>
+                        <a:rPr lang="pt-BR" sz="1100">
+                          <a:effectLst/>
+                        </a:rPr>
+                        <a:t>1º</a:t>
+                      </a:r>
+                      <a:endParaRPr lang="pt-BR" sz="1100">
+                        <a:effectLst/>
+                        <a:latin typeface="Calibri" panose="020F0502020204030204" pitchFamily="34" charset="0"/>
+                        <a:ea typeface="Calibri" panose="020F0502020204030204" pitchFamily="34" charset="0"/>
+                        <a:cs typeface="Times New Roman" panose="02020603050405020304" pitchFamily="18" charset="0"/>
+                      </a:endParaRPr>
+                    </a:p>
+                  </a:txBody>
+                  <a:tcPr marL="68580" marR="68580" marT="0" marB="0"/>
+                </a:tc>
+                <a:tc>
+                  <a:txBody>
+                    <a:bodyPr/>
+                    <a:lstStyle/>
+                    <a:p>
+                      <a:pPr algn="ctr">
+                        <a:lnSpc>
+                          <a:spcPct val="107000"/>
+                        </a:lnSpc>
+                        <a:spcAft>
+                          <a:spcPts val="0"/>
+                        </a:spcAft>
+                      </a:pPr>
+                      <a:r>
+                        <a:rPr lang="pt-BR" sz="1100">
+                          <a:effectLst/>
+                        </a:rPr>
+                        <a:t>Gnome Sort</a:t>
+                      </a:r>
+                      <a:endParaRPr lang="pt-BR" sz="1100">
+                        <a:effectLst/>
+                        <a:latin typeface="Calibri" panose="020F0502020204030204" pitchFamily="34" charset="0"/>
+                        <a:ea typeface="Calibri" panose="020F0502020204030204" pitchFamily="34" charset="0"/>
+                        <a:cs typeface="Times New Roman" panose="02020603050405020304" pitchFamily="18" charset="0"/>
+                      </a:endParaRPr>
+                    </a:p>
+                  </a:txBody>
+                  <a:tcPr marL="68580" marR="68580" marT="0" marB="0"/>
+                </a:tc>
+                <a:tc>
+                  <a:txBody>
+                    <a:bodyPr/>
+                    <a:lstStyle/>
+                    <a:p>
+                      <a:pPr algn="ctr">
+                        <a:lnSpc>
+                          <a:spcPct val="107000"/>
+                        </a:lnSpc>
+                        <a:spcAft>
+                          <a:spcPts val="0"/>
+                        </a:spcAft>
+                      </a:pPr>
+                      <a:r>
+                        <a:rPr lang="pt-BR" sz="1100">
+                          <a:effectLst/>
+                        </a:rPr>
+                        <a:t>&lt;1ms</a:t>
+                      </a:r>
+                      <a:endParaRPr lang="pt-BR" sz="1100">
+                        <a:effectLst/>
+                        <a:latin typeface="Calibri" panose="020F0502020204030204" pitchFamily="34" charset="0"/>
+                        <a:ea typeface="Calibri" panose="020F0502020204030204" pitchFamily="34" charset="0"/>
+                        <a:cs typeface="Times New Roman" panose="02020603050405020304" pitchFamily="18" charset="0"/>
+                      </a:endParaRPr>
+                    </a:p>
+                  </a:txBody>
+                  <a:tcPr marL="68580" marR="68580" marT="0" marB="0"/>
+                </a:tc>
+              </a:tr>
+              <a:tr h="0">
+                <a:tc>
+                  <a:txBody>
+                    <a:bodyPr/>
+                    <a:lstStyle/>
+                    <a:p>
+                      <a:pPr algn="ctr">
+                        <a:lnSpc>
+                          <a:spcPct val="107000"/>
+                        </a:lnSpc>
+                        <a:spcAft>
+                          <a:spcPts val="0"/>
+                        </a:spcAft>
+                      </a:pPr>
+                      <a:r>
+                        <a:rPr lang="pt-BR" sz="1100">
+                          <a:effectLst/>
+                        </a:rPr>
+                        <a:t>2º</a:t>
+                      </a:r>
+                      <a:endParaRPr lang="pt-BR" sz="1100">
+                        <a:effectLst/>
+                        <a:latin typeface="Calibri" panose="020F0502020204030204" pitchFamily="34" charset="0"/>
+                        <a:ea typeface="Calibri" panose="020F0502020204030204" pitchFamily="34" charset="0"/>
+                        <a:cs typeface="Times New Roman" panose="02020603050405020304" pitchFamily="18" charset="0"/>
+                      </a:endParaRPr>
+                    </a:p>
+                  </a:txBody>
+                  <a:tcPr marL="68580" marR="68580" marT="0" marB="0"/>
+                </a:tc>
+                <a:tc>
+                  <a:txBody>
+                    <a:bodyPr/>
+                    <a:lstStyle/>
+                    <a:p>
+                      <a:pPr algn="ctr">
+                        <a:lnSpc>
+                          <a:spcPct val="107000"/>
+                        </a:lnSpc>
+                        <a:spcAft>
+                          <a:spcPts val="0"/>
+                        </a:spcAft>
+                      </a:pPr>
+                      <a:r>
+                        <a:rPr lang="pt-BR" sz="1100">
+                          <a:effectLst/>
+                        </a:rPr>
+                        <a:t>Quick Sort</a:t>
+                      </a:r>
+                      <a:endParaRPr lang="pt-BR" sz="1100">
+                        <a:effectLst/>
+                        <a:latin typeface="Calibri" panose="020F0502020204030204" pitchFamily="34" charset="0"/>
+                        <a:ea typeface="Calibri" panose="020F0502020204030204" pitchFamily="34" charset="0"/>
+                        <a:cs typeface="Times New Roman" panose="02020603050405020304" pitchFamily="18" charset="0"/>
+                      </a:endParaRPr>
+                    </a:p>
+                  </a:txBody>
+                  <a:tcPr marL="68580" marR="68580" marT="0" marB="0"/>
+                </a:tc>
+                <a:tc>
+                  <a:txBody>
+                    <a:bodyPr/>
+                    <a:lstStyle/>
+                    <a:p>
+                      <a:pPr algn="ctr">
+                        <a:lnSpc>
+                          <a:spcPct val="107000"/>
+                        </a:lnSpc>
+                        <a:spcAft>
+                          <a:spcPts val="0"/>
+                        </a:spcAft>
+                      </a:pPr>
+                      <a:r>
+                        <a:rPr lang="pt-BR" sz="1100">
+                          <a:effectLst/>
+                        </a:rPr>
+                        <a:t>1ms</a:t>
+                      </a:r>
+                      <a:endParaRPr lang="pt-BR" sz="1100">
+                        <a:effectLst/>
+                        <a:latin typeface="Calibri" panose="020F0502020204030204" pitchFamily="34" charset="0"/>
+                        <a:ea typeface="Calibri" panose="020F0502020204030204" pitchFamily="34" charset="0"/>
+                        <a:cs typeface="Times New Roman" panose="02020603050405020304" pitchFamily="18" charset="0"/>
+                      </a:endParaRPr>
+                    </a:p>
+                  </a:txBody>
+                  <a:tcPr marL="68580" marR="68580" marT="0" marB="0"/>
+                </a:tc>
+              </a:tr>
+              <a:tr h="0">
+                <a:tc>
+                  <a:txBody>
+                    <a:bodyPr/>
+                    <a:lstStyle/>
+                    <a:p>
+                      <a:pPr algn="ctr">
+                        <a:lnSpc>
+                          <a:spcPct val="107000"/>
+                        </a:lnSpc>
+                        <a:spcAft>
+                          <a:spcPts val="0"/>
+                        </a:spcAft>
+                      </a:pPr>
+                      <a:r>
+                        <a:rPr lang="pt-BR" sz="1100">
+                          <a:effectLst/>
+                        </a:rPr>
+                        <a:t>3º</a:t>
+                      </a:r>
+                      <a:endParaRPr lang="pt-BR" sz="1100">
+                        <a:effectLst/>
+                        <a:latin typeface="Calibri" panose="020F0502020204030204" pitchFamily="34" charset="0"/>
+                        <a:ea typeface="Calibri" panose="020F0502020204030204" pitchFamily="34" charset="0"/>
+                        <a:cs typeface="Times New Roman" panose="02020603050405020304" pitchFamily="18" charset="0"/>
+                      </a:endParaRPr>
+                    </a:p>
+                  </a:txBody>
+                  <a:tcPr marL="68580" marR="68580" marT="0" marB="0"/>
+                </a:tc>
+                <a:tc>
+                  <a:txBody>
+                    <a:bodyPr/>
+                    <a:lstStyle/>
+                    <a:p>
+                      <a:pPr algn="ctr">
+                        <a:lnSpc>
+                          <a:spcPct val="107000"/>
+                        </a:lnSpc>
+                        <a:spcAft>
+                          <a:spcPts val="0"/>
+                        </a:spcAft>
+                      </a:pPr>
+                      <a:r>
+                        <a:rPr lang="pt-BR" sz="1100">
+                          <a:effectLst/>
+                        </a:rPr>
+                        <a:t>HeapSort</a:t>
+                      </a:r>
+                      <a:endParaRPr lang="pt-BR" sz="1100">
+                        <a:effectLst/>
+                        <a:latin typeface="Calibri" panose="020F0502020204030204" pitchFamily="34" charset="0"/>
+                        <a:ea typeface="Calibri" panose="020F0502020204030204" pitchFamily="34" charset="0"/>
+                        <a:cs typeface="Times New Roman" panose="02020603050405020304" pitchFamily="18" charset="0"/>
+                      </a:endParaRPr>
+                    </a:p>
+                  </a:txBody>
+                  <a:tcPr marL="68580" marR="68580" marT="0" marB="0"/>
+                </a:tc>
+                <a:tc>
+                  <a:txBody>
+                    <a:bodyPr/>
+                    <a:lstStyle/>
+                    <a:p>
+                      <a:pPr algn="ctr">
+                        <a:lnSpc>
+                          <a:spcPct val="107000"/>
+                        </a:lnSpc>
+                        <a:spcAft>
+                          <a:spcPts val="0"/>
+                        </a:spcAft>
+                      </a:pPr>
+                      <a:r>
+                        <a:rPr lang="pt-BR" sz="1100">
+                          <a:effectLst/>
+                        </a:rPr>
+                        <a:t>2ms</a:t>
+                      </a:r>
+                      <a:endParaRPr lang="pt-BR" sz="1100">
+                        <a:effectLst/>
+                        <a:latin typeface="Calibri" panose="020F0502020204030204" pitchFamily="34" charset="0"/>
+                        <a:ea typeface="Calibri" panose="020F0502020204030204" pitchFamily="34" charset="0"/>
+                        <a:cs typeface="Times New Roman" panose="02020603050405020304" pitchFamily="18" charset="0"/>
+                      </a:endParaRPr>
+                    </a:p>
+                  </a:txBody>
+                  <a:tcPr marL="68580" marR="68580" marT="0" marB="0"/>
+                </a:tc>
+              </a:tr>
+              <a:tr h="0">
+                <a:tc>
+                  <a:txBody>
+                    <a:bodyPr/>
+                    <a:lstStyle/>
+                    <a:p>
+                      <a:pPr algn="ctr">
+                        <a:lnSpc>
+                          <a:spcPct val="107000"/>
+                        </a:lnSpc>
+                        <a:spcAft>
+                          <a:spcPts val="0"/>
+                        </a:spcAft>
+                      </a:pPr>
+                      <a:r>
+                        <a:rPr lang="pt-BR" sz="1100">
+                          <a:effectLst/>
+                        </a:rPr>
+                        <a:t>4º</a:t>
+                      </a:r>
+                      <a:endParaRPr lang="pt-BR" sz="1100">
+                        <a:effectLst/>
+                        <a:latin typeface="Calibri" panose="020F0502020204030204" pitchFamily="34" charset="0"/>
+                        <a:ea typeface="Calibri" panose="020F0502020204030204" pitchFamily="34" charset="0"/>
+                        <a:cs typeface="Times New Roman" panose="02020603050405020304" pitchFamily="18" charset="0"/>
+                      </a:endParaRPr>
+                    </a:p>
+                  </a:txBody>
+                  <a:tcPr marL="68580" marR="68580" marT="0" marB="0"/>
+                </a:tc>
+                <a:tc>
+                  <a:txBody>
+                    <a:bodyPr/>
+                    <a:lstStyle/>
+                    <a:p>
+                      <a:pPr algn="ctr">
+                        <a:lnSpc>
+                          <a:spcPct val="107000"/>
+                        </a:lnSpc>
+                        <a:spcAft>
+                          <a:spcPts val="0"/>
+                        </a:spcAft>
+                      </a:pPr>
+                      <a:r>
+                        <a:rPr lang="pt-BR" sz="1100">
+                          <a:effectLst/>
+                        </a:rPr>
+                        <a:t>Merge Sort</a:t>
+                      </a:r>
+                      <a:endParaRPr lang="pt-BR" sz="1100">
+                        <a:effectLst/>
+                        <a:latin typeface="Calibri" panose="020F0502020204030204" pitchFamily="34" charset="0"/>
+                        <a:ea typeface="Calibri" panose="020F0502020204030204" pitchFamily="34" charset="0"/>
+                        <a:cs typeface="Times New Roman" panose="02020603050405020304" pitchFamily="18" charset="0"/>
+                      </a:endParaRPr>
+                    </a:p>
+                  </a:txBody>
+                  <a:tcPr marL="68580" marR="68580" marT="0" marB="0"/>
+                </a:tc>
+                <a:tc>
+                  <a:txBody>
+                    <a:bodyPr/>
+                    <a:lstStyle/>
+                    <a:p>
+                      <a:pPr algn="ctr">
+                        <a:lnSpc>
+                          <a:spcPct val="107000"/>
+                        </a:lnSpc>
+                        <a:spcAft>
+                          <a:spcPts val="0"/>
+                        </a:spcAft>
+                      </a:pPr>
+                      <a:r>
+                        <a:rPr lang="pt-BR" sz="1100">
+                          <a:effectLst/>
+                        </a:rPr>
+                        <a:t>99ms</a:t>
+                      </a:r>
+                      <a:endParaRPr lang="pt-BR" sz="1100">
+                        <a:effectLst/>
+                        <a:latin typeface="Calibri" panose="020F0502020204030204" pitchFamily="34" charset="0"/>
+                        <a:ea typeface="Calibri" panose="020F0502020204030204" pitchFamily="34" charset="0"/>
+                        <a:cs typeface="Times New Roman" panose="02020603050405020304" pitchFamily="18" charset="0"/>
+                      </a:endParaRPr>
+                    </a:p>
+                  </a:txBody>
+                  <a:tcPr marL="68580" marR="68580" marT="0" marB="0"/>
+                </a:tc>
+              </a:tr>
+              <a:tr h="0">
+                <a:tc>
+                  <a:txBody>
+                    <a:bodyPr/>
+                    <a:lstStyle/>
+                    <a:p>
+                      <a:pPr algn="ctr">
+                        <a:lnSpc>
+                          <a:spcPct val="107000"/>
+                        </a:lnSpc>
+                        <a:spcAft>
+                          <a:spcPts val="0"/>
+                        </a:spcAft>
+                      </a:pPr>
+                      <a:r>
+                        <a:rPr lang="pt-BR" sz="1100">
+                          <a:effectLst/>
+                        </a:rPr>
+                        <a:t>5º</a:t>
+                      </a:r>
+                      <a:endParaRPr lang="pt-BR" sz="1100">
+                        <a:effectLst/>
+                        <a:latin typeface="Calibri" panose="020F0502020204030204" pitchFamily="34" charset="0"/>
+                        <a:ea typeface="Calibri" panose="020F0502020204030204" pitchFamily="34" charset="0"/>
+                        <a:cs typeface="Times New Roman" panose="02020603050405020304" pitchFamily="18" charset="0"/>
+                      </a:endParaRPr>
+                    </a:p>
+                  </a:txBody>
+                  <a:tcPr marL="68580" marR="68580" marT="0" marB="0"/>
+                </a:tc>
+                <a:tc>
+                  <a:txBody>
+                    <a:bodyPr/>
+                    <a:lstStyle/>
+                    <a:p>
+                      <a:pPr algn="ctr">
+                        <a:lnSpc>
+                          <a:spcPct val="107000"/>
+                        </a:lnSpc>
+                        <a:spcAft>
+                          <a:spcPts val="0"/>
+                        </a:spcAft>
+                      </a:pPr>
+                      <a:r>
+                        <a:rPr lang="pt-BR" sz="1100">
+                          <a:effectLst/>
+                        </a:rPr>
+                        <a:t>Bubble Sort</a:t>
+                      </a:r>
+                      <a:endParaRPr lang="pt-BR" sz="1100">
+                        <a:effectLst/>
+                        <a:latin typeface="Calibri" panose="020F0502020204030204" pitchFamily="34" charset="0"/>
+                        <a:ea typeface="Calibri" panose="020F0502020204030204" pitchFamily="34" charset="0"/>
+                        <a:cs typeface="Times New Roman" panose="02020603050405020304" pitchFamily="18" charset="0"/>
+                      </a:endParaRPr>
+                    </a:p>
+                  </a:txBody>
+                  <a:tcPr marL="68580" marR="68580" marT="0" marB="0"/>
+                </a:tc>
+                <a:tc>
+                  <a:txBody>
+                    <a:bodyPr/>
+                    <a:lstStyle/>
+                    <a:p>
+                      <a:pPr algn="ctr">
+                        <a:lnSpc>
+                          <a:spcPct val="107000"/>
+                        </a:lnSpc>
+                        <a:spcAft>
+                          <a:spcPts val="0"/>
+                        </a:spcAft>
+                      </a:pPr>
+                      <a:r>
+                        <a:rPr lang="pt-BR" sz="1100" dirty="0">
+                          <a:effectLst/>
+                        </a:rPr>
+                        <a:t>428ms</a:t>
+                      </a:r>
+                      <a:endParaRPr lang="pt-BR" sz="1100" dirty="0">
+                        <a:effectLst/>
+                        <a:latin typeface="Calibri" panose="020F0502020204030204" pitchFamily="34" charset="0"/>
+                        <a:ea typeface="Calibri" panose="020F0502020204030204" pitchFamily="34" charset="0"/>
+                        <a:cs typeface="Times New Roman" panose="02020603050405020304" pitchFamily="18" charset="0"/>
+                      </a:endParaRPr>
+                    </a:p>
+                  </a:txBody>
+                  <a:tcPr marL="68580" marR="68580" marT="0" marB="0"/>
+                </a:tc>
+              </a:tr>
+            </a:tbl>
+          </a:graphicData>
+        </a:graphic>
+      </p:graphicFrame>
+      <p:graphicFrame>
+        <p:nvGraphicFramePr>
+          <p:cNvPr id="12" name="Tabela 11"/>
+          <p:cNvGraphicFramePr>
+            <a:graphicFrameLocks noGrp="1"/>
+          </p:cNvGraphicFramePr>
+          <p:nvPr>
+            <p:extLst>
+              <p:ext uri="{D42A27DB-BD31-4B8C-83A1-F6EECF244321}">
+                <p14:modId xmlns:p14="http://schemas.microsoft.com/office/powerpoint/2010/main" val="1154342326"/>
+              </p:ext>
+            </p:extLst>
+          </p:nvPr>
+        </p:nvGraphicFramePr>
+        <p:xfrm>
+          <a:off x="5306219" y="2112008"/>
+          <a:ext cx="3688080" cy="1193038"/>
+        </p:xfrm>
+        <a:graphic>
+          <a:graphicData uri="http://schemas.openxmlformats.org/drawingml/2006/table">
+            <a:tbl>
+              <a:tblPr firstRow="1" firstCol="1" bandRow="1">
+                <a:tableStyleId>{5C22544A-7EE6-4342-B048-85BDC9FD1C3A}</a:tableStyleId>
+              </a:tblPr>
+              <a:tblGrid>
+                <a:gridCol w="1167130"/>
+                <a:gridCol w="1260475"/>
+                <a:gridCol w="1260475"/>
+              </a:tblGrid>
+              <a:tr h="0">
+                <a:tc>
+                  <a:txBody>
+                    <a:bodyPr/>
+                    <a:lstStyle/>
+                    <a:p>
+                      <a:pPr algn="ctr">
+                        <a:lnSpc>
+                          <a:spcPct val="107000"/>
+                        </a:lnSpc>
+                        <a:spcAft>
+                          <a:spcPts val="0"/>
+                        </a:spcAft>
+                      </a:pPr>
+                      <a:r>
+                        <a:rPr lang="pt-BR" sz="1100">
+                          <a:effectLst/>
+                        </a:rPr>
+                        <a:t>Posição</a:t>
+                      </a:r>
+                      <a:endParaRPr lang="pt-BR" sz="1100">
+                        <a:effectLst/>
+                        <a:latin typeface="Calibri" panose="020F0502020204030204" pitchFamily="34" charset="0"/>
+                        <a:ea typeface="Calibri" panose="020F0502020204030204" pitchFamily="34" charset="0"/>
+                        <a:cs typeface="Times New Roman" panose="02020603050405020304" pitchFamily="18" charset="0"/>
+                      </a:endParaRPr>
+                    </a:p>
+                  </a:txBody>
+                  <a:tcPr marL="68580" marR="68580" marT="0" marB="0"/>
+                </a:tc>
+                <a:tc>
+                  <a:txBody>
+                    <a:bodyPr/>
+                    <a:lstStyle/>
+                    <a:p>
+                      <a:pPr algn="ctr">
+                        <a:lnSpc>
+                          <a:spcPct val="107000"/>
+                        </a:lnSpc>
+                        <a:spcAft>
+                          <a:spcPts val="0"/>
+                        </a:spcAft>
+                      </a:pPr>
+                      <a:r>
+                        <a:rPr lang="pt-BR" sz="1100">
+                          <a:effectLst/>
+                        </a:rPr>
+                        <a:t>Nome</a:t>
+                      </a:r>
+                      <a:endParaRPr lang="pt-BR" sz="1100">
+                        <a:effectLst/>
+                        <a:latin typeface="Calibri" panose="020F0502020204030204" pitchFamily="34" charset="0"/>
+                        <a:ea typeface="Calibri" panose="020F0502020204030204" pitchFamily="34" charset="0"/>
+                        <a:cs typeface="Times New Roman" panose="02020603050405020304" pitchFamily="18" charset="0"/>
+                      </a:endParaRPr>
+                    </a:p>
+                  </a:txBody>
+                  <a:tcPr marL="68580" marR="68580" marT="0" marB="0"/>
+                </a:tc>
+                <a:tc>
+                  <a:txBody>
+                    <a:bodyPr/>
+                    <a:lstStyle/>
+                    <a:p>
+                      <a:pPr algn="ctr">
+                        <a:lnSpc>
+                          <a:spcPct val="107000"/>
+                        </a:lnSpc>
+                        <a:spcAft>
+                          <a:spcPts val="0"/>
+                        </a:spcAft>
+                      </a:pPr>
+                      <a:r>
+                        <a:rPr lang="pt-BR" sz="1100">
+                          <a:effectLst/>
+                        </a:rPr>
+                        <a:t>Tempo</a:t>
+                      </a:r>
+                      <a:endParaRPr lang="pt-BR" sz="1100">
+                        <a:effectLst/>
+                        <a:latin typeface="Calibri" panose="020F0502020204030204" pitchFamily="34" charset="0"/>
+                        <a:ea typeface="Calibri" panose="020F0502020204030204" pitchFamily="34" charset="0"/>
+                        <a:cs typeface="Times New Roman" panose="02020603050405020304" pitchFamily="18" charset="0"/>
+                      </a:endParaRPr>
+                    </a:p>
+                  </a:txBody>
+                  <a:tcPr marL="68580" marR="68580" marT="0" marB="0"/>
+                </a:tc>
+              </a:tr>
+              <a:tr h="0">
+                <a:tc>
+                  <a:txBody>
+                    <a:bodyPr/>
+                    <a:lstStyle/>
+                    <a:p>
+                      <a:pPr algn="ctr">
+                        <a:lnSpc>
+                          <a:spcPct val="107000"/>
+                        </a:lnSpc>
+                        <a:spcAft>
+                          <a:spcPts val="0"/>
+                        </a:spcAft>
+                      </a:pPr>
+                      <a:r>
+                        <a:rPr lang="pt-BR" sz="1100">
+                          <a:effectLst/>
+                        </a:rPr>
+                        <a:t>1º</a:t>
+                      </a:r>
+                      <a:endParaRPr lang="pt-BR" sz="1100">
+                        <a:effectLst/>
+                        <a:latin typeface="Calibri" panose="020F0502020204030204" pitchFamily="34" charset="0"/>
+                        <a:ea typeface="Calibri" panose="020F0502020204030204" pitchFamily="34" charset="0"/>
+                        <a:cs typeface="Times New Roman" panose="02020603050405020304" pitchFamily="18" charset="0"/>
+                      </a:endParaRPr>
+                    </a:p>
+                  </a:txBody>
+                  <a:tcPr marL="68580" marR="68580" marT="0" marB="0"/>
+                </a:tc>
+                <a:tc>
+                  <a:txBody>
+                    <a:bodyPr/>
+                    <a:lstStyle/>
+                    <a:p>
+                      <a:pPr algn="ctr">
+                        <a:lnSpc>
+                          <a:spcPct val="107000"/>
+                        </a:lnSpc>
+                        <a:spcAft>
+                          <a:spcPts val="0"/>
+                        </a:spcAft>
+                      </a:pPr>
+                      <a:r>
+                        <a:rPr lang="pt-BR" sz="1100">
+                          <a:effectLst/>
+                        </a:rPr>
+                        <a:t>Quick Sort</a:t>
+                      </a:r>
+                      <a:endParaRPr lang="pt-BR" sz="1100">
+                        <a:effectLst/>
+                        <a:latin typeface="Calibri" panose="020F0502020204030204" pitchFamily="34" charset="0"/>
+                        <a:ea typeface="Calibri" panose="020F0502020204030204" pitchFamily="34" charset="0"/>
+                        <a:cs typeface="Times New Roman" panose="02020603050405020304" pitchFamily="18" charset="0"/>
+                      </a:endParaRPr>
+                    </a:p>
+                  </a:txBody>
+                  <a:tcPr marL="68580" marR="68580" marT="0" marB="0"/>
+                </a:tc>
+                <a:tc>
+                  <a:txBody>
+                    <a:bodyPr/>
+                    <a:lstStyle/>
+                    <a:p>
+                      <a:pPr algn="ctr">
+                        <a:lnSpc>
+                          <a:spcPct val="107000"/>
+                        </a:lnSpc>
+                        <a:spcAft>
+                          <a:spcPts val="0"/>
+                        </a:spcAft>
+                      </a:pPr>
+                      <a:r>
+                        <a:rPr lang="pt-BR" sz="1100">
+                          <a:effectLst/>
+                        </a:rPr>
+                        <a:t>1ms</a:t>
+                      </a:r>
+                      <a:endParaRPr lang="pt-BR" sz="1100">
+                        <a:effectLst/>
+                        <a:latin typeface="Calibri" panose="020F0502020204030204" pitchFamily="34" charset="0"/>
+                        <a:ea typeface="Calibri" panose="020F0502020204030204" pitchFamily="34" charset="0"/>
+                        <a:cs typeface="Times New Roman" panose="02020603050405020304" pitchFamily="18" charset="0"/>
+                      </a:endParaRPr>
+                    </a:p>
+                  </a:txBody>
+                  <a:tcPr marL="68580" marR="68580" marT="0" marB="0"/>
+                </a:tc>
+              </a:tr>
+              <a:tr h="0">
+                <a:tc>
+                  <a:txBody>
+                    <a:bodyPr/>
+                    <a:lstStyle/>
+                    <a:p>
+                      <a:pPr algn="ctr">
+                        <a:lnSpc>
+                          <a:spcPct val="107000"/>
+                        </a:lnSpc>
+                        <a:spcAft>
+                          <a:spcPts val="0"/>
+                        </a:spcAft>
+                      </a:pPr>
+                      <a:r>
+                        <a:rPr lang="pt-BR" sz="1100">
+                          <a:effectLst/>
+                        </a:rPr>
+                        <a:t>2º</a:t>
+                      </a:r>
+                      <a:endParaRPr lang="pt-BR" sz="1100">
+                        <a:effectLst/>
+                        <a:latin typeface="Calibri" panose="020F0502020204030204" pitchFamily="34" charset="0"/>
+                        <a:ea typeface="Calibri" panose="020F0502020204030204" pitchFamily="34" charset="0"/>
+                        <a:cs typeface="Times New Roman" panose="02020603050405020304" pitchFamily="18" charset="0"/>
+                      </a:endParaRPr>
+                    </a:p>
+                  </a:txBody>
+                  <a:tcPr marL="68580" marR="68580" marT="0" marB="0"/>
+                </a:tc>
+                <a:tc>
+                  <a:txBody>
+                    <a:bodyPr/>
+                    <a:lstStyle/>
+                    <a:p>
+                      <a:pPr algn="ctr">
+                        <a:lnSpc>
+                          <a:spcPct val="107000"/>
+                        </a:lnSpc>
+                        <a:spcAft>
+                          <a:spcPts val="0"/>
+                        </a:spcAft>
+                      </a:pPr>
+                      <a:r>
+                        <a:rPr lang="pt-BR" sz="1100">
+                          <a:effectLst/>
+                        </a:rPr>
+                        <a:t>HeapSort</a:t>
+                      </a:r>
+                      <a:endParaRPr lang="pt-BR" sz="1100">
+                        <a:effectLst/>
+                        <a:latin typeface="Calibri" panose="020F0502020204030204" pitchFamily="34" charset="0"/>
+                        <a:ea typeface="Calibri" panose="020F0502020204030204" pitchFamily="34" charset="0"/>
+                        <a:cs typeface="Times New Roman" panose="02020603050405020304" pitchFamily="18" charset="0"/>
+                      </a:endParaRPr>
+                    </a:p>
+                  </a:txBody>
+                  <a:tcPr marL="68580" marR="68580" marT="0" marB="0"/>
+                </a:tc>
+                <a:tc>
+                  <a:txBody>
+                    <a:bodyPr/>
+                    <a:lstStyle/>
+                    <a:p>
+                      <a:pPr algn="ctr">
+                        <a:lnSpc>
+                          <a:spcPct val="107000"/>
+                        </a:lnSpc>
+                        <a:spcAft>
+                          <a:spcPts val="0"/>
+                        </a:spcAft>
+                      </a:pPr>
+                      <a:r>
+                        <a:rPr lang="pt-BR" sz="1100">
+                          <a:effectLst/>
+                        </a:rPr>
+                        <a:t>2ms</a:t>
+                      </a:r>
+                      <a:endParaRPr lang="pt-BR" sz="1100">
+                        <a:effectLst/>
+                        <a:latin typeface="Calibri" panose="020F0502020204030204" pitchFamily="34" charset="0"/>
+                        <a:ea typeface="Calibri" panose="020F0502020204030204" pitchFamily="34" charset="0"/>
+                        <a:cs typeface="Times New Roman" panose="02020603050405020304" pitchFamily="18" charset="0"/>
+                      </a:endParaRPr>
+                    </a:p>
+                  </a:txBody>
+                  <a:tcPr marL="68580" marR="68580" marT="0" marB="0"/>
+                </a:tc>
+              </a:tr>
+              <a:tr h="0">
+                <a:tc>
+                  <a:txBody>
+                    <a:bodyPr/>
+                    <a:lstStyle/>
+                    <a:p>
+                      <a:pPr algn="ctr">
+                        <a:lnSpc>
+                          <a:spcPct val="107000"/>
+                        </a:lnSpc>
+                        <a:spcAft>
+                          <a:spcPts val="0"/>
+                        </a:spcAft>
+                      </a:pPr>
+                      <a:r>
+                        <a:rPr lang="pt-BR" sz="1100">
+                          <a:effectLst/>
+                        </a:rPr>
+                        <a:t>3º</a:t>
+                      </a:r>
+                      <a:endParaRPr lang="pt-BR" sz="1100">
+                        <a:effectLst/>
+                        <a:latin typeface="Calibri" panose="020F0502020204030204" pitchFamily="34" charset="0"/>
+                        <a:ea typeface="Calibri" panose="020F0502020204030204" pitchFamily="34" charset="0"/>
+                        <a:cs typeface="Times New Roman" panose="02020603050405020304" pitchFamily="18" charset="0"/>
+                      </a:endParaRPr>
+                    </a:p>
+                  </a:txBody>
+                  <a:tcPr marL="68580" marR="68580" marT="0" marB="0"/>
+                </a:tc>
+                <a:tc>
+                  <a:txBody>
+                    <a:bodyPr/>
+                    <a:lstStyle/>
+                    <a:p>
+                      <a:pPr algn="ctr">
+                        <a:lnSpc>
+                          <a:spcPct val="107000"/>
+                        </a:lnSpc>
+                        <a:spcAft>
+                          <a:spcPts val="0"/>
+                        </a:spcAft>
+                      </a:pPr>
+                      <a:r>
+                        <a:rPr lang="pt-BR" sz="1100">
+                          <a:effectLst/>
+                        </a:rPr>
+                        <a:t>Merge Sort</a:t>
+                      </a:r>
+                      <a:endParaRPr lang="pt-BR" sz="1100">
+                        <a:effectLst/>
+                        <a:latin typeface="Calibri" panose="020F0502020204030204" pitchFamily="34" charset="0"/>
+                        <a:ea typeface="Calibri" panose="020F0502020204030204" pitchFamily="34" charset="0"/>
+                        <a:cs typeface="Times New Roman" panose="02020603050405020304" pitchFamily="18" charset="0"/>
+                      </a:endParaRPr>
+                    </a:p>
+                  </a:txBody>
+                  <a:tcPr marL="68580" marR="68580" marT="0" marB="0"/>
+                </a:tc>
+                <a:tc>
+                  <a:txBody>
+                    <a:bodyPr/>
+                    <a:lstStyle/>
+                    <a:p>
+                      <a:pPr algn="ctr">
+                        <a:lnSpc>
+                          <a:spcPct val="107000"/>
+                        </a:lnSpc>
+                        <a:spcAft>
+                          <a:spcPts val="0"/>
+                        </a:spcAft>
+                      </a:pPr>
+                      <a:r>
+                        <a:rPr lang="pt-BR" sz="1100">
+                          <a:effectLst/>
+                        </a:rPr>
+                        <a:t>98ms</a:t>
+                      </a:r>
+                      <a:endParaRPr lang="pt-BR" sz="1100">
+                        <a:effectLst/>
+                        <a:latin typeface="Calibri" panose="020F0502020204030204" pitchFamily="34" charset="0"/>
+                        <a:ea typeface="Calibri" panose="020F0502020204030204" pitchFamily="34" charset="0"/>
+                        <a:cs typeface="Times New Roman" panose="02020603050405020304" pitchFamily="18" charset="0"/>
+                      </a:endParaRPr>
+                    </a:p>
+                  </a:txBody>
+                  <a:tcPr marL="68580" marR="68580" marT="0" marB="0"/>
+                </a:tc>
+              </a:tr>
+              <a:tr h="0">
+                <a:tc>
+                  <a:txBody>
+                    <a:bodyPr/>
+                    <a:lstStyle/>
+                    <a:p>
+                      <a:pPr algn="ctr">
+                        <a:lnSpc>
+                          <a:spcPct val="107000"/>
+                        </a:lnSpc>
+                        <a:spcAft>
+                          <a:spcPts val="0"/>
+                        </a:spcAft>
+                      </a:pPr>
+                      <a:r>
+                        <a:rPr lang="pt-BR" sz="1100">
+                          <a:effectLst/>
+                        </a:rPr>
+                        <a:t>4º</a:t>
+                      </a:r>
+                      <a:endParaRPr lang="pt-BR" sz="1100">
+                        <a:effectLst/>
+                        <a:latin typeface="Calibri" panose="020F0502020204030204" pitchFamily="34" charset="0"/>
+                        <a:ea typeface="Calibri" panose="020F0502020204030204" pitchFamily="34" charset="0"/>
+                        <a:cs typeface="Times New Roman" panose="02020603050405020304" pitchFamily="18" charset="0"/>
+                      </a:endParaRPr>
+                    </a:p>
+                  </a:txBody>
+                  <a:tcPr marL="68580" marR="68580" marT="0" marB="0"/>
+                </a:tc>
+                <a:tc>
+                  <a:txBody>
+                    <a:bodyPr/>
+                    <a:lstStyle/>
+                    <a:p>
+                      <a:pPr algn="ctr">
+                        <a:lnSpc>
+                          <a:spcPct val="107000"/>
+                        </a:lnSpc>
+                        <a:spcAft>
+                          <a:spcPts val="0"/>
+                        </a:spcAft>
+                      </a:pPr>
+                      <a:r>
+                        <a:rPr lang="pt-BR" sz="1100">
+                          <a:effectLst/>
+                        </a:rPr>
+                        <a:t>Insertion Sort</a:t>
+                      </a:r>
+                      <a:endParaRPr lang="pt-BR" sz="1100">
+                        <a:effectLst/>
+                        <a:latin typeface="Calibri" panose="020F0502020204030204" pitchFamily="34" charset="0"/>
+                        <a:ea typeface="Calibri" panose="020F0502020204030204" pitchFamily="34" charset="0"/>
+                        <a:cs typeface="Times New Roman" panose="02020603050405020304" pitchFamily="18" charset="0"/>
+                      </a:endParaRPr>
+                    </a:p>
+                  </a:txBody>
+                  <a:tcPr marL="68580" marR="68580" marT="0" marB="0"/>
+                </a:tc>
+                <a:tc>
+                  <a:txBody>
+                    <a:bodyPr/>
+                    <a:lstStyle/>
+                    <a:p>
+                      <a:pPr algn="ctr">
+                        <a:lnSpc>
+                          <a:spcPct val="107000"/>
+                        </a:lnSpc>
+                        <a:spcAft>
+                          <a:spcPts val="0"/>
+                        </a:spcAft>
+                      </a:pPr>
+                      <a:r>
+                        <a:rPr lang="pt-BR" sz="1100">
+                          <a:effectLst/>
+                        </a:rPr>
+                        <a:t>538ms</a:t>
+                      </a:r>
+                      <a:endParaRPr lang="pt-BR" sz="1100">
+                        <a:effectLst/>
+                        <a:latin typeface="Calibri" panose="020F0502020204030204" pitchFamily="34" charset="0"/>
+                        <a:ea typeface="Calibri" panose="020F0502020204030204" pitchFamily="34" charset="0"/>
+                        <a:cs typeface="Times New Roman" panose="02020603050405020304" pitchFamily="18" charset="0"/>
+                      </a:endParaRPr>
+                    </a:p>
+                  </a:txBody>
+                  <a:tcPr marL="68580" marR="68580" marT="0" marB="0"/>
+                </a:tc>
+              </a:tr>
+              <a:tr h="0">
+                <a:tc>
+                  <a:txBody>
+                    <a:bodyPr/>
+                    <a:lstStyle/>
+                    <a:p>
+                      <a:pPr algn="ctr">
+                        <a:lnSpc>
+                          <a:spcPct val="107000"/>
+                        </a:lnSpc>
+                        <a:spcAft>
+                          <a:spcPts val="0"/>
+                        </a:spcAft>
+                      </a:pPr>
+                      <a:r>
+                        <a:rPr lang="pt-BR" sz="1100">
+                          <a:effectLst/>
+                        </a:rPr>
+                        <a:t>5º</a:t>
+                      </a:r>
+                      <a:endParaRPr lang="pt-BR" sz="1100">
+                        <a:effectLst/>
+                        <a:latin typeface="Calibri" panose="020F0502020204030204" pitchFamily="34" charset="0"/>
+                        <a:ea typeface="Calibri" panose="020F0502020204030204" pitchFamily="34" charset="0"/>
+                        <a:cs typeface="Times New Roman" panose="02020603050405020304" pitchFamily="18" charset="0"/>
+                      </a:endParaRPr>
+                    </a:p>
+                  </a:txBody>
+                  <a:tcPr marL="68580" marR="68580" marT="0" marB="0"/>
+                </a:tc>
+                <a:tc>
+                  <a:txBody>
+                    <a:bodyPr/>
+                    <a:lstStyle/>
+                    <a:p>
+                      <a:pPr algn="ctr">
+                        <a:lnSpc>
+                          <a:spcPct val="107000"/>
+                        </a:lnSpc>
+                        <a:spcAft>
+                          <a:spcPts val="0"/>
+                        </a:spcAft>
+                      </a:pPr>
+                      <a:r>
+                        <a:rPr lang="pt-BR" sz="1100">
+                          <a:effectLst/>
+                        </a:rPr>
+                        <a:t>Bubble Sort</a:t>
+                      </a:r>
+                      <a:endParaRPr lang="pt-BR" sz="1100">
+                        <a:effectLst/>
+                        <a:latin typeface="Calibri" panose="020F0502020204030204" pitchFamily="34" charset="0"/>
+                        <a:ea typeface="Calibri" panose="020F0502020204030204" pitchFamily="34" charset="0"/>
+                        <a:cs typeface="Times New Roman" panose="02020603050405020304" pitchFamily="18" charset="0"/>
+                      </a:endParaRPr>
+                    </a:p>
+                  </a:txBody>
+                  <a:tcPr marL="68580" marR="68580" marT="0" marB="0"/>
+                </a:tc>
+                <a:tc>
+                  <a:txBody>
+                    <a:bodyPr/>
+                    <a:lstStyle/>
+                    <a:p>
+                      <a:pPr algn="ctr">
+                        <a:lnSpc>
+                          <a:spcPct val="107000"/>
+                        </a:lnSpc>
+                        <a:spcAft>
+                          <a:spcPts val="0"/>
+                        </a:spcAft>
+                      </a:pPr>
+                      <a:r>
+                        <a:rPr lang="pt-BR" sz="1100">
+                          <a:effectLst/>
+                        </a:rPr>
+                        <a:t>954ms</a:t>
+                      </a:r>
+                      <a:endParaRPr lang="pt-BR" sz="1100">
+                        <a:effectLst/>
+                        <a:latin typeface="Calibri" panose="020F0502020204030204" pitchFamily="34" charset="0"/>
+                        <a:ea typeface="Calibri" panose="020F0502020204030204" pitchFamily="34" charset="0"/>
+                        <a:cs typeface="Times New Roman" panose="02020603050405020304" pitchFamily="18" charset="0"/>
+                      </a:endParaRPr>
+                    </a:p>
+                  </a:txBody>
+                  <a:tcPr marL="68580" marR="68580" marT="0" marB="0"/>
+                </a:tc>
+              </a:tr>
+              <a:tr h="0">
+                <a:tc>
+                  <a:txBody>
+                    <a:bodyPr/>
+                    <a:lstStyle/>
+                    <a:p>
+                      <a:pPr algn="ctr">
+                        <a:lnSpc>
+                          <a:spcPct val="107000"/>
+                        </a:lnSpc>
+                        <a:spcAft>
+                          <a:spcPts val="0"/>
+                        </a:spcAft>
+                      </a:pPr>
+                      <a:r>
+                        <a:rPr lang="pt-BR" sz="1100">
+                          <a:effectLst/>
+                        </a:rPr>
+                        <a:t>6º</a:t>
+                      </a:r>
+                      <a:endParaRPr lang="pt-BR" sz="1100">
+                        <a:effectLst/>
+                        <a:latin typeface="Calibri" panose="020F0502020204030204" pitchFamily="34" charset="0"/>
+                        <a:ea typeface="Calibri" panose="020F0502020204030204" pitchFamily="34" charset="0"/>
+                        <a:cs typeface="Times New Roman" panose="02020603050405020304" pitchFamily="18" charset="0"/>
+                      </a:endParaRPr>
+                    </a:p>
+                  </a:txBody>
+                  <a:tcPr marL="68580" marR="68580" marT="0" marB="0"/>
+                </a:tc>
+                <a:tc>
+                  <a:txBody>
+                    <a:bodyPr/>
+                    <a:lstStyle/>
+                    <a:p>
+                      <a:pPr algn="ctr">
+                        <a:lnSpc>
+                          <a:spcPct val="107000"/>
+                        </a:lnSpc>
+                        <a:spcAft>
+                          <a:spcPts val="0"/>
+                        </a:spcAft>
+                      </a:pPr>
+                      <a:r>
+                        <a:rPr lang="pt-BR" sz="1100">
+                          <a:effectLst/>
+                        </a:rPr>
+                        <a:t>Gnome Sort</a:t>
+                      </a:r>
+                      <a:endParaRPr lang="pt-BR" sz="1100">
+                        <a:effectLst/>
+                        <a:latin typeface="Calibri" panose="020F0502020204030204" pitchFamily="34" charset="0"/>
+                        <a:ea typeface="Calibri" panose="020F0502020204030204" pitchFamily="34" charset="0"/>
+                        <a:cs typeface="Times New Roman" panose="02020603050405020304" pitchFamily="18" charset="0"/>
+                      </a:endParaRPr>
+                    </a:p>
+                  </a:txBody>
+                  <a:tcPr marL="68580" marR="68580" marT="0" marB="0"/>
+                </a:tc>
+                <a:tc>
+                  <a:txBody>
+                    <a:bodyPr/>
+                    <a:lstStyle/>
+                    <a:p>
+                      <a:pPr algn="ctr">
+                        <a:lnSpc>
+                          <a:spcPct val="107000"/>
+                        </a:lnSpc>
+                        <a:spcAft>
+                          <a:spcPts val="0"/>
+                        </a:spcAft>
+                      </a:pPr>
+                      <a:r>
+                        <a:rPr lang="pt-BR" sz="1100" dirty="0">
+                          <a:effectLst/>
+                        </a:rPr>
+                        <a:t>1363ms</a:t>
+                      </a:r>
+                      <a:endParaRPr lang="pt-BR" sz="1100" dirty="0">
+                        <a:effectLst/>
+                        <a:latin typeface="Calibri" panose="020F0502020204030204" pitchFamily="34" charset="0"/>
+                        <a:ea typeface="Calibri" panose="020F0502020204030204" pitchFamily="34" charset="0"/>
+                        <a:cs typeface="Times New Roman" panose="02020603050405020304" pitchFamily="18" charset="0"/>
+                      </a:endParaRPr>
+                    </a:p>
+                  </a:txBody>
+                  <a:tcPr marL="68580" marR="68580" marT="0" marB="0"/>
+                </a:tc>
+              </a:tr>
+            </a:tbl>
+          </a:graphicData>
+        </a:graphic>
+      </p:graphicFrame>
+      <p:graphicFrame>
+        <p:nvGraphicFramePr>
+          <p:cNvPr id="13" name="Tabela 12"/>
+          <p:cNvGraphicFramePr>
+            <a:graphicFrameLocks noGrp="1"/>
+          </p:cNvGraphicFramePr>
+          <p:nvPr>
+            <p:extLst>
+              <p:ext uri="{D42A27DB-BD31-4B8C-83A1-F6EECF244321}">
+                <p14:modId xmlns:p14="http://schemas.microsoft.com/office/powerpoint/2010/main" val="255987263"/>
+              </p:ext>
+            </p:extLst>
+          </p:nvPr>
+        </p:nvGraphicFramePr>
+        <p:xfrm>
+          <a:off x="5285899" y="3879848"/>
+          <a:ext cx="3688080" cy="1193038"/>
+        </p:xfrm>
+        <a:graphic>
+          <a:graphicData uri="http://schemas.openxmlformats.org/drawingml/2006/table">
+            <a:tbl>
+              <a:tblPr firstRow="1" firstCol="1" bandRow="1">
+                <a:tableStyleId>{5C22544A-7EE6-4342-B048-85BDC9FD1C3A}</a:tableStyleId>
+              </a:tblPr>
+              <a:tblGrid>
+                <a:gridCol w="1167130"/>
+                <a:gridCol w="1260475"/>
+                <a:gridCol w="1260475"/>
+              </a:tblGrid>
+              <a:tr h="0">
+                <a:tc>
+                  <a:txBody>
+                    <a:bodyPr/>
+                    <a:lstStyle/>
+                    <a:p>
+                      <a:pPr algn="ctr">
+                        <a:lnSpc>
+                          <a:spcPct val="107000"/>
+                        </a:lnSpc>
+                        <a:spcAft>
+                          <a:spcPts val="0"/>
+                        </a:spcAft>
+                      </a:pPr>
+                      <a:r>
+                        <a:rPr lang="pt-BR" sz="1100">
+                          <a:effectLst/>
+                        </a:rPr>
+                        <a:t>Posição</a:t>
+                      </a:r>
+                      <a:endParaRPr lang="pt-BR" sz="1100">
+                        <a:effectLst/>
+                        <a:latin typeface="Calibri" panose="020F0502020204030204" pitchFamily="34" charset="0"/>
+                        <a:ea typeface="Calibri" panose="020F0502020204030204" pitchFamily="34" charset="0"/>
+                        <a:cs typeface="Times New Roman" panose="02020603050405020304" pitchFamily="18" charset="0"/>
+                      </a:endParaRPr>
+                    </a:p>
+                  </a:txBody>
+                  <a:tcPr marL="68580" marR="68580" marT="0" marB="0"/>
+                </a:tc>
+                <a:tc>
+                  <a:txBody>
+                    <a:bodyPr/>
+                    <a:lstStyle/>
+                    <a:p>
+                      <a:pPr algn="ctr">
+                        <a:lnSpc>
+                          <a:spcPct val="107000"/>
+                        </a:lnSpc>
+                        <a:spcAft>
+                          <a:spcPts val="0"/>
+                        </a:spcAft>
+                      </a:pPr>
+                      <a:r>
+                        <a:rPr lang="pt-BR" sz="1100">
+                          <a:effectLst/>
+                        </a:rPr>
+                        <a:t>Nome</a:t>
+                      </a:r>
+                      <a:endParaRPr lang="pt-BR" sz="1100">
+                        <a:effectLst/>
+                        <a:latin typeface="Calibri" panose="020F0502020204030204" pitchFamily="34" charset="0"/>
+                        <a:ea typeface="Calibri" panose="020F0502020204030204" pitchFamily="34" charset="0"/>
+                        <a:cs typeface="Times New Roman" panose="02020603050405020304" pitchFamily="18" charset="0"/>
+                      </a:endParaRPr>
+                    </a:p>
+                  </a:txBody>
+                  <a:tcPr marL="68580" marR="68580" marT="0" marB="0"/>
+                </a:tc>
+                <a:tc>
+                  <a:txBody>
+                    <a:bodyPr/>
+                    <a:lstStyle/>
+                    <a:p>
+                      <a:pPr algn="ctr">
+                        <a:lnSpc>
+                          <a:spcPct val="107000"/>
+                        </a:lnSpc>
+                        <a:spcAft>
+                          <a:spcPts val="0"/>
+                        </a:spcAft>
+                      </a:pPr>
+                      <a:r>
+                        <a:rPr lang="pt-BR" sz="1100">
+                          <a:effectLst/>
+                        </a:rPr>
+                        <a:t>Tempo</a:t>
+                      </a:r>
+                      <a:endParaRPr lang="pt-BR" sz="1100">
+                        <a:effectLst/>
+                        <a:latin typeface="Calibri" panose="020F0502020204030204" pitchFamily="34" charset="0"/>
+                        <a:ea typeface="Calibri" panose="020F0502020204030204" pitchFamily="34" charset="0"/>
+                        <a:cs typeface="Times New Roman" panose="02020603050405020304" pitchFamily="18" charset="0"/>
+                      </a:endParaRPr>
+                    </a:p>
+                  </a:txBody>
+                  <a:tcPr marL="68580" marR="68580" marT="0" marB="0"/>
+                </a:tc>
+              </a:tr>
+              <a:tr h="0">
+                <a:tc>
+                  <a:txBody>
+                    <a:bodyPr/>
+                    <a:lstStyle/>
+                    <a:p>
+                      <a:pPr algn="ctr">
+                        <a:lnSpc>
+                          <a:spcPct val="107000"/>
+                        </a:lnSpc>
+                        <a:spcAft>
+                          <a:spcPts val="0"/>
+                        </a:spcAft>
+                      </a:pPr>
+                      <a:r>
+                        <a:rPr lang="pt-BR" sz="1100">
+                          <a:effectLst/>
+                        </a:rPr>
+                        <a:t>1º</a:t>
+                      </a:r>
+                      <a:endParaRPr lang="pt-BR" sz="1100">
+                        <a:effectLst/>
+                        <a:latin typeface="Calibri" panose="020F0502020204030204" pitchFamily="34" charset="0"/>
+                        <a:ea typeface="Calibri" panose="020F0502020204030204" pitchFamily="34" charset="0"/>
+                        <a:cs typeface="Times New Roman" panose="02020603050405020304" pitchFamily="18" charset="0"/>
+                      </a:endParaRPr>
+                    </a:p>
+                  </a:txBody>
+                  <a:tcPr marL="68580" marR="68580" marT="0" marB="0"/>
+                </a:tc>
+                <a:tc>
+                  <a:txBody>
+                    <a:bodyPr/>
+                    <a:lstStyle/>
+                    <a:p>
+                      <a:pPr algn="ctr">
+                        <a:lnSpc>
+                          <a:spcPct val="107000"/>
+                        </a:lnSpc>
+                        <a:spcAft>
+                          <a:spcPts val="0"/>
+                        </a:spcAft>
+                      </a:pPr>
+                      <a:r>
+                        <a:rPr lang="pt-BR" sz="1100">
+                          <a:effectLst/>
+                        </a:rPr>
+                        <a:t>Quick Sort</a:t>
+                      </a:r>
+                      <a:endParaRPr lang="pt-BR" sz="1100">
+                        <a:effectLst/>
+                        <a:latin typeface="Calibri" panose="020F0502020204030204" pitchFamily="34" charset="0"/>
+                        <a:ea typeface="Calibri" panose="020F0502020204030204" pitchFamily="34" charset="0"/>
+                        <a:cs typeface="Times New Roman" panose="02020603050405020304" pitchFamily="18" charset="0"/>
+                      </a:endParaRPr>
+                    </a:p>
+                  </a:txBody>
+                  <a:tcPr marL="68580" marR="68580" marT="0" marB="0"/>
+                </a:tc>
+                <a:tc>
+                  <a:txBody>
+                    <a:bodyPr/>
+                    <a:lstStyle/>
+                    <a:p>
+                      <a:pPr algn="ctr">
+                        <a:lnSpc>
+                          <a:spcPct val="107000"/>
+                        </a:lnSpc>
+                        <a:spcAft>
+                          <a:spcPts val="0"/>
+                        </a:spcAft>
+                      </a:pPr>
+                      <a:r>
+                        <a:rPr lang="pt-BR" sz="1100">
+                          <a:effectLst/>
+                        </a:rPr>
+                        <a:t>2ms</a:t>
+                      </a:r>
+                      <a:endParaRPr lang="pt-BR" sz="1100">
+                        <a:effectLst/>
+                        <a:latin typeface="Calibri" panose="020F0502020204030204" pitchFamily="34" charset="0"/>
+                        <a:ea typeface="Calibri" panose="020F0502020204030204" pitchFamily="34" charset="0"/>
+                        <a:cs typeface="Times New Roman" panose="02020603050405020304" pitchFamily="18" charset="0"/>
+                      </a:endParaRPr>
+                    </a:p>
+                  </a:txBody>
+                  <a:tcPr marL="68580" marR="68580" marT="0" marB="0"/>
+                </a:tc>
+              </a:tr>
+              <a:tr h="0">
+                <a:tc>
+                  <a:txBody>
+                    <a:bodyPr/>
+                    <a:lstStyle/>
+                    <a:p>
+                      <a:pPr algn="ctr">
+                        <a:lnSpc>
+                          <a:spcPct val="107000"/>
+                        </a:lnSpc>
+                        <a:spcAft>
+                          <a:spcPts val="0"/>
+                        </a:spcAft>
+                      </a:pPr>
+                      <a:r>
+                        <a:rPr lang="pt-BR" sz="1100">
+                          <a:effectLst/>
+                        </a:rPr>
+                        <a:t>2º</a:t>
+                      </a:r>
+                      <a:endParaRPr lang="pt-BR" sz="1100">
+                        <a:effectLst/>
+                        <a:latin typeface="Calibri" panose="020F0502020204030204" pitchFamily="34" charset="0"/>
+                        <a:ea typeface="Calibri" panose="020F0502020204030204" pitchFamily="34" charset="0"/>
+                        <a:cs typeface="Times New Roman" panose="02020603050405020304" pitchFamily="18" charset="0"/>
+                      </a:endParaRPr>
+                    </a:p>
+                  </a:txBody>
+                  <a:tcPr marL="68580" marR="68580" marT="0" marB="0"/>
+                </a:tc>
+                <a:tc>
+                  <a:txBody>
+                    <a:bodyPr/>
+                    <a:lstStyle/>
+                    <a:p>
+                      <a:pPr algn="ctr">
+                        <a:lnSpc>
+                          <a:spcPct val="107000"/>
+                        </a:lnSpc>
+                        <a:spcAft>
+                          <a:spcPts val="0"/>
+                        </a:spcAft>
+                      </a:pPr>
+                      <a:r>
+                        <a:rPr lang="pt-BR" sz="1100">
+                          <a:effectLst/>
+                        </a:rPr>
+                        <a:t>HeapSort</a:t>
+                      </a:r>
+                      <a:endParaRPr lang="pt-BR" sz="1100">
+                        <a:effectLst/>
+                        <a:latin typeface="Calibri" panose="020F0502020204030204" pitchFamily="34" charset="0"/>
+                        <a:ea typeface="Calibri" panose="020F0502020204030204" pitchFamily="34" charset="0"/>
+                        <a:cs typeface="Times New Roman" panose="02020603050405020304" pitchFamily="18" charset="0"/>
+                      </a:endParaRPr>
+                    </a:p>
+                  </a:txBody>
+                  <a:tcPr marL="68580" marR="68580" marT="0" marB="0"/>
+                </a:tc>
+                <a:tc>
+                  <a:txBody>
+                    <a:bodyPr/>
+                    <a:lstStyle/>
+                    <a:p>
+                      <a:pPr algn="ctr">
+                        <a:lnSpc>
+                          <a:spcPct val="107000"/>
+                        </a:lnSpc>
+                        <a:spcAft>
+                          <a:spcPts val="0"/>
+                        </a:spcAft>
+                      </a:pPr>
+                      <a:r>
+                        <a:rPr lang="pt-BR" sz="1100">
+                          <a:effectLst/>
+                        </a:rPr>
+                        <a:t>3ms</a:t>
+                      </a:r>
+                      <a:endParaRPr lang="pt-BR" sz="1100">
+                        <a:effectLst/>
+                        <a:latin typeface="Calibri" panose="020F0502020204030204" pitchFamily="34" charset="0"/>
+                        <a:ea typeface="Calibri" panose="020F0502020204030204" pitchFamily="34" charset="0"/>
+                        <a:cs typeface="Times New Roman" panose="02020603050405020304" pitchFamily="18" charset="0"/>
+                      </a:endParaRPr>
+                    </a:p>
+                  </a:txBody>
+                  <a:tcPr marL="68580" marR="68580" marT="0" marB="0"/>
+                </a:tc>
+              </a:tr>
+              <a:tr h="0">
+                <a:tc>
+                  <a:txBody>
+                    <a:bodyPr/>
+                    <a:lstStyle/>
+                    <a:p>
+                      <a:pPr algn="ctr">
+                        <a:lnSpc>
+                          <a:spcPct val="107000"/>
+                        </a:lnSpc>
+                        <a:spcAft>
+                          <a:spcPts val="0"/>
+                        </a:spcAft>
+                      </a:pPr>
+                      <a:r>
+                        <a:rPr lang="pt-BR" sz="1100">
+                          <a:effectLst/>
+                        </a:rPr>
+                        <a:t>3º</a:t>
+                      </a:r>
+                      <a:endParaRPr lang="pt-BR" sz="1100">
+                        <a:effectLst/>
+                        <a:latin typeface="Calibri" panose="020F0502020204030204" pitchFamily="34" charset="0"/>
+                        <a:ea typeface="Calibri" panose="020F0502020204030204" pitchFamily="34" charset="0"/>
+                        <a:cs typeface="Times New Roman" panose="02020603050405020304" pitchFamily="18" charset="0"/>
+                      </a:endParaRPr>
+                    </a:p>
+                  </a:txBody>
+                  <a:tcPr marL="68580" marR="68580" marT="0" marB="0"/>
+                </a:tc>
+                <a:tc>
+                  <a:txBody>
+                    <a:bodyPr/>
+                    <a:lstStyle/>
+                    <a:p>
+                      <a:pPr algn="ctr">
+                        <a:lnSpc>
+                          <a:spcPct val="107000"/>
+                        </a:lnSpc>
+                        <a:spcAft>
+                          <a:spcPts val="0"/>
+                        </a:spcAft>
+                      </a:pPr>
+                      <a:r>
+                        <a:rPr lang="pt-BR" sz="1100">
+                          <a:effectLst/>
+                        </a:rPr>
+                        <a:t>Merge Sort</a:t>
+                      </a:r>
+                      <a:endParaRPr lang="pt-BR" sz="1100">
+                        <a:effectLst/>
+                        <a:latin typeface="Calibri" panose="020F0502020204030204" pitchFamily="34" charset="0"/>
+                        <a:ea typeface="Calibri" panose="020F0502020204030204" pitchFamily="34" charset="0"/>
+                        <a:cs typeface="Times New Roman" panose="02020603050405020304" pitchFamily="18" charset="0"/>
+                      </a:endParaRPr>
+                    </a:p>
+                  </a:txBody>
+                  <a:tcPr marL="68580" marR="68580" marT="0" marB="0"/>
+                </a:tc>
+                <a:tc>
+                  <a:txBody>
+                    <a:bodyPr/>
+                    <a:lstStyle/>
+                    <a:p>
+                      <a:pPr algn="ctr">
+                        <a:lnSpc>
+                          <a:spcPct val="107000"/>
+                        </a:lnSpc>
+                        <a:spcAft>
+                          <a:spcPts val="0"/>
+                        </a:spcAft>
+                      </a:pPr>
+                      <a:r>
+                        <a:rPr lang="pt-BR" sz="1100">
+                          <a:effectLst/>
+                        </a:rPr>
+                        <a:t>80ms</a:t>
+                      </a:r>
+                      <a:endParaRPr lang="pt-BR" sz="1100">
+                        <a:effectLst/>
+                        <a:latin typeface="Calibri" panose="020F0502020204030204" pitchFamily="34" charset="0"/>
+                        <a:ea typeface="Calibri" panose="020F0502020204030204" pitchFamily="34" charset="0"/>
+                        <a:cs typeface="Times New Roman" panose="02020603050405020304" pitchFamily="18" charset="0"/>
+                      </a:endParaRPr>
+                    </a:p>
+                  </a:txBody>
+                  <a:tcPr marL="68580" marR="68580" marT="0" marB="0"/>
+                </a:tc>
+              </a:tr>
+              <a:tr h="0">
+                <a:tc>
+                  <a:txBody>
+                    <a:bodyPr/>
+                    <a:lstStyle/>
+                    <a:p>
+                      <a:pPr algn="ctr">
+                        <a:lnSpc>
+                          <a:spcPct val="107000"/>
+                        </a:lnSpc>
+                        <a:spcAft>
+                          <a:spcPts val="0"/>
+                        </a:spcAft>
+                      </a:pPr>
+                      <a:r>
+                        <a:rPr lang="pt-BR" sz="1100">
+                          <a:effectLst/>
+                        </a:rPr>
+                        <a:t>4º</a:t>
+                      </a:r>
+                      <a:endParaRPr lang="pt-BR" sz="1100">
+                        <a:effectLst/>
+                        <a:latin typeface="Calibri" panose="020F0502020204030204" pitchFamily="34" charset="0"/>
+                        <a:ea typeface="Calibri" panose="020F0502020204030204" pitchFamily="34" charset="0"/>
+                        <a:cs typeface="Times New Roman" panose="02020603050405020304" pitchFamily="18" charset="0"/>
+                      </a:endParaRPr>
+                    </a:p>
+                  </a:txBody>
+                  <a:tcPr marL="68580" marR="68580" marT="0" marB="0"/>
+                </a:tc>
+                <a:tc>
+                  <a:txBody>
+                    <a:bodyPr/>
+                    <a:lstStyle/>
+                    <a:p>
+                      <a:pPr algn="ctr">
+                        <a:lnSpc>
+                          <a:spcPct val="107000"/>
+                        </a:lnSpc>
+                        <a:spcAft>
+                          <a:spcPts val="0"/>
+                        </a:spcAft>
+                      </a:pPr>
+                      <a:r>
+                        <a:rPr lang="pt-BR" sz="1100">
+                          <a:effectLst/>
+                        </a:rPr>
+                        <a:t>Insertion Sort</a:t>
+                      </a:r>
+                      <a:endParaRPr lang="pt-BR" sz="1100">
+                        <a:effectLst/>
+                        <a:latin typeface="Calibri" panose="020F0502020204030204" pitchFamily="34" charset="0"/>
+                        <a:ea typeface="Calibri" panose="020F0502020204030204" pitchFamily="34" charset="0"/>
+                        <a:cs typeface="Times New Roman" panose="02020603050405020304" pitchFamily="18" charset="0"/>
+                      </a:endParaRPr>
+                    </a:p>
+                  </a:txBody>
+                  <a:tcPr marL="68580" marR="68580" marT="0" marB="0"/>
+                </a:tc>
+                <a:tc>
+                  <a:txBody>
+                    <a:bodyPr/>
+                    <a:lstStyle/>
+                    <a:p>
+                      <a:pPr algn="ctr">
+                        <a:lnSpc>
+                          <a:spcPct val="107000"/>
+                        </a:lnSpc>
+                        <a:spcAft>
+                          <a:spcPts val="0"/>
+                        </a:spcAft>
+                      </a:pPr>
+                      <a:r>
+                        <a:rPr lang="pt-BR" sz="1100">
+                          <a:effectLst/>
+                        </a:rPr>
+                        <a:t>270ms</a:t>
+                      </a:r>
+                      <a:endParaRPr lang="pt-BR" sz="1100">
+                        <a:effectLst/>
+                        <a:latin typeface="Calibri" panose="020F0502020204030204" pitchFamily="34" charset="0"/>
+                        <a:ea typeface="Calibri" panose="020F0502020204030204" pitchFamily="34" charset="0"/>
+                        <a:cs typeface="Times New Roman" panose="02020603050405020304" pitchFamily="18" charset="0"/>
+                      </a:endParaRPr>
+                    </a:p>
+                  </a:txBody>
+                  <a:tcPr marL="68580" marR="68580" marT="0" marB="0"/>
+                </a:tc>
+              </a:tr>
+              <a:tr h="0">
+                <a:tc>
+                  <a:txBody>
+                    <a:bodyPr/>
+                    <a:lstStyle/>
+                    <a:p>
+                      <a:pPr algn="ctr">
+                        <a:lnSpc>
+                          <a:spcPct val="107000"/>
+                        </a:lnSpc>
+                        <a:spcAft>
+                          <a:spcPts val="0"/>
+                        </a:spcAft>
+                      </a:pPr>
+                      <a:r>
+                        <a:rPr lang="pt-BR" sz="1100">
+                          <a:effectLst/>
+                        </a:rPr>
+                        <a:t>5º</a:t>
+                      </a:r>
+                      <a:endParaRPr lang="pt-BR" sz="1100">
+                        <a:effectLst/>
+                        <a:latin typeface="Calibri" panose="020F0502020204030204" pitchFamily="34" charset="0"/>
+                        <a:ea typeface="Calibri" panose="020F0502020204030204" pitchFamily="34" charset="0"/>
+                        <a:cs typeface="Times New Roman" panose="02020603050405020304" pitchFamily="18" charset="0"/>
+                      </a:endParaRPr>
+                    </a:p>
+                  </a:txBody>
+                  <a:tcPr marL="68580" marR="68580" marT="0" marB="0"/>
+                </a:tc>
+                <a:tc>
+                  <a:txBody>
+                    <a:bodyPr/>
+                    <a:lstStyle/>
+                    <a:p>
+                      <a:pPr algn="ctr">
+                        <a:lnSpc>
+                          <a:spcPct val="107000"/>
+                        </a:lnSpc>
+                        <a:spcAft>
+                          <a:spcPts val="0"/>
+                        </a:spcAft>
+                      </a:pPr>
+                      <a:r>
+                        <a:rPr lang="pt-BR" sz="1100">
+                          <a:effectLst/>
+                        </a:rPr>
+                        <a:t>Gnome Sort</a:t>
+                      </a:r>
+                      <a:endParaRPr lang="pt-BR" sz="1100">
+                        <a:effectLst/>
+                        <a:latin typeface="Calibri" panose="020F0502020204030204" pitchFamily="34" charset="0"/>
+                        <a:ea typeface="Calibri" panose="020F0502020204030204" pitchFamily="34" charset="0"/>
+                        <a:cs typeface="Times New Roman" panose="02020603050405020304" pitchFamily="18" charset="0"/>
+                      </a:endParaRPr>
+                    </a:p>
+                  </a:txBody>
+                  <a:tcPr marL="68580" marR="68580" marT="0" marB="0"/>
+                </a:tc>
+                <a:tc>
+                  <a:txBody>
+                    <a:bodyPr/>
+                    <a:lstStyle/>
+                    <a:p>
+                      <a:pPr algn="ctr">
+                        <a:lnSpc>
+                          <a:spcPct val="107000"/>
+                        </a:lnSpc>
+                        <a:spcAft>
+                          <a:spcPts val="0"/>
+                        </a:spcAft>
+                      </a:pPr>
+                      <a:r>
+                        <a:rPr lang="pt-BR" sz="1100">
+                          <a:effectLst/>
+                        </a:rPr>
+                        <a:t>779ms</a:t>
+                      </a:r>
+                      <a:endParaRPr lang="pt-BR" sz="1100">
+                        <a:effectLst/>
+                        <a:latin typeface="Calibri" panose="020F0502020204030204" pitchFamily="34" charset="0"/>
+                        <a:ea typeface="Calibri" panose="020F0502020204030204" pitchFamily="34" charset="0"/>
+                        <a:cs typeface="Times New Roman" panose="02020603050405020304" pitchFamily="18" charset="0"/>
+                      </a:endParaRPr>
+                    </a:p>
+                  </a:txBody>
+                  <a:tcPr marL="68580" marR="68580" marT="0" marB="0"/>
+                </a:tc>
+              </a:tr>
+              <a:tr h="0">
+                <a:tc>
+                  <a:txBody>
+                    <a:bodyPr/>
+                    <a:lstStyle/>
+                    <a:p>
+                      <a:pPr algn="ctr">
+                        <a:lnSpc>
+                          <a:spcPct val="107000"/>
+                        </a:lnSpc>
+                        <a:spcAft>
+                          <a:spcPts val="0"/>
+                        </a:spcAft>
+                      </a:pPr>
+                      <a:r>
+                        <a:rPr lang="pt-BR" sz="1100">
+                          <a:effectLst/>
+                        </a:rPr>
+                        <a:t>6º</a:t>
+                      </a:r>
+                      <a:endParaRPr lang="pt-BR" sz="1100">
+                        <a:effectLst/>
+                        <a:latin typeface="Calibri" panose="020F0502020204030204" pitchFamily="34" charset="0"/>
+                        <a:ea typeface="Calibri" panose="020F0502020204030204" pitchFamily="34" charset="0"/>
+                        <a:cs typeface="Times New Roman" panose="02020603050405020304" pitchFamily="18" charset="0"/>
+                      </a:endParaRPr>
+                    </a:p>
+                  </a:txBody>
+                  <a:tcPr marL="68580" marR="68580" marT="0" marB="0"/>
+                </a:tc>
+                <a:tc>
+                  <a:txBody>
+                    <a:bodyPr/>
+                    <a:lstStyle/>
+                    <a:p>
+                      <a:pPr algn="ctr">
+                        <a:lnSpc>
+                          <a:spcPct val="107000"/>
+                        </a:lnSpc>
+                        <a:spcAft>
+                          <a:spcPts val="0"/>
+                        </a:spcAft>
+                      </a:pPr>
+                      <a:r>
+                        <a:rPr lang="pt-BR" sz="1100">
+                          <a:effectLst/>
+                        </a:rPr>
+                        <a:t>Bubble Sort</a:t>
+                      </a:r>
+                      <a:endParaRPr lang="pt-BR" sz="1100">
+                        <a:effectLst/>
+                        <a:latin typeface="Calibri" panose="020F0502020204030204" pitchFamily="34" charset="0"/>
+                        <a:ea typeface="Calibri" panose="020F0502020204030204" pitchFamily="34" charset="0"/>
+                        <a:cs typeface="Times New Roman" panose="02020603050405020304" pitchFamily="18" charset="0"/>
+                      </a:endParaRPr>
+                    </a:p>
+                  </a:txBody>
+                  <a:tcPr marL="68580" marR="68580" marT="0" marB="0"/>
+                </a:tc>
+                <a:tc>
+                  <a:txBody>
+                    <a:bodyPr/>
+                    <a:lstStyle/>
+                    <a:p>
+                      <a:pPr algn="ctr">
+                        <a:lnSpc>
+                          <a:spcPct val="107000"/>
+                        </a:lnSpc>
+                        <a:spcAft>
+                          <a:spcPts val="0"/>
+                        </a:spcAft>
+                      </a:pPr>
+                      <a:r>
+                        <a:rPr lang="pt-BR" sz="1100" dirty="0">
+                          <a:effectLst/>
+                        </a:rPr>
+                        <a:t>785ms</a:t>
+                      </a:r>
+                      <a:endParaRPr lang="pt-BR" sz="1100" dirty="0">
+                        <a:effectLst/>
+                        <a:latin typeface="Calibri" panose="020F0502020204030204" pitchFamily="34" charset="0"/>
+                        <a:ea typeface="Calibri" panose="020F0502020204030204" pitchFamily="34" charset="0"/>
+                        <a:cs typeface="Times New Roman" panose="02020603050405020304" pitchFamily="18" charset="0"/>
+                      </a:endParaRPr>
+                    </a:p>
+                  </a:txBody>
+                  <a:tcPr marL="68580" marR="68580" marT="0" marB="0"/>
+                </a:tc>
+              </a:tr>
+            </a:tbl>
+          </a:graphicData>
+        </a:graphic>
+      </p:graphicFrame>
+      <p:sp>
+        <p:nvSpPr>
+          <p:cNvPr id="14" name="Retângulo 13"/>
+          <p:cNvSpPr/>
+          <p:nvPr/>
+        </p:nvSpPr>
+        <p:spPr>
+          <a:xfrm>
+            <a:off x="1034327" y="1736052"/>
+            <a:ext cx="1751505" cy="388696"/>
+          </a:xfrm>
+          <a:prstGeom prst="rect">
+            <a:avLst/>
+          </a:prstGeom>
+        </p:spPr>
+        <p:txBody>
+          <a:bodyPr wrap="none">
+            <a:spAutoFit/>
+          </a:bodyPr>
+          <a:lstStyle/>
+          <a:p>
+            <a:pPr>
+              <a:lnSpc>
+                <a:spcPct val="107000"/>
+              </a:lnSpc>
+              <a:spcBef>
+                <a:spcPts val="200"/>
+              </a:spcBef>
+              <a:spcAft>
+                <a:spcPts val="0"/>
+              </a:spcAft>
+            </a:pPr>
+            <a:r>
+              <a:rPr lang="pt-BR" b="1" smtClean="0">
+                <a:solidFill>
+                  <a:srgbClr val="2E74B5"/>
+                </a:solidFill>
+                <a:latin typeface="Calibri Light" panose="020F0302020204030204" pitchFamily="34" charset="0"/>
+                <a:ea typeface="Times New Roman" panose="02020603050405020304" pitchFamily="18" charset="0"/>
+                <a:cs typeface="Times New Roman" panose="02020603050405020304" pitchFamily="18" charset="0"/>
+              </a:rPr>
+              <a:t>Vetor Randômico</a:t>
+            </a:r>
+            <a:endParaRPr lang="pt-BR" b="1" dirty="0">
+              <a:solidFill>
+                <a:srgbClr val="2E74B5"/>
+              </a:solidFill>
+              <a:effectLst/>
+              <a:latin typeface="Calibri Light" panose="020F0302020204030204" pitchFamily="34" charset="0"/>
+              <a:ea typeface="Times New Roman" panose="02020603050405020304" pitchFamily="18" charset="0"/>
+              <a:cs typeface="Times New Roman" panose="02020603050405020304" pitchFamily="18" charset="0"/>
+            </a:endParaRPr>
+          </a:p>
+        </p:txBody>
+      </p:sp>
+      <p:sp>
+        <p:nvSpPr>
+          <p:cNvPr id="15" name="Retângulo 14"/>
+          <p:cNvSpPr/>
+          <p:nvPr/>
+        </p:nvSpPr>
+        <p:spPr>
+          <a:xfrm>
+            <a:off x="1034327" y="3519132"/>
+            <a:ext cx="1633652" cy="388696"/>
+          </a:xfrm>
+          <a:prstGeom prst="rect">
+            <a:avLst/>
+          </a:prstGeom>
+        </p:spPr>
+        <p:txBody>
+          <a:bodyPr wrap="none">
+            <a:spAutoFit/>
+          </a:bodyPr>
+          <a:lstStyle/>
+          <a:p>
+            <a:pPr>
+              <a:lnSpc>
+                <a:spcPct val="107000"/>
+              </a:lnSpc>
+              <a:spcBef>
+                <a:spcPts val="200"/>
+              </a:spcBef>
+              <a:spcAft>
+                <a:spcPts val="0"/>
+              </a:spcAft>
+            </a:pPr>
+            <a:r>
+              <a:rPr lang="pt-BR" b="1" dirty="0">
+                <a:solidFill>
+                  <a:srgbClr val="2E74B5"/>
+                </a:solidFill>
+                <a:latin typeface="Calibri Light" panose="020F0302020204030204" pitchFamily="34" charset="0"/>
+                <a:ea typeface="Times New Roman" panose="02020603050405020304" pitchFamily="18" charset="0"/>
+                <a:cs typeface="Times New Roman" panose="02020603050405020304" pitchFamily="18" charset="0"/>
+              </a:rPr>
+              <a:t>Vetor Crescente</a:t>
+            </a:r>
+            <a:endParaRPr lang="pt-BR" b="1" dirty="0">
+              <a:solidFill>
+                <a:srgbClr val="2E74B5"/>
+              </a:solidFill>
+              <a:effectLst/>
+              <a:latin typeface="Calibri Light" panose="020F0302020204030204" pitchFamily="34" charset="0"/>
+              <a:ea typeface="Times New Roman" panose="02020603050405020304" pitchFamily="18" charset="0"/>
+              <a:cs typeface="Times New Roman" panose="02020603050405020304" pitchFamily="18" charset="0"/>
+            </a:endParaRPr>
+          </a:p>
+        </p:txBody>
+      </p:sp>
+      <p:sp>
+        <p:nvSpPr>
+          <p:cNvPr id="16" name="Retângulo 15"/>
+          <p:cNvSpPr/>
+          <p:nvPr/>
+        </p:nvSpPr>
+        <p:spPr>
+          <a:xfrm>
+            <a:off x="5309203" y="1736052"/>
+            <a:ext cx="1858073" cy="388696"/>
+          </a:xfrm>
+          <a:prstGeom prst="rect">
+            <a:avLst/>
+          </a:prstGeom>
+        </p:spPr>
+        <p:txBody>
+          <a:bodyPr wrap="none">
+            <a:spAutoFit/>
+          </a:bodyPr>
+          <a:lstStyle/>
+          <a:p>
+            <a:pPr>
+              <a:lnSpc>
+                <a:spcPct val="107000"/>
+              </a:lnSpc>
+              <a:spcBef>
+                <a:spcPts val="200"/>
+              </a:spcBef>
+              <a:spcAft>
+                <a:spcPts val="0"/>
+              </a:spcAft>
+            </a:pPr>
+            <a:r>
+              <a:rPr lang="pt-BR" b="1" dirty="0">
+                <a:solidFill>
+                  <a:srgbClr val="2E74B5"/>
+                </a:solidFill>
+                <a:latin typeface="Calibri Light" panose="020F0302020204030204" pitchFamily="34" charset="0"/>
+                <a:ea typeface="Times New Roman" panose="02020603050405020304" pitchFamily="18" charset="0"/>
+                <a:cs typeface="Times New Roman" panose="02020603050405020304" pitchFamily="18" charset="0"/>
+              </a:rPr>
+              <a:t>Vetor Decrescente</a:t>
+            </a:r>
+            <a:endParaRPr lang="pt-BR" b="1" dirty="0">
+              <a:solidFill>
+                <a:srgbClr val="2E74B5"/>
+              </a:solidFill>
+              <a:effectLst/>
+              <a:latin typeface="Calibri Light" panose="020F0302020204030204" pitchFamily="34" charset="0"/>
+              <a:ea typeface="Times New Roman" panose="02020603050405020304" pitchFamily="18" charset="0"/>
+              <a:cs typeface="Times New Roman" panose="02020603050405020304" pitchFamily="18" charset="0"/>
+            </a:endParaRPr>
+          </a:p>
+        </p:txBody>
+      </p:sp>
+      <p:sp>
+        <p:nvSpPr>
+          <p:cNvPr id="17" name="Retângulo 16"/>
+          <p:cNvSpPr/>
+          <p:nvPr/>
+        </p:nvSpPr>
+        <p:spPr>
+          <a:xfrm>
+            <a:off x="5309203" y="3519132"/>
+            <a:ext cx="2268378" cy="388696"/>
+          </a:xfrm>
+          <a:prstGeom prst="rect">
+            <a:avLst/>
+          </a:prstGeom>
+        </p:spPr>
+        <p:txBody>
+          <a:bodyPr wrap="none">
+            <a:spAutoFit/>
+          </a:bodyPr>
+          <a:lstStyle/>
+          <a:p>
+            <a:pPr>
+              <a:lnSpc>
+                <a:spcPct val="107000"/>
+              </a:lnSpc>
+              <a:spcBef>
+                <a:spcPts val="200"/>
+              </a:spcBef>
+              <a:spcAft>
+                <a:spcPts val="0"/>
+              </a:spcAft>
+            </a:pPr>
+            <a:r>
+              <a:rPr lang="pt-BR" b="1" dirty="0">
+                <a:solidFill>
+                  <a:srgbClr val="2E74B5"/>
+                </a:solidFill>
+                <a:latin typeface="Calibri Light" panose="020F0302020204030204" pitchFamily="34" charset="0"/>
+                <a:ea typeface="Times New Roman" panose="02020603050405020304" pitchFamily="18" charset="0"/>
+                <a:cs typeface="Times New Roman" panose="02020603050405020304" pitchFamily="18" charset="0"/>
+              </a:rPr>
+              <a:t>Média das Ordenações</a:t>
+            </a:r>
+            <a:endParaRPr lang="pt-BR" b="1" dirty="0">
+              <a:solidFill>
+                <a:srgbClr val="2E74B5"/>
+              </a:solidFill>
+              <a:effectLst/>
+              <a:latin typeface="Calibri Light" panose="020F0302020204030204" pitchFamily="34" charset="0"/>
+              <a:ea typeface="Times New Roman" panose="02020603050405020304" pitchFamily="18" charset="0"/>
+              <a:cs typeface="Times New Roman" panose="02020603050405020304" pitchFamily="18" charset="0"/>
+            </a:endParaRPr>
+          </a:p>
+        </p:txBody>
+      </p:sp>
+    </p:spTree>
+    <p:extLst>
+      <p:ext uri="{BB962C8B-B14F-4D97-AF65-F5344CB8AC3E}">
+        <p14:creationId xmlns:p14="http://schemas.microsoft.com/office/powerpoint/2010/main" val="2915684039"/>
+      </p:ext>
+    </p:extLst>
+  </p:cSld>
+  <p:clrMapOvr>
+    <a:masterClrMapping/>
+  </p:clrMapOvr>
+  <p:timing>
+    <p:tnLst>
+      <p:par>
+        <p:cTn id="1" dur="indefinite" restart="never" nodeType="tmRoot"/>
+      </p:par>
+    </p:tnLst>
+  </p:timing>
+</p:sld>
+</file>
+
+<file path=ppt/slides/slide9.xml><?xml version="1.0" encoding="utf-8"?>
 <p:sld xmlns:a="http://schemas.openxmlformats.org/drawingml/2006/main" xmlns:r="http://schemas.openxmlformats.org/officeDocument/2006/relationships" xmlns:p="http://schemas.openxmlformats.org/presentationml/2006/main">
   <p:cSld>
     <p:spTree>
